--- a/26 Linux服务器监控.pptx
+++ b/26 Linux服务器监控.pptx
@@ -5,24 +5,43 @@
     <p:sldMasterId id="2147483662" r:id="rId1"/>
   </p:sldMasterIdLst>
   <p:notesMasterIdLst>
-    <p:notesMasterId r:id="rId17"/>
+    <p:notesMasterId r:id="rId36"/>
   </p:notesMasterIdLst>
   <p:sldIdLst>
     <p:sldId id="256" r:id="rId2"/>
-    <p:sldId id="320" r:id="rId3"/>
-    <p:sldId id="319" r:id="rId4"/>
-    <p:sldId id="321" r:id="rId5"/>
-    <p:sldId id="323" r:id="rId6"/>
-    <p:sldId id="324" r:id="rId7"/>
-    <p:sldId id="325" r:id="rId8"/>
-    <p:sldId id="330" r:id="rId9"/>
-    <p:sldId id="326" r:id="rId10"/>
-    <p:sldId id="327" r:id="rId11"/>
-    <p:sldId id="331" r:id="rId12"/>
-    <p:sldId id="328" r:id="rId13"/>
-    <p:sldId id="329" r:id="rId14"/>
-    <p:sldId id="332" r:id="rId15"/>
-    <p:sldId id="333" r:id="rId16"/>
+    <p:sldId id="334" r:id="rId3"/>
+    <p:sldId id="320" r:id="rId4"/>
+    <p:sldId id="319" r:id="rId5"/>
+    <p:sldId id="321" r:id="rId6"/>
+    <p:sldId id="323" r:id="rId7"/>
+    <p:sldId id="324" r:id="rId8"/>
+    <p:sldId id="325" r:id="rId9"/>
+    <p:sldId id="330" r:id="rId10"/>
+    <p:sldId id="326" r:id="rId11"/>
+    <p:sldId id="327" r:id="rId12"/>
+    <p:sldId id="331" r:id="rId13"/>
+    <p:sldId id="328" r:id="rId14"/>
+    <p:sldId id="329" r:id="rId15"/>
+    <p:sldId id="332" r:id="rId16"/>
+    <p:sldId id="333" r:id="rId17"/>
+    <p:sldId id="337" r:id="rId18"/>
+    <p:sldId id="336" r:id="rId19"/>
+    <p:sldId id="338" r:id="rId20"/>
+    <p:sldId id="335" r:id="rId21"/>
+    <p:sldId id="339" r:id="rId22"/>
+    <p:sldId id="340" r:id="rId23"/>
+    <p:sldId id="342" r:id="rId24"/>
+    <p:sldId id="344" r:id="rId25"/>
+    <p:sldId id="343" r:id="rId26"/>
+    <p:sldId id="345" r:id="rId27"/>
+    <p:sldId id="346" r:id="rId28"/>
+    <p:sldId id="347" r:id="rId29"/>
+    <p:sldId id="348" r:id="rId30"/>
+    <p:sldId id="350" r:id="rId31"/>
+    <p:sldId id="349" r:id="rId32"/>
+    <p:sldId id="351" r:id="rId33"/>
+    <p:sldId id="354" r:id="rId34"/>
+    <p:sldId id="355" r:id="rId35"/>
   </p:sldIdLst>
   <p:sldSz cx="9144000" cy="6858000" type="screen4x3"/>
   <p:notesSz cx="6858000" cy="9144000"/>
@@ -254,11 +273,11 @@
         </c:dLbls>
         <c:marker val="1"/>
         <c:smooth val="0"/>
-        <c:axId val="91744512"/>
-        <c:axId val="155131904"/>
+        <c:axId val="54334208"/>
+        <c:axId val="54335744"/>
       </c:lineChart>
       <c:catAx>
-        <c:axId val="91744512"/>
+        <c:axId val="54334208"/>
         <c:scaling>
           <c:orientation val="minMax"/>
         </c:scaling>
@@ -267,7 +286,7 @@
         <c:majorTickMark val="out"/>
         <c:minorTickMark val="none"/>
         <c:tickLblPos val="nextTo"/>
-        <c:crossAx val="155131904"/>
+        <c:crossAx val="54335744"/>
         <c:crosses val="autoZero"/>
         <c:auto val="1"/>
         <c:lblAlgn val="ctr"/>
@@ -275,7 +294,7 @@
         <c:noMultiLvlLbl val="0"/>
       </c:catAx>
       <c:valAx>
-        <c:axId val="155131904"/>
+        <c:axId val="54335744"/>
         <c:scaling>
           <c:orientation val="minMax"/>
         </c:scaling>
@@ -286,7 +305,7 @@
         <c:majorTickMark val="out"/>
         <c:minorTickMark val="none"/>
         <c:tickLblPos val="nextTo"/>
-        <c:crossAx val="91744512"/>
+        <c:crossAx val="54334208"/>
         <c:crosses val="autoZero"/>
         <c:crossBetween val="between"/>
       </c:valAx>
@@ -388,7 +407,7 @@
           <a:p>
             <a:fld id="{12917036-4097-4A67-B82A-FD5C6195453D}" type="datetimeFigureOut">
               <a:rPr lang="zh-CN" altLang="en-US" smtClean="0"/>
-              <a:t>2018/4/4</a:t>
+              <a:t>2018/4/9</a:t>
             </a:fld>
             <a:endParaRPr lang="zh-CN" altLang="en-US"/>
           </a:p>
@@ -700,10 +719,6 @@
           <a:bodyPr/>
           <a:lstStyle/>
           <a:p>
-            <a:r>
-              <a:rPr lang="zh-CN" altLang="en-US" dirty="0" smtClean="0"/>
-              <a:t>操作系统版本</a:t>
-            </a:r>
             <a:endParaRPr lang="zh-CN" altLang="en-US" dirty="0"/>
           </a:p>
         </p:txBody>
@@ -725,7 +740,7 @@
           <a:p>
             <a:fld id="{492130AA-67D2-4DB7-A4EE-A3ADA8CA71A6}" type="slidenum">
               <a:rPr lang="zh-CN" altLang="en-US" smtClean="0"/>
-              <a:t>2</a:t>
+              <a:t>3</a:t>
             </a:fld>
             <a:endParaRPr lang="zh-CN" altLang="en-US"/>
           </a:p>
@@ -735,6 +750,594 @@
     <p:extLst>
       <p:ext uri="{BB962C8B-B14F-4D97-AF65-F5344CB8AC3E}">
         <p14:creationId xmlns:p14="http://schemas.microsoft.com/office/powerpoint/2010/main" val="3710097773"/>
+      </p:ext>
+    </p:extLst>
+  </p:cSld>
+  <p:clrMapOvr>
+    <a:masterClrMapping/>
+  </p:clrMapOvr>
+</p:notes>
+</file>
+
+<file path=ppt/notesSlides/notesSlide10.xml><?xml version="1.0" encoding="utf-8"?>
+<p:notes xmlns:a="http://schemas.openxmlformats.org/drawingml/2006/main" xmlns:r="http://schemas.openxmlformats.org/officeDocument/2006/relationships" xmlns:p="http://schemas.openxmlformats.org/presentationml/2006/main">
+  <p:cSld>
+    <p:spTree>
+      <p:nvGrpSpPr>
+        <p:cNvPr id="1" name=""/>
+        <p:cNvGrpSpPr/>
+        <p:nvPr/>
+      </p:nvGrpSpPr>
+      <p:grpSpPr>
+        <a:xfrm>
+          <a:off x="0" y="0"/>
+          <a:ext cx="0" cy="0"/>
+          <a:chOff x="0" y="0"/>
+          <a:chExt cx="0" cy="0"/>
+        </a:xfrm>
+      </p:grpSpPr>
+      <p:sp>
+        <p:nvSpPr>
+          <p:cNvPr id="2" name="幻灯片图像占位符 1"/>
+          <p:cNvSpPr>
+            <a:spLocks noGrp="1" noRot="1" noChangeAspect="1"/>
+          </p:cNvSpPr>
+          <p:nvPr>
+            <p:ph type="sldImg"/>
+          </p:nvPr>
+        </p:nvSpPr>
+        <p:spPr/>
+      </p:sp>
+      <p:sp>
+        <p:nvSpPr>
+          <p:cNvPr id="3" name="备注占位符 2"/>
+          <p:cNvSpPr>
+            <a:spLocks noGrp="1"/>
+          </p:cNvSpPr>
+          <p:nvPr>
+            <p:ph type="body" idx="1"/>
+          </p:nvPr>
+        </p:nvSpPr>
+        <p:spPr/>
+        <p:txBody>
+          <a:bodyPr/>
+          <a:lstStyle/>
+          <a:p>
+            <a:endParaRPr lang="zh-CN" altLang="en-US" dirty="0"/>
+          </a:p>
+        </p:txBody>
+      </p:sp>
+      <p:sp>
+        <p:nvSpPr>
+          <p:cNvPr id="4" name="灯片编号占位符 3"/>
+          <p:cNvSpPr>
+            <a:spLocks noGrp="1"/>
+          </p:cNvSpPr>
+          <p:nvPr>
+            <p:ph type="sldNum" sz="quarter" idx="10"/>
+          </p:nvPr>
+        </p:nvSpPr>
+        <p:spPr/>
+        <p:txBody>
+          <a:bodyPr/>
+          <a:lstStyle/>
+          <a:p>
+            <a:fld id="{492130AA-67D2-4DB7-A4EE-A3ADA8CA71A6}" type="slidenum">
+              <a:rPr lang="zh-CN" altLang="en-US" smtClean="0"/>
+              <a:t>17</a:t>
+            </a:fld>
+            <a:endParaRPr lang="zh-CN" altLang="en-US"/>
+          </a:p>
+        </p:txBody>
+      </p:sp>
+    </p:spTree>
+    <p:extLst>
+      <p:ext uri="{BB962C8B-B14F-4D97-AF65-F5344CB8AC3E}">
+        <p14:creationId xmlns:p14="http://schemas.microsoft.com/office/powerpoint/2010/main" val="2773511655"/>
+      </p:ext>
+    </p:extLst>
+  </p:cSld>
+  <p:clrMapOvr>
+    <a:masterClrMapping/>
+  </p:clrMapOvr>
+</p:notes>
+</file>
+
+<file path=ppt/notesSlides/notesSlide11.xml><?xml version="1.0" encoding="utf-8"?>
+<p:notes xmlns:a="http://schemas.openxmlformats.org/drawingml/2006/main" xmlns:r="http://schemas.openxmlformats.org/officeDocument/2006/relationships" xmlns:p="http://schemas.openxmlformats.org/presentationml/2006/main">
+  <p:cSld>
+    <p:spTree>
+      <p:nvGrpSpPr>
+        <p:cNvPr id="1" name=""/>
+        <p:cNvGrpSpPr/>
+        <p:nvPr/>
+      </p:nvGrpSpPr>
+      <p:grpSpPr>
+        <a:xfrm>
+          <a:off x="0" y="0"/>
+          <a:ext cx="0" cy="0"/>
+          <a:chOff x="0" y="0"/>
+          <a:chExt cx="0" cy="0"/>
+        </a:xfrm>
+      </p:grpSpPr>
+      <p:sp>
+        <p:nvSpPr>
+          <p:cNvPr id="2" name="幻灯片图像占位符 1"/>
+          <p:cNvSpPr>
+            <a:spLocks noGrp="1" noRot="1" noChangeAspect="1"/>
+          </p:cNvSpPr>
+          <p:nvPr>
+            <p:ph type="sldImg"/>
+          </p:nvPr>
+        </p:nvSpPr>
+        <p:spPr/>
+      </p:sp>
+      <p:sp>
+        <p:nvSpPr>
+          <p:cNvPr id="3" name="备注占位符 2"/>
+          <p:cNvSpPr>
+            <a:spLocks noGrp="1"/>
+          </p:cNvSpPr>
+          <p:nvPr>
+            <p:ph type="body" idx="1"/>
+          </p:nvPr>
+        </p:nvSpPr>
+        <p:spPr/>
+        <p:txBody>
+          <a:bodyPr/>
+          <a:lstStyle/>
+          <a:p>
+            <a:endParaRPr lang="zh-CN" altLang="en-US" dirty="0"/>
+          </a:p>
+        </p:txBody>
+      </p:sp>
+      <p:sp>
+        <p:nvSpPr>
+          <p:cNvPr id="4" name="灯片编号占位符 3"/>
+          <p:cNvSpPr>
+            <a:spLocks noGrp="1"/>
+          </p:cNvSpPr>
+          <p:nvPr>
+            <p:ph type="sldNum" sz="quarter" idx="10"/>
+          </p:nvPr>
+        </p:nvSpPr>
+        <p:spPr/>
+        <p:txBody>
+          <a:bodyPr/>
+          <a:lstStyle/>
+          <a:p>
+            <a:fld id="{492130AA-67D2-4DB7-A4EE-A3ADA8CA71A6}" type="slidenum">
+              <a:rPr lang="zh-CN" altLang="en-US" smtClean="0"/>
+              <a:t>18</a:t>
+            </a:fld>
+            <a:endParaRPr lang="zh-CN" altLang="en-US"/>
+          </a:p>
+        </p:txBody>
+      </p:sp>
+    </p:spTree>
+    <p:extLst>
+      <p:ext uri="{BB962C8B-B14F-4D97-AF65-F5344CB8AC3E}">
+        <p14:creationId xmlns:p14="http://schemas.microsoft.com/office/powerpoint/2010/main" val="2773511655"/>
+      </p:ext>
+    </p:extLst>
+  </p:cSld>
+  <p:clrMapOvr>
+    <a:masterClrMapping/>
+  </p:clrMapOvr>
+</p:notes>
+</file>
+
+<file path=ppt/notesSlides/notesSlide12.xml><?xml version="1.0" encoding="utf-8"?>
+<p:notes xmlns:a="http://schemas.openxmlformats.org/drawingml/2006/main" xmlns:r="http://schemas.openxmlformats.org/officeDocument/2006/relationships" xmlns:p="http://schemas.openxmlformats.org/presentationml/2006/main">
+  <p:cSld>
+    <p:spTree>
+      <p:nvGrpSpPr>
+        <p:cNvPr id="1" name=""/>
+        <p:cNvGrpSpPr/>
+        <p:nvPr/>
+      </p:nvGrpSpPr>
+      <p:grpSpPr>
+        <a:xfrm>
+          <a:off x="0" y="0"/>
+          <a:ext cx="0" cy="0"/>
+          <a:chOff x="0" y="0"/>
+          <a:chExt cx="0" cy="0"/>
+        </a:xfrm>
+      </p:grpSpPr>
+      <p:sp>
+        <p:nvSpPr>
+          <p:cNvPr id="2" name="幻灯片图像占位符 1"/>
+          <p:cNvSpPr>
+            <a:spLocks noGrp="1" noRot="1" noChangeAspect="1"/>
+          </p:cNvSpPr>
+          <p:nvPr>
+            <p:ph type="sldImg"/>
+          </p:nvPr>
+        </p:nvSpPr>
+        <p:spPr/>
+      </p:sp>
+      <p:sp>
+        <p:nvSpPr>
+          <p:cNvPr id="3" name="备注占位符 2"/>
+          <p:cNvSpPr>
+            <a:spLocks noGrp="1"/>
+          </p:cNvSpPr>
+          <p:nvPr>
+            <p:ph type="body" idx="1"/>
+          </p:nvPr>
+        </p:nvSpPr>
+        <p:spPr/>
+        <p:txBody>
+          <a:bodyPr/>
+          <a:lstStyle/>
+          <a:p>
+            <a:endParaRPr lang="zh-CN" altLang="en-US" dirty="0"/>
+          </a:p>
+        </p:txBody>
+      </p:sp>
+      <p:sp>
+        <p:nvSpPr>
+          <p:cNvPr id="4" name="灯片编号占位符 3"/>
+          <p:cNvSpPr>
+            <a:spLocks noGrp="1"/>
+          </p:cNvSpPr>
+          <p:nvPr>
+            <p:ph type="sldNum" sz="quarter" idx="10"/>
+          </p:nvPr>
+        </p:nvSpPr>
+        <p:spPr/>
+        <p:txBody>
+          <a:bodyPr/>
+          <a:lstStyle/>
+          <a:p>
+            <a:fld id="{492130AA-67D2-4DB7-A4EE-A3ADA8CA71A6}" type="slidenum">
+              <a:rPr lang="zh-CN" altLang="en-US" smtClean="0"/>
+              <a:t>19</a:t>
+            </a:fld>
+            <a:endParaRPr lang="zh-CN" altLang="en-US"/>
+          </a:p>
+        </p:txBody>
+      </p:sp>
+    </p:spTree>
+    <p:extLst>
+      <p:ext uri="{BB962C8B-B14F-4D97-AF65-F5344CB8AC3E}">
+        <p14:creationId xmlns:p14="http://schemas.microsoft.com/office/powerpoint/2010/main" val="2773511655"/>
+      </p:ext>
+    </p:extLst>
+  </p:cSld>
+  <p:clrMapOvr>
+    <a:masterClrMapping/>
+  </p:clrMapOvr>
+</p:notes>
+</file>
+
+<file path=ppt/notesSlides/notesSlide13.xml><?xml version="1.0" encoding="utf-8"?>
+<p:notes xmlns:a="http://schemas.openxmlformats.org/drawingml/2006/main" xmlns:r="http://schemas.openxmlformats.org/officeDocument/2006/relationships" xmlns:p="http://schemas.openxmlformats.org/presentationml/2006/main">
+  <p:cSld>
+    <p:spTree>
+      <p:nvGrpSpPr>
+        <p:cNvPr id="1" name=""/>
+        <p:cNvGrpSpPr/>
+        <p:nvPr/>
+      </p:nvGrpSpPr>
+      <p:grpSpPr>
+        <a:xfrm>
+          <a:off x="0" y="0"/>
+          <a:ext cx="0" cy="0"/>
+          <a:chOff x="0" y="0"/>
+          <a:chExt cx="0" cy="0"/>
+        </a:xfrm>
+      </p:grpSpPr>
+      <p:sp>
+        <p:nvSpPr>
+          <p:cNvPr id="2" name="幻灯片图像占位符 1"/>
+          <p:cNvSpPr>
+            <a:spLocks noGrp="1" noRot="1" noChangeAspect="1"/>
+          </p:cNvSpPr>
+          <p:nvPr>
+            <p:ph type="sldImg"/>
+          </p:nvPr>
+        </p:nvSpPr>
+        <p:spPr/>
+      </p:sp>
+      <p:sp>
+        <p:nvSpPr>
+          <p:cNvPr id="3" name="备注占位符 2"/>
+          <p:cNvSpPr>
+            <a:spLocks noGrp="1"/>
+          </p:cNvSpPr>
+          <p:nvPr>
+            <p:ph type="body" idx="1"/>
+          </p:nvPr>
+        </p:nvSpPr>
+        <p:spPr/>
+        <p:txBody>
+          <a:bodyPr/>
+          <a:lstStyle/>
+          <a:p>
+            <a:endParaRPr lang="zh-CN" altLang="en-US" dirty="0"/>
+          </a:p>
+        </p:txBody>
+      </p:sp>
+      <p:sp>
+        <p:nvSpPr>
+          <p:cNvPr id="4" name="灯片编号占位符 3"/>
+          <p:cNvSpPr>
+            <a:spLocks noGrp="1"/>
+          </p:cNvSpPr>
+          <p:nvPr>
+            <p:ph type="sldNum" sz="quarter" idx="10"/>
+          </p:nvPr>
+        </p:nvSpPr>
+        <p:spPr/>
+        <p:txBody>
+          <a:bodyPr/>
+          <a:lstStyle/>
+          <a:p>
+            <a:fld id="{492130AA-67D2-4DB7-A4EE-A3ADA8CA71A6}" type="slidenum">
+              <a:rPr lang="zh-CN" altLang="en-US" smtClean="0"/>
+              <a:t>24</a:t>
+            </a:fld>
+            <a:endParaRPr lang="zh-CN" altLang="en-US"/>
+          </a:p>
+        </p:txBody>
+      </p:sp>
+    </p:spTree>
+    <p:extLst>
+      <p:ext uri="{BB962C8B-B14F-4D97-AF65-F5344CB8AC3E}">
+        <p14:creationId xmlns:p14="http://schemas.microsoft.com/office/powerpoint/2010/main" val="1871582254"/>
+      </p:ext>
+    </p:extLst>
+  </p:cSld>
+  <p:clrMapOvr>
+    <a:masterClrMapping/>
+  </p:clrMapOvr>
+</p:notes>
+</file>
+
+<file path=ppt/notesSlides/notesSlide14.xml><?xml version="1.0" encoding="utf-8"?>
+<p:notes xmlns:a="http://schemas.openxmlformats.org/drawingml/2006/main" xmlns:r="http://schemas.openxmlformats.org/officeDocument/2006/relationships" xmlns:p="http://schemas.openxmlformats.org/presentationml/2006/main">
+  <p:cSld>
+    <p:spTree>
+      <p:nvGrpSpPr>
+        <p:cNvPr id="1" name=""/>
+        <p:cNvGrpSpPr/>
+        <p:nvPr/>
+      </p:nvGrpSpPr>
+      <p:grpSpPr>
+        <a:xfrm>
+          <a:off x="0" y="0"/>
+          <a:ext cx="0" cy="0"/>
+          <a:chOff x="0" y="0"/>
+          <a:chExt cx="0" cy="0"/>
+        </a:xfrm>
+      </p:grpSpPr>
+      <p:sp>
+        <p:nvSpPr>
+          <p:cNvPr id="2" name="幻灯片图像占位符 1"/>
+          <p:cNvSpPr>
+            <a:spLocks noGrp="1" noRot="1" noChangeAspect="1"/>
+          </p:cNvSpPr>
+          <p:nvPr>
+            <p:ph type="sldImg"/>
+          </p:nvPr>
+        </p:nvSpPr>
+        <p:spPr/>
+      </p:sp>
+      <p:sp>
+        <p:nvSpPr>
+          <p:cNvPr id="3" name="备注占位符 2"/>
+          <p:cNvSpPr>
+            <a:spLocks noGrp="1"/>
+          </p:cNvSpPr>
+          <p:nvPr>
+            <p:ph type="body" idx="1"/>
+          </p:nvPr>
+        </p:nvSpPr>
+        <p:spPr/>
+        <p:txBody>
+          <a:bodyPr/>
+          <a:lstStyle/>
+          <a:p>
+            <a:endParaRPr lang="zh-CN" altLang="en-US" dirty="0"/>
+          </a:p>
+        </p:txBody>
+      </p:sp>
+      <p:sp>
+        <p:nvSpPr>
+          <p:cNvPr id="4" name="灯片编号占位符 3"/>
+          <p:cNvSpPr>
+            <a:spLocks noGrp="1"/>
+          </p:cNvSpPr>
+          <p:nvPr>
+            <p:ph type="sldNum" sz="quarter" idx="10"/>
+          </p:nvPr>
+        </p:nvSpPr>
+        <p:spPr/>
+        <p:txBody>
+          <a:bodyPr/>
+          <a:lstStyle/>
+          <a:p>
+            <a:fld id="{492130AA-67D2-4DB7-A4EE-A3ADA8CA71A6}" type="slidenum">
+              <a:rPr lang="zh-CN" altLang="en-US" smtClean="0"/>
+              <a:t>25</a:t>
+            </a:fld>
+            <a:endParaRPr lang="zh-CN" altLang="en-US"/>
+          </a:p>
+        </p:txBody>
+      </p:sp>
+    </p:spTree>
+    <p:extLst>
+      <p:ext uri="{BB962C8B-B14F-4D97-AF65-F5344CB8AC3E}">
+        <p14:creationId xmlns:p14="http://schemas.microsoft.com/office/powerpoint/2010/main" val="3913139616"/>
+      </p:ext>
+    </p:extLst>
+  </p:cSld>
+  <p:clrMapOvr>
+    <a:masterClrMapping/>
+  </p:clrMapOvr>
+</p:notes>
+</file>
+
+<file path=ppt/notesSlides/notesSlide15.xml><?xml version="1.0" encoding="utf-8"?>
+<p:notes xmlns:a="http://schemas.openxmlformats.org/drawingml/2006/main" xmlns:r="http://schemas.openxmlformats.org/officeDocument/2006/relationships" xmlns:p="http://schemas.openxmlformats.org/presentationml/2006/main">
+  <p:cSld>
+    <p:spTree>
+      <p:nvGrpSpPr>
+        <p:cNvPr id="1" name=""/>
+        <p:cNvGrpSpPr/>
+        <p:nvPr/>
+      </p:nvGrpSpPr>
+      <p:grpSpPr>
+        <a:xfrm>
+          <a:off x="0" y="0"/>
+          <a:ext cx="0" cy="0"/>
+          <a:chOff x="0" y="0"/>
+          <a:chExt cx="0" cy="0"/>
+        </a:xfrm>
+      </p:grpSpPr>
+      <p:sp>
+        <p:nvSpPr>
+          <p:cNvPr id="2" name="幻灯片图像占位符 1"/>
+          <p:cNvSpPr>
+            <a:spLocks noGrp="1" noRot="1" noChangeAspect="1"/>
+          </p:cNvSpPr>
+          <p:nvPr>
+            <p:ph type="sldImg"/>
+          </p:nvPr>
+        </p:nvSpPr>
+        <p:spPr/>
+      </p:sp>
+      <p:sp>
+        <p:nvSpPr>
+          <p:cNvPr id="3" name="备注占位符 2"/>
+          <p:cNvSpPr>
+            <a:spLocks noGrp="1"/>
+          </p:cNvSpPr>
+          <p:nvPr>
+            <p:ph type="body" idx="1"/>
+          </p:nvPr>
+        </p:nvSpPr>
+        <p:spPr/>
+        <p:txBody>
+          <a:bodyPr/>
+          <a:lstStyle/>
+          <a:p>
+            <a:endParaRPr lang="zh-CN" altLang="en-US" dirty="0"/>
+          </a:p>
+        </p:txBody>
+      </p:sp>
+      <p:sp>
+        <p:nvSpPr>
+          <p:cNvPr id="4" name="灯片编号占位符 3"/>
+          <p:cNvSpPr>
+            <a:spLocks noGrp="1"/>
+          </p:cNvSpPr>
+          <p:nvPr>
+            <p:ph type="sldNum" sz="quarter" idx="10"/>
+          </p:nvPr>
+        </p:nvSpPr>
+        <p:spPr/>
+        <p:txBody>
+          <a:bodyPr/>
+          <a:lstStyle/>
+          <a:p>
+            <a:fld id="{492130AA-67D2-4DB7-A4EE-A3ADA8CA71A6}" type="slidenum">
+              <a:rPr lang="zh-CN" altLang="en-US" smtClean="0"/>
+              <a:t>26</a:t>
+            </a:fld>
+            <a:endParaRPr lang="zh-CN" altLang="en-US"/>
+          </a:p>
+        </p:txBody>
+      </p:sp>
+    </p:spTree>
+    <p:extLst>
+      <p:ext uri="{BB962C8B-B14F-4D97-AF65-F5344CB8AC3E}">
+        <p14:creationId xmlns:p14="http://schemas.microsoft.com/office/powerpoint/2010/main" val="1993645827"/>
+      </p:ext>
+    </p:extLst>
+  </p:cSld>
+  <p:clrMapOvr>
+    <a:masterClrMapping/>
+  </p:clrMapOvr>
+</p:notes>
+</file>
+
+<file path=ppt/notesSlides/notesSlide16.xml><?xml version="1.0" encoding="utf-8"?>
+<p:notes xmlns:a="http://schemas.openxmlformats.org/drawingml/2006/main" xmlns:r="http://schemas.openxmlformats.org/officeDocument/2006/relationships" xmlns:p="http://schemas.openxmlformats.org/presentationml/2006/main">
+  <p:cSld>
+    <p:spTree>
+      <p:nvGrpSpPr>
+        <p:cNvPr id="1" name=""/>
+        <p:cNvGrpSpPr/>
+        <p:nvPr/>
+      </p:nvGrpSpPr>
+      <p:grpSpPr>
+        <a:xfrm>
+          <a:off x="0" y="0"/>
+          <a:ext cx="0" cy="0"/>
+          <a:chOff x="0" y="0"/>
+          <a:chExt cx="0" cy="0"/>
+        </a:xfrm>
+      </p:grpSpPr>
+      <p:sp>
+        <p:nvSpPr>
+          <p:cNvPr id="2" name="幻灯片图像占位符 1"/>
+          <p:cNvSpPr>
+            <a:spLocks noGrp="1" noRot="1" noChangeAspect="1"/>
+          </p:cNvSpPr>
+          <p:nvPr>
+            <p:ph type="sldImg"/>
+          </p:nvPr>
+        </p:nvSpPr>
+        <p:spPr/>
+      </p:sp>
+      <p:sp>
+        <p:nvSpPr>
+          <p:cNvPr id="3" name="备注占位符 2"/>
+          <p:cNvSpPr>
+            <a:spLocks noGrp="1"/>
+          </p:cNvSpPr>
+          <p:nvPr>
+            <p:ph type="body" idx="1"/>
+          </p:nvPr>
+        </p:nvSpPr>
+        <p:spPr/>
+        <p:txBody>
+          <a:bodyPr/>
+          <a:lstStyle/>
+          <a:p>
+            <a:endParaRPr lang="zh-CN" altLang="en-US" dirty="0"/>
+          </a:p>
+        </p:txBody>
+      </p:sp>
+      <p:sp>
+        <p:nvSpPr>
+          <p:cNvPr id="4" name="灯片编号占位符 3"/>
+          <p:cNvSpPr>
+            <a:spLocks noGrp="1"/>
+          </p:cNvSpPr>
+          <p:nvPr>
+            <p:ph type="sldNum" sz="quarter" idx="10"/>
+          </p:nvPr>
+        </p:nvSpPr>
+        <p:spPr/>
+        <p:txBody>
+          <a:bodyPr/>
+          <a:lstStyle/>
+          <a:p>
+            <a:fld id="{492130AA-67D2-4DB7-A4EE-A3ADA8CA71A6}" type="slidenum">
+              <a:rPr lang="zh-CN" altLang="en-US" smtClean="0"/>
+              <a:t>34</a:t>
+            </a:fld>
+            <a:endParaRPr lang="zh-CN" altLang="en-US"/>
+          </a:p>
+        </p:txBody>
+      </p:sp>
+    </p:spTree>
+    <p:extLst>
+      <p:ext uri="{BB962C8B-B14F-4D97-AF65-F5344CB8AC3E}">
+        <p14:creationId xmlns:p14="http://schemas.microsoft.com/office/powerpoint/2010/main" val="2812022712"/>
       </p:ext>
     </p:extLst>
   </p:cSld>
@@ -788,14 +1391,6 @@
           <a:bodyPr/>
           <a:lstStyle/>
           <a:p>
-            <a:r>
-              <a:rPr lang="en-US" altLang="zh-CN" dirty="0" err="1" smtClean="0"/>
-              <a:t>vmstat</a:t>
-            </a:r>
-            <a:r>
-              <a:rPr lang="en-US" altLang="zh-CN" dirty="0" smtClean="0"/>
-              <a:t> 1 10</a:t>
-            </a:r>
             <a:endParaRPr lang="zh-CN" altLang="en-US" dirty="0"/>
           </a:p>
         </p:txBody>
@@ -817,7 +1412,7 @@
           <a:p>
             <a:fld id="{492130AA-67D2-4DB7-A4EE-A3ADA8CA71A6}" type="slidenum">
               <a:rPr lang="zh-CN" altLang="en-US" smtClean="0"/>
-              <a:t>13</a:t>
+              <a:t>4</a:t>
             </a:fld>
             <a:endParaRPr lang="zh-CN" altLang="en-US"/>
           </a:p>
@@ -826,7 +1421,7 @@
     </p:spTree>
     <p:extLst>
       <p:ext uri="{BB962C8B-B14F-4D97-AF65-F5344CB8AC3E}">
-        <p14:creationId xmlns:p14="http://schemas.microsoft.com/office/powerpoint/2010/main" val="4218382817"/>
+        <p14:creationId xmlns:p14="http://schemas.microsoft.com/office/powerpoint/2010/main" val="1948184154"/>
       </p:ext>
     </p:extLst>
   </p:cSld>
@@ -901,7 +1496,511 @@
           <a:p>
             <a:fld id="{492130AA-67D2-4DB7-A4EE-A3ADA8CA71A6}" type="slidenum">
               <a:rPr lang="zh-CN" altLang="en-US" smtClean="0"/>
-              <a:t>15</a:t>
+              <a:t>5</a:t>
+            </a:fld>
+            <a:endParaRPr lang="zh-CN" altLang="en-US"/>
+          </a:p>
+        </p:txBody>
+      </p:sp>
+    </p:spTree>
+    <p:extLst>
+      <p:ext uri="{BB962C8B-B14F-4D97-AF65-F5344CB8AC3E}">
+        <p14:creationId xmlns:p14="http://schemas.microsoft.com/office/powerpoint/2010/main" val="3310589551"/>
+      </p:ext>
+    </p:extLst>
+  </p:cSld>
+  <p:clrMapOvr>
+    <a:masterClrMapping/>
+  </p:clrMapOvr>
+</p:notes>
+</file>
+
+<file path=ppt/notesSlides/notesSlide4.xml><?xml version="1.0" encoding="utf-8"?>
+<p:notes xmlns:a="http://schemas.openxmlformats.org/drawingml/2006/main" xmlns:r="http://schemas.openxmlformats.org/officeDocument/2006/relationships" xmlns:p="http://schemas.openxmlformats.org/presentationml/2006/main">
+  <p:cSld>
+    <p:spTree>
+      <p:nvGrpSpPr>
+        <p:cNvPr id="1" name=""/>
+        <p:cNvGrpSpPr/>
+        <p:nvPr/>
+      </p:nvGrpSpPr>
+      <p:grpSpPr>
+        <a:xfrm>
+          <a:off x="0" y="0"/>
+          <a:ext cx="0" cy="0"/>
+          <a:chOff x="0" y="0"/>
+          <a:chExt cx="0" cy="0"/>
+        </a:xfrm>
+      </p:grpSpPr>
+      <p:sp>
+        <p:nvSpPr>
+          <p:cNvPr id="2" name="幻灯片图像占位符 1"/>
+          <p:cNvSpPr>
+            <a:spLocks noGrp="1" noRot="1" noChangeAspect="1"/>
+          </p:cNvSpPr>
+          <p:nvPr>
+            <p:ph type="sldImg"/>
+          </p:nvPr>
+        </p:nvSpPr>
+        <p:spPr/>
+      </p:sp>
+      <p:sp>
+        <p:nvSpPr>
+          <p:cNvPr id="3" name="备注占位符 2"/>
+          <p:cNvSpPr>
+            <a:spLocks noGrp="1"/>
+          </p:cNvSpPr>
+          <p:nvPr>
+            <p:ph type="body" idx="1"/>
+          </p:nvPr>
+        </p:nvSpPr>
+        <p:spPr/>
+        <p:txBody>
+          <a:bodyPr/>
+          <a:lstStyle/>
+          <a:p>
+            <a:endParaRPr lang="en-US" altLang="zh-CN" dirty="0"/>
+          </a:p>
+        </p:txBody>
+      </p:sp>
+      <p:sp>
+        <p:nvSpPr>
+          <p:cNvPr id="4" name="灯片编号占位符 3"/>
+          <p:cNvSpPr>
+            <a:spLocks noGrp="1"/>
+          </p:cNvSpPr>
+          <p:nvPr>
+            <p:ph type="sldNum" sz="quarter" idx="10"/>
+          </p:nvPr>
+        </p:nvSpPr>
+        <p:spPr/>
+        <p:txBody>
+          <a:bodyPr/>
+          <a:lstStyle/>
+          <a:p>
+            <a:fld id="{492130AA-67D2-4DB7-A4EE-A3ADA8CA71A6}" type="slidenum">
+              <a:rPr lang="zh-CN" altLang="en-US" smtClean="0"/>
+              <a:t>6</a:t>
+            </a:fld>
+            <a:endParaRPr lang="zh-CN" altLang="en-US"/>
+          </a:p>
+        </p:txBody>
+      </p:sp>
+    </p:spTree>
+    <p:extLst>
+      <p:ext uri="{BB962C8B-B14F-4D97-AF65-F5344CB8AC3E}">
+        <p14:creationId xmlns:p14="http://schemas.microsoft.com/office/powerpoint/2010/main" val="4097361877"/>
+      </p:ext>
+    </p:extLst>
+  </p:cSld>
+  <p:clrMapOvr>
+    <a:masterClrMapping/>
+  </p:clrMapOvr>
+</p:notes>
+</file>
+
+<file path=ppt/notesSlides/notesSlide5.xml><?xml version="1.0" encoding="utf-8"?>
+<p:notes xmlns:a="http://schemas.openxmlformats.org/drawingml/2006/main" xmlns:r="http://schemas.openxmlformats.org/officeDocument/2006/relationships" xmlns:p="http://schemas.openxmlformats.org/presentationml/2006/main">
+  <p:cSld>
+    <p:spTree>
+      <p:nvGrpSpPr>
+        <p:cNvPr id="1" name=""/>
+        <p:cNvGrpSpPr/>
+        <p:nvPr/>
+      </p:nvGrpSpPr>
+      <p:grpSpPr>
+        <a:xfrm>
+          <a:off x="0" y="0"/>
+          <a:ext cx="0" cy="0"/>
+          <a:chOff x="0" y="0"/>
+          <a:chExt cx="0" cy="0"/>
+        </a:xfrm>
+      </p:grpSpPr>
+      <p:sp>
+        <p:nvSpPr>
+          <p:cNvPr id="2" name="幻灯片图像占位符 1"/>
+          <p:cNvSpPr>
+            <a:spLocks noGrp="1" noRot="1" noChangeAspect="1"/>
+          </p:cNvSpPr>
+          <p:nvPr>
+            <p:ph type="sldImg"/>
+          </p:nvPr>
+        </p:nvSpPr>
+        <p:spPr/>
+      </p:sp>
+      <p:sp>
+        <p:nvSpPr>
+          <p:cNvPr id="3" name="备注占位符 2"/>
+          <p:cNvSpPr>
+            <a:spLocks noGrp="1"/>
+          </p:cNvSpPr>
+          <p:nvPr>
+            <p:ph type="body" idx="1"/>
+          </p:nvPr>
+        </p:nvSpPr>
+        <p:spPr/>
+        <p:txBody>
+          <a:bodyPr/>
+          <a:lstStyle/>
+          <a:p>
+            <a:endParaRPr lang="zh-CN" altLang="en-US" dirty="0"/>
+          </a:p>
+        </p:txBody>
+      </p:sp>
+      <p:sp>
+        <p:nvSpPr>
+          <p:cNvPr id="4" name="灯片编号占位符 3"/>
+          <p:cNvSpPr>
+            <a:spLocks noGrp="1"/>
+          </p:cNvSpPr>
+          <p:nvPr>
+            <p:ph type="sldNum" sz="quarter" idx="10"/>
+          </p:nvPr>
+        </p:nvSpPr>
+        <p:spPr/>
+        <p:txBody>
+          <a:bodyPr/>
+          <a:lstStyle/>
+          <a:p>
+            <a:fld id="{492130AA-67D2-4DB7-A4EE-A3ADA8CA71A6}" type="slidenum">
+              <a:rPr lang="zh-CN" altLang="en-US" smtClean="0"/>
+              <a:t>7</a:t>
+            </a:fld>
+            <a:endParaRPr lang="zh-CN" altLang="en-US"/>
+          </a:p>
+        </p:txBody>
+      </p:sp>
+    </p:spTree>
+    <p:extLst>
+      <p:ext uri="{BB962C8B-B14F-4D97-AF65-F5344CB8AC3E}">
+        <p14:creationId xmlns:p14="http://schemas.microsoft.com/office/powerpoint/2010/main" val="949761026"/>
+      </p:ext>
+    </p:extLst>
+  </p:cSld>
+  <p:clrMapOvr>
+    <a:masterClrMapping/>
+  </p:clrMapOvr>
+</p:notes>
+</file>
+
+<file path=ppt/notesSlides/notesSlide6.xml><?xml version="1.0" encoding="utf-8"?>
+<p:notes xmlns:a="http://schemas.openxmlformats.org/drawingml/2006/main" xmlns:r="http://schemas.openxmlformats.org/officeDocument/2006/relationships" xmlns:p="http://schemas.openxmlformats.org/presentationml/2006/main">
+  <p:cSld>
+    <p:spTree>
+      <p:nvGrpSpPr>
+        <p:cNvPr id="1" name=""/>
+        <p:cNvGrpSpPr/>
+        <p:nvPr/>
+      </p:nvGrpSpPr>
+      <p:grpSpPr>
+        <a:xfrm>
+          <a:off x="0" y="0"/>
+          <a:ext cx="0" cy="0"/>
+          <a:chOff x="0" y="0"/>
+          <a:chExt cx="0" cy="0"/>
+        </a:xfrm>
+      </p:grpSpPr>
+      <p:sp>
+        <p:nvSpPr>
+          <p:cNvPr id="2" name="幻灯片图像占位符 1"/>
+          <p:cNvSpPr>
+            <a:spLocks noGrp="1" noRot="1" noChangeAspect="1"/>
+          </p:cNvSpPr>
+          <p:nvPr>
+            <p:ph type="sldImg"/>
+          </p:nvPr>
+        </p:nvSpPr>
+        <p:spPr/>
+      </p:sp>
+      <p:sp>
+        <p:nvSpPr>
+          <p:cNvPr id="3" name="备注占位符 2"/>
+          <p:cNvSpPr>
+            <a:spLocks noGrp="1"/>
+          </p:cNvSpPr>
+          <p:nvPr>
+            <p:ph type="body" idx="1"/>
+          </p:nvPr>
+        </p:nvSpPr>
+        <p:spPr/>
+        <p:txBody>
+          <a:bodyPr/>
+          <a:lstStyle/>
+          <a:p>
+            <a:endParaRPr lang="zh-CN" altLang="en-US" dirty="0"/>
+          </a:p>
+        </p:txBody>
+      </p:sp>
+      <p:sp>
+        <p:nvSpPr>
+          <p:cNvPr id="4" name="灯片编号占位符 3"/>
+          <p:cNvSpPr>
+            <a:spLocks noGrp="1"/>
+          </p:cNvSpPr>
+          <p:nvPr>
+            <p:ph type="sldNum" sz="quarter" idx="10"/>
+          </p:nvPr>
+        </p:nvSpPr>
+        <p:spPr/>
+        <p:txBody>
+          <a:bodyPr/>
+          <a:lstStyle/>
+          <a:p>
+            <a:fld id="{492130AA-67D2-4DB7-A4EE-A3ADA8CA71A6}" type="slidenum">
+              <a:rPr lang="zh-CN" altLang="en-US" smtClean="0"/>
+              <a:t>8</a:t>
+            </a:fld>
+            <a:endParaRPr lang="zh-CN" altLang="en-US"/>
+          </a:p>
+        </p:txBody>
+      </p:sp>
+    </p:spTree>
+    <p:extLst>
+      <p:ext uri="{BB962C8B-B14F-4D97-AF65-F5344CB8AC3E}">
+        <p14:creationId xmlns:p14="http://schemas.microsoft.com/office/powerpoint/2010/main" val="1214257649"/>
+      </p:ext>
+    </p:extLst>
+  </p:cSld>
+  <p:clrMapOvr>
+    <a:masterClrMapping/>
+  </p:clrMapOvr>
+</p:notes>
+</file>
+
+<file path=ppt/notesSlides/notesSlide7.xml><?xml version="1.0" encoding="utf-8"?>
+<p:notes xmlns:a="http://schemas.openxmlformats.org/drawingml/2006/main" xmlns:r="http://schemas.openxmlformats.org/officeDocument/2006/relationships" xmlns:p="http://schemas.openxmlformats.org/presentationml/2006/main">
+  <p:cSld>
+    <p:spTree>
+      <p:nvGrpSpPr>
+        <p:cNvPr id="1" name=""/>
+        <p:cNvGrpSpPr/>
+        <p:nvPr/>
+      </p:nvGrpSpPr>
+      <p:grpSpPr>
+        <a:xfrm>
+          <a:off x="0" y="0"/>
+          <a:ext cx="0" cy="0"/>
+          <a:chOff x="0" y="0"/>
+          <a:chExt cx="0" cy="0"/>
+        </a:xfrm>
+      </p:grpSpPr>
+      <p:sp>
+        <p:nvSpPr>
+          <p:cNvPr id="2" name="幻灯片图像占位符 1"/>
+          <p:cNvSpPr>
+            <a:spLocks noGrp="1" noRot="1" noChangeAspect="1"/>
+          </p:cNvSpPr>
+          <p:nvPr>
+            <p:ph type="sldImg"/>
+          </p:nvPr>
+        </p:nvSpPr>
+        <p:spPr/>
+      </p:sp>
+      <p:sp>
+        <p:nvSpPr>
+          <p:cNvPr id="3" name="备注占位符 2"/>
+          <p:cNvSpPr>
+            <a:spLocks noGrp="1"/>
+          </p:cNvSpPr>
+          <p:nvPr>
+            <p:ph type="body" idx="1"/>
+          </p:nvPr>
+        </p:nvSpPr>
+        <p:spPr/>
+        <p:txBody>
+          <a:bodyPr/>
+          <a:lstStyle/>
+          <a:p>
+            <a:endParaRPr lang="zh-CN" altLang="en-US" dirty="0"/>
+          </a:p>
+        </p:txBody>
+      </p:sp>
+      <p:sp>
+        <p:nvSpPr>
+          <p:cNvPr id="4" name="灯片编号占位符 3"/>
+          <p:cNvSpPr>
+            <a:spLocks noGrp="1"/>
+          </p:cNvSpPr>
+          <p:nvPr>
+            <p:ph type="sldNum" sz="quarter" idx="10"/>
+          </p:nvPr>
+        </p:nvSpPr>
+        <p:spPr/>
+        <p:txBody>
+          <a:bodyPr/>
+          <a:lstStyle/>
+          <a:p>
+            <a:fld id="{492130AA-67D2-4DB7-A4EE-A3ADA8CA71A6}" type="slidenum">
+              <a:rPr lang="zh-CN" altLang="en-US" smtClean="0"/>
+              <a:t>10</a:t>
+            </a:fld>
+            <a:endParaRPr lang="zh-CN" altLang="en-US"/>
+          </a:p>
+        </p:txBody>
+      </p:sp>
+    </p:spTree>
+    <p:extLst>
+      <p:ext uri="{BB962C8B-B14F-4D97-AF65-F5344CB8AC3E}">
+        <p14:creationId xmlns:p14="http://schemas.microsoft.com/office/powerpoint/2010/main" val="1093138657"/>
+      </p:ext>
+    </p:extLst>
+  </p:cSld>
+  <p:clrMapOvr>
+    <a:masterClrMapping/>
+  </p:clrMapOvr>
+</p:notes>
+</file>
+
+<file path=ppt/notesSlides/notesSlide8.xml><?xml version="1.0" encoding="utf-8"?>
+<p:notes xmlns:a="http://schemas.openxmlformats.org/drawingml/2006/main" xmlns:r="http://schemas.openxmlformats.org/officeDocument/2006/relationships" xmlns:p="http://schemas.openxmlformats.org/presentationml/2006/main">
+  <p:cSld>
+    <p:spTree>
+      <p:nvGrpSpPr>
+        <p:cNvPr id="1" name=""/>
+        <p:cNvGrpSpPr/>
+        <p:nvPr/>
+      </p:nvGrpSpPr>
+      <p:grpSpPr>
+        <a:xfrm>
+          <a:off x="0" y="0"/>
+          <a:ext cx="0" cy="0"/>
+          <a:chOff x="0" y="0"/>
+          <a:chExt cx="0" cy="0"/>
+        </a:xfrm>
+      </p:grpSpPr>
+      <p:sp>
+        <p:nvSpPr>
+          <p:cNvPr id="2" name="幻灯片图像占位符 1"/>
+          <p:cNvSpPr>
+            <a:spLocks noGrp="1" noRot="1" noChangeAspect="1"/>
+          </p:cNvSpPr>
+          <p:nvPr>
+            <p:ph type="sldImg"/>
+          </p:nvPr>
+        </p:nvSpPr>
+        <p:spPr/>
+      </p:sp>
+      <p:sp>
+        <p:nvSpPr>
+          <p:cNvPr id="3" name="备注占位符 2"/>
+          <p:cNvSpPr>
+            <a:spLocks noGrp="1"/>
+          </p:cNvSpPr>
+          <p:nvPr>
+            <p:ph type="body" idx="1"/>
+          </p:nvPr>
+        </p:nvSpPr>
+        <p:spPr/>
+        <p:txBody>
+          <a:bodyPr/>
+          <a:lstStyle/>
+          <a:p>
+            <a:endParaRPr lang="zh-CN" altLang="en-US" dirty="0"/>
+          </a:p>
+        </p:txBody>
+      </p:sp>
+      <p:sp>
+        <p:nvSpPr>
+          <p:cNvPr id="4" name="灯片编号占位符 3"/>
+          <p:cNvSpPr>
+            <a:spLocks noGrp="1"/>
+          </p:cNvSpPr>
+          <p:nvPr>
+            <p:ph type="sldNum" sz="quarter" idx="10"/>
+          </p:nvPr>
+        </p:nvSpPr>
+        <p:spPr/>
+        <p:txBody>
+          <a:bodyPr/>
+          <a:lstStyle/>
+          <a:p>
+            <a:fld id="{492130AA-67D2-4DB7-A4EE-A3ADA8CA71A6}" type="slidenum">
+              <a:rPr lang="zh-CN" altLang="en-US" smtClean="0"/>
+              <a:t>14</a:t>
+            </a:fld>
+            <a:endParaRPr lang="zh-CN" altLang="en-US"/>
+          </a:p>
+        </p:txBody>
+      </p:sp>
+    </p:spTree>
+    <p:extLst>
+      <p:ext uri="{BB962C8B-B14F-4D97-AF65-F5344CB8AC3E}">
+        <p14:creationId xmlns:p14="http://schemas.microsoft.com/office/powerpoint/2010/main" val="4218382817"/>
+      </p:ext>
+    </p:extLst>
+  </p:cSld>
+  <p:clrMapOvr>
+    <a:masterClrMapping/>
+  </p:clrMapOvr>
+</p:notes>
+</file>
+
+<file path=ppt/notesSlides/notesSlide9.xml><?xml version="1.0" encoding="utf-8"?>
+<p:notes xmlns:a="http://schemas.openxmlformats.org/drawingml/2006/main" xmlns:r="http://schemas.openxmlformats.org/officeDocument/2006/relationships" xmlns:p="http://schemas.openxmlformats.org/presentationml/2006/main">
+  <p:cSld>
+    <p:spTree>
+      <p:nvGrpSpPr>
+        <p:cNvPr id="1" name=""/>
+        <p:cNvGrpSpPr/>
+        <p:nvPr/>
+      </p:nvGrpSpPr>
+      <p:grpSpPr>
+        <a:xfrm>
+          <a:off x="0" y="0"/>
+          <a:ext cx="0" cy="0"/>
+          <a:chOff x="0" y="0"/>
+          <a:chExt cx="0" cy="0"/>
+        </a:xfrm>
+      </p:grpSpPr>
+      <p:sp>
+        <p:nvSpPr>
+          <p:cNvPr id="2" name="幻灯片图像占位符 1"/>
+          <p:cNvSpPr>
+            <a:spLocks noGrp="1" noRot="1" noChangeAspect="1"/>
+          </p:cNvSpPr>
+          <p:nvPr>
+            <p:ph type="sldImg"/>
+          </p:nvPr>
+        </p:nvSpPr>
+        <p:spPr/>
+      </p:sp>
+      <p:sp>
+        <p:nvSpPr>
+          <p:cNvPr id="3" name="备注占位符 2"/>
+          <p:cNvSpPr>
+            <a:spLocks noGrp="1"/>
+          </p:cNvSpPr>
+          <p:nvPr>
+            <p:ph type="body" idx="1"/>
+          </p:nvPr>
+        </p:nvSpPr>
+        <p:spPr/>
+        <p:txBody>
+          <a:bodyPr/>
+          <a:lstStyle/>
+          <a:p>
+            <a:endParaRPr lang="zh-CN" altLang="en-US" dirty="0"/>
+          </a:p>
+        </p:txBody>
+      </p:sp>
+      <p:sp>
+        <p:nvSpPr>
+          <p:cNvPr id="4" name="灯片编号占位符 3"/>
+          <p:cNvSpPr>
+            <a:spLocks noGrp="1"/>
+          </p:cNvSpPr>
+          <p:nvPr>
+            <p:ph type="sldNum" sz="quarter" idx="10"/>
+          </p:nvPr>
+        </p:nvSpPr>
+        <p:spPr/>
+        <p:txBody>
+          <a:bodyPr/>
+          <a:lstStyle/>
+          <a:p>
+            <a:fld id="{492130AA-67D2-4DB7-A4EE-A3ADA8CA71A6}" type="slidenum">
+              <a:rPr lang="zh-CN" altLang="en-US" smtClean="0"/>
+              <a:t>16</a:t>
             </a:fld>
             <a:endParaRPr lang="zh-CN" altLang="en-US"/>
           </a:p>
@@ -954,7 +2053,7 @@
           <a:p>
             <a:fld id="{530820CF-B880-4189-942D-D702A7CBA730}" type="datetimeFigureOut">
               <a:rPr lang="zh-CN" altLang="en-US" smtClean="0"/>
-              <a:t>2018/4/4</a:t>
+              <a:t>2018/4/9</a:t>
             </a:fld>
             <a:endParaRPr lang="zh-CN" altLang="en-US"/>
           </a:p>
@@ -3363,7 +4462,7 @@
           <a:p>
             <a:fld id="{530820CF-B880-4189-942D-D702A7CBA730}" type="datetimeFigureOut">
               <a:rPr lang="zh-CN" altLang="en-US" smtClean="0"/>
-              <a:t>2018/4/4</a:t>
+              <a:t>2018/4/9</a:t>
             </a:fld>
             <a:endParaRPr lang="zh-CN" altLang="en-US"/>
           </a:p>
@@ -5283,7 +6382,7 @@
           <a:p>
             <a:fld id="{530820CF-B880-4189-942D-D702A7CBA730}" type="datetimeFigureOut">
               <a:rPr lang="zh-CN" altLang="en-US" smtClean="0"/>
-              <a:t>2018/4/4</a:t>
+              <a:t>2018/4/9</a:t>
             </a:fld>
             <a:endParaRPr lang="zh-CN" altLang="en-US"/>
           </a:p>
@@ -5922,17 +7021,7 @@
                 <a:latin typeface="华文楷体" panose="02010600040101010101" pitchFamily="2" charset="-122"/>
                 <a:ea typeface="华文楷体" panose="02010600040101010101" pitchFamily="2" charset="-122"/>
               </a:rPr>
-              <a:t>服务器</a:t>
-            </a:r>
-            <a:r>
-              <a:rPr lang="zh-CN" altLang="en-US" sz="4800" b="1" dirty="0" smtClean="0">
-                <a:solidFill>
-                  <a:schemeClr val="bg1"/>
-                </a:solidFill>
-                <a:latin typeface="华文楷体" panose="02010600040101010101" pitchFamily="2" charset="-122"/>
-                <a:ea typeface="华文楷体" panose="02010600040101010101" pitchFamily="2" charset="-122"/>
-              </a:rPr>
-              <a:t>性能监控</a:t>
+              <a:t>服务器性能监控</a:t>
             </a:r>
             <a:endParaRPr lang="zh-CN" altLang="zh-CN" sz="4800" b="1" dirty="0" smtClean="0">
               <a:solidFill>
@@ -5994,87 +7083,122 @@
         </p:nvSpPr>
         <p:spPr>
           <a:xfrm>
-            <a:off x="251520" y="908720"/>
-            <a:ext cx="8229600" cy="5544616"/>
+            <a:off x="276672" y="1052736"/>
+            <a:ext cx="8867328" cy="5805264"/>
           </a:xfrm>
         </p:spPr>
         <p:txBody>
           <a:bodyPr>
-            <a:normAutofit/>
+            <a:normAutofit fontScale="77500" lnSpcReduction="20000"/>
           </a:bodyPr>
           <a:lstStyle/>
           <a:p>
             <a:pPr>
               <a:lnSpc>
-                <a:spcPct val="150000"/>
-              </a:lnSpc>
-            </a:pPr>
-            <a:r>
-              <a:rPr lang="en-US" altLang="zh-CN" dirty="0" smtClean="0"/>
-              <a:t>man</a:t>
-            </a:r>
+                <a:spcPct val="170000"/>
+              </a:lnSpc>
+            </a:pPr>
+            <a:r>
+              <a:rPr lang="zh-CN" altLang="en-US" sz="3600" dirty="0" smtClean="0"/>
+              <a:t>优点</a:t>
+            </a:r>
+            <a:endParaRPr lang="en-US" altLang="zh-CN" sz="3600" dirty="0" smtClean="0"/>
           </a:p>
           <a:p>
             <a:pPr lvl="1">
               <a:lnSpc>
-                <a:spcPct val="150000"/>
-              </a:lnSpc>
-            </a:pPr>
-            <a:r>
-              <a:rPr lang="en-US" altLang="zh-CN" dirty="0" smtClean="0"/>
-              <a:t>Linux </a:t>
-            </a:r>
-            <a:r>
-              <a:rPr lang="zh-CN" altLang="en-US" dirty="0" smtClean="0"/>
-              <a:t>下的函数手册命令，可以查看所有命令的使用方法</a:t>
-            </a:r>
-            <a:endParaRPr lang="en-US" altLang="zh-CN" dirty="0" smtClean="0"/>
-          </a:p>
-          <a:p>
-            <a:pPr marL="342900" lvl="1" indent="-342900">
-              <a:lnSpc>
-                <a:spcPct val="150000"/>
-              </a:lnSpc>
-              <a:buFont typeface="Arial" pitchFamily="34" charset="0"/>
-              <a:buChar char="•"/>
-            </a:pPr>
-            <a:r>
-              <a:rPr lang="en-US" altLang="zh-CN" sz="3200" dirty="0"/>
-              <a:t>top</a:t>
-            </a:r>
+                <a:spcPct val="170000"/>
+              </a:lnSpc>
+            </a:pPr>
+            <a:r>
+              <a:rPr lang="zh-CN" altLang="en-US" sz="3400" dirty="0" smtClean="0"/>
+              <a:t>程序逻辑和控制方式简单。</a:t>
+            </a:r>
+            <a:endParaRPr lang="en-US" altLang="zh-CN" sz="3400" dirty="0" smtClean="0"/>
           </a:p>
           <a:p>
             <a:pPr lvl="1">
               <a:lnSpc>
-                <a:spcPct val="150000"/>
-              </a:lnSpc>
-            </a:pPr>
-            <a:r>
-              <a:rPr lang="zh-CN" altLang="en-US" dirty="0"/>
-              <a:t>能够实时监控系统的运行状态，并且可以按照</a:t>
-            </a:r>
-            <a:r>
-              <a:rPr lang="en-US" altLang="zh-CN" dirty="0" err="1"/>
-              <a:t>cpu</a:t>
-            </a:r>
-            <a:r>
-              <a:rPr lang="zh-CN" altLang="en-US" dirty="0"/>
-              <a:t>及内存等进行排序</a:t>
-            </a:r>
-            <a:r>
-              <a:rPr lang="zh-CN" altLang="en-US" dirty="0" smtClean="0"/>
-              <a:t>。</a:t>
-            </a:r>
-            <a:endParaRPr lang="en-US" altLang="zh-CN" dirty="0" smtClean="0"/>
-          </a:p>
-          <a:p>
-            <a:pPr marL="457200" lvl="1" indent="0">
-              <a:lnSpc>
-                <a:spcPct val="150000"/>
-              </a:lnSpc>
-              <a:buNone/>
-            </a:pPr>
-            <a:endParaRPr lang="en-US" altLang="zh-CN" dirty="0" smtClean="0"/>
+                <a:spcPct val="170000"/>
+              </a:lnSpc>
+            </a:pPr>
+            <a:r>
+              <a:rPr lang="zh-CN" altLang="en-US" sz="3400" dirty="0" smtClean="0"/>
+              <a:t>所有线程可以直接共享内存和变量等。</a:t>
+            </a:r>
+            <a:endParaRPr lang="en-US" altLang="zh-CN" sz="3400" dirty="0" smtClean="0"/>
+          </a:p>
+          <a:p>
+            <a:pPr lvl="1">
+              <a:lnSpc>
+                <a:spcPct val="170000"/>
+              </a:lnSpc>
+            </a:pPr>
+            <a:r>
+              <a:rPr lang="zh-CN" altLang="en-US" sz="3400" dirty="0" smtClean="0"/>
+              <a:t>线程方式消耗的总资源比进程方式少。</a:t>
+            </a:r>
+            <a:endParaRPr lang="en-US" altLang="zh-CN" sz="3400" dirty="0" smtClean="0"/>
+          </a:p>
+          <a:p>
+            <a:pPr>
+              <a:lnSpc>
+                <a:spcPct val="170000"/>
+              </a:lnSpc>
+            </a:pPr>
+            <a:r>
+              <a:rPr lang="zh-CN" altLang="en-US" sz="3600" dirty="0" smtClean="0"/>
+              <a:t>缺点</a:t>
+            </a:r>
+            <a:endParaRPr lang="en-US" altLang="zh-CN" sz="3600" dirty="0" smtClean="0"/>
+          </a:p>
+          <a:p>
+            <a:pPr lvl="1">
+              <a:lnSpc>
+                <a:spcPct val="170000"/>
+              </a:lnSpc>
+            </a:pPr>
+            <a:r>
+              <a:rPr lang="zh-CN" altLang="en-US" sz="3400" dirty="0" smtClean="0"/>
+              <a:t>每个</a:t>
+            </a:r>
+            <a:r>
+              <a:rPr lang="zh-CN" altLang="en-US" sz="3400" dirty="0"/>
+              <a:t>线程</a:t>
+            </a:r>
+            <a:r>
+              <a:rPr lang="zh-CN" altLang="en-US" sz="3400" dirty="0" smtClean="0"/>
+              <a:t>与主程序共用地址空间，最大内存地址受限。</a:t>
+            </a:r>
+            <a:endParaRPr lang="en-US" altLang="zh-CN" sz="3400" dirty="0" smtClean="0"/>
+          </a:p>
+          <a:p>
+            <a:pPr lvl="1">
+              <a:lnSpc>
+                <a:spcPct val="170000"/>
+              </a:lnSpc>
+            </a:pPr>
+            <a:r>
+              <a:rPr lang="zh-CN" altLang="en-US" sz="3400" dirty="0" smtClean="0"/>
+              <a:t>线程之间的同步和加锁不易控制。</a:t>
+            </a:r>
+            <a:endParaRPr lang="en-US" altLang="zh-CN" sz="3400" dirty="0" smtClean="0"/>
+          </a:p>
+          <a:p>
+            <a:pPr lvl="1">
+              <a:lnSpc>
+                <a:spcPct val="170000"/>
+              </a:lnSpc>
+            </a:pPr>
+            <a:r>
+              <a:rPr lang="zh-CN" altLang="en-US" sz="3400" dirty="0"/>
+              <a:t>一个</a:t>
+            </a:r>
+            <a:r>
+              <a:rPr lang="zh-CN" altLang="en-US" sz="3400" dirty="0" smtClean="0"/>
+              <a:t>线程的崩溃可能影响到整个程序的稳定性。</a:t>
+            </a:r>
+            <a:endParaRPr lang="zh-CN" altLang="en-US" sz="3400" dirty="0"/>
           </a:p>
         </p:txBody>
       </p:sp>
@@ -6090,14 +7214,12 @@
         </p:nvSpPr>
         <p:spPr/>
         <p:txBody>
-          <a:bodyPr>
-            <a:normAutofit/>
-          </a:bodyPr>
+          <a:bodyPr/>
           <a:lstStyle/>
           <a:p>
             <a:r>
               <a:rPr lang="zh-CN" altLang="en-US" dirty="0" smtClean="0"/>
-              <a:t>服务器内存监控</a:t>
+              <a:t>线程的优点与缺点</a:t>
             </a:r>
             <a:endParaRPr lang="zh-CN" altLang="en-US" dirty="0"/>
           </a:p>
@@ -6152,209 +7274,119 @@
         </p:nvSpPr>
         <p:spPr>
           <a:xfrm>
-            <a:off x="251520" y="836712"/>
+            <a:off x="251520" y="908720"/>
             <a:ext cx="8229600" cy="5544616"/>
           </a:xfrm>
         </p:spPr>
-        <p:txBody>
-          <a:bodyPr/>
-          <a:lstStyle/>
-          <a:p>
-            <a:pPr marL="342900" lvl="1" indent="-342900">
-              <a:lnSpc>
-                <a:spcPct val="150000"/>
-              </a:lnSpc>
-              <a:buFont typeface="Arial" pitchFamily="34" charset="0"/>
-              <a:buChar char="•"/>
-            </a:pPr>
-            <a:r>
-              <a:rPr lang="en-US" altLang="zh-CN" sz="3200" dirty="0" smtClean="0"/>
-              <a:t>top</a:t>
-            </a:r>
-          </a:p>
-          <a:p>
-            <a:pPr lvl="1">
-              <a:lnSpc>
-                <a:spcPct val="150000"/>
-              </a:lnSpc>
-            </a:pPr>
-            <a:r>
-              <a:rPr lang="en-US" altLang="zh-CN" dirty="0" smtClean="0"/>
-              <a:t>p</a:t>
-            </a:r>
-            <a:r>
-              <a:rPr lang="zh-CN" altLang="en-US" dirty="0" smtClean="0"/>
-              <a:t>：监控指定的进程，当监控多个进程时，进程</a:t>
-            </a:r>
-            <a:r>
-              <a:rPr lang="en-US" altLang="zh-CN" dirty="0" smtClean="0"/>
-              <a:t>ID</a:t>
-            </a:r>
-            <a:r>
-              <a:rPr lang="zh-CN" altLang="en-US" dirty="0" smtClean="0"/>
-              <a:t>以逗号分隔。这个选项只能在命令行下使用</a:t>
-            </a:r>
-            <a:endParaRPr lang="en-US" altLang="zh-CN" dirty="0"/>
-          </a:p>
-        </p:txBody>
-      </p:sp>
-      <p:sp>
-        <p:nvSpPr>
-          <p:cNvPr id="3" name="标题 2"/>
-          <p:cNvSpPr>
-            <a:spLocks noGrp="1"/>
-          </p:cNvSpPr>
-          <p:nvPr>
-            <p:ph type="title"/>
-          </p:nvPr>
-        </p:nvSpPr>
-        <p:spPr/>
         <p:txBody>
           <a:bodyPr>
             <a:normAutofit/>
           </a:bodyPr>
           <a:lstStyle/>
           <a:p>
-            <a:r>
-              <a:rPr lang="zh-CN" altLang="en-US" dirty="0" smtClean="0"/>
-              <a:t>服务器内存监控</a:t>
-            </a:r>
-            <a:endParaRPr lang="zh-CN" altLang="en-US" dirty="0"/>
-          </a:p>
-        </p:txBody>
-      </p:sp>
-      <p:sp>
-        <p:nvSpPr>
-          <p:cNvPr id="4" name="矩形 3"/>
-          <p:cNvSpPr/>
-          <p:nvPr/>
-        </p:nvSpPr>
-        <p:spPr>
-          <a:xfrm>
-            <a:off x="395536" y="3140968"/>
-            <a:ext cx="8352928" cy="3342453"/>
-          </a:xfrm>
-          <a:prstGeom prst="rect">
-            <a:avLst/>
-          </a:prstGeom>
-        </p:spPr>
-        <p:txBody>
-          <a:bodyPr wrap="square">
-            <a:spAutoFit/>
+            <a:pPr>
+              <a:lnSpc>
+                <a:spcPct val="150000"/>
+              </a:lnSpc>
+            </a:pPr>
+            <a:r>
+              <a:rPr lang="en-US" altLang="zh-CN" dirty="0" smtClean="0"/>
+              <a:t>man</a:t>
+            </a:r>
+          </a:p>
+          <a:p>
+            <a:pPr lvl="1">
+              <a:lnSpc>
+                <a:spcPct val="150000"/>
+              </a:lnSpc>
+            </a:pPr>
+            <a:r>
+              <a:rPr lang="en-US" altLang="zh-CN" dirty="0" smtClean="0"/>
+              <a:t>Linux </a:t>
+            </a:r>
+            <a:r>
+              <a:rPr lang="zh-CN" altLang="en-US" dirty="0" smtClean="0"/>
+              <a:t>下的函数手册命令，可以查看所有命令的使用方法</a:t>
+            </a:r>
+            <a:endParaRPr lang="en-US" altLang="zh-CN" dirty="0" smtClean="0"/>
+          </a:p>
+          <a:p>
+            <a:pPr marL="342900" lvl="1" indent="-342900">
+              <a:lnSpc>
+                <a:spcPct val="150000"/>
+              </a:lnSpc>
+              <a:buFont typeface="Arial" pitchFamily="34" charset="0"/>
+              <a:buChar char="•"/>
+            </a:pPr>
+            <a:r>
+              <a:rPr lang="en-US" altLang="zh-CN" sz="3200" dirty="0"/>
+              <a:t>top</a:t>
+            </a:r>
+          </a:p>
+          <a:p>
+            <a:pPr lvl="1">
+              <a:lnSpc>
+                <a:spcPct val="150000"/>
+              </a:lnSpc>
+            </a:pPr>
+            <a:r>
+              <a:rPr lang="zh-CN" altLang="en-US" dirty="0"/>
+              <a:t>能够实时监控系统的运行状态，并且可以按照</a:t>
+            </a:r>
+            <a:r>
+              <a:rPr lang="en-US" altLang="zh-CN" dirty="0"/>
+              <a:t>cpu</a:t>
+            </a:r>
+            <a:r>
+              <a:rPr lang="zh-CN" altLang="en-US" dirty="0"/>
+              <a:t>及内存等进行排序</a:t>
+            </a:r>
+            <a:r>
+              <a:rPr lang="zh-CN" altLang="en-US" dirty="0" smtClean="0"/>
+              <a:t>。</a:t>
+            </a:r>
+            <a:endParaRPr lang="en-US" altLang="zh-CN" dirty="0" smtClean="0"/>
+          </a:p>
+          <a:p>
+            <a:pPr marL="457200" lvl="1" indent="0">
+              <a:lnSpc>
+                <a:spcPct val="150000"/>
+              </a:lnSpc>
+              <a:buNone/>
+            </a:pPr>
+            <a:endParaRPr lang="en-US" altLang="zh-CN" dirty="0" smtClean="0"/>
+          </a:p>
+        </p:txBody>
+      </p:sp>
+      <p:sp>
+        <p:nvSpPr>
+          <p:cNvPr id="3" name="标题 2"/>
+          <p:cNvSpPr>
+            <a:spLocks noGrp="1"/>
+          </p:cNvSpPr>
+          <p:nvPr>
+            <p:ph type="title"/>
+          </p:nvPr>
+        </p:nvSpPr>
+        <p:spPr/>
+        <p:txBody>
+          <a:bodyPr>
+            <a:normAutofit/>
           </a:bodyPr>
           <a:lstStyle/>
           <a:p>
-            <a:pPr marL="342900" lvl="1" indent="-342900">
-              <a:lnSpc>
-                <a:spcPct val="150000"/>
-              </a:lnSpc>
-              <a:spcBef>
-                <a:spcPct val="20000"/>
-              </a:spcBef>
-              <a:buFont typeface="Arial" pitchFamily="34" charset="0"/>
-              <a:buChar char="•"/>
-            </a:pPr>
-            <a:r>
-              <a:rPr lang="zh-CN" altLang="en-US" dirty="0" smtClean="0"/>
-              <a:t> </a:t>
-            </a:r>
-            <a:r>
-              <a:rPr lang="en-US" altLang="zh-CN" sz="3200" dirty="0"/>
-              <a:t>top </a:t>
-            </a:r>
-            <a:r>
-              <a:rPr lang="zh-CN" altLang="en-US" sz="3200" dirty="0"/>
-              <a:t>的内部</a:t>
-            </a:r>
-            <a:r>
-              <a:rPr lang="zh-CN" altLang="en-US" sz="3200" dirty="0" smtClean="0"/>
-              <a:t>命令</a:t>
-            </a:r>
-            <a:endParaRPr lang="en-US" altLang="zh-CN" sz="3200" dirty="0" smtClean="0"/>
-          </a:p>
-          <a:p>
-            <a:pPr marL="0" lvl="1">
-              <a:lnSpc>
-                <a:spcPct val="150000"/>
-              </a:lnSpc>
-              <a:spcBef>
-                <a:spcPct val="20000"/>
-              </a:spcBef>
-            </a:pPr>
-            <a:r>
-              <a:rPr lang="en-US" altLang="zh-CN" sz="3200" dirty="0" smtClean="0"/>
-              <a:t>M</a:t>
-            </a:r>
-            <a:r>
-              <a:rPr lang="zh-CN" altLang="en-US" sz="3200" dirty="0"/>
-              <a:t>：</a:t>
-            </a:r>
-            <a:r>
-              <a:rPr lang="zh-CN" altLang="en-US" sz="3200" dirty="0" smtClean="0"/>
-              <a:t>按内存使用率排序</a:t>
-            </a:r>
-            <a:endParaRPr lang="en-US" altLang="zh-CN" sz="3200" dirty="0" smtClean="0"/>
-          </a:p>
-          <a:p>
-            <a:pPr marL="0" lvl="1">
-              <a:lnSpc>
-                <a:spcPct val="150000"/>
-              </a:lnSpc>
-              <a:spcBef>
-                <a:spcPct val="20000"/>
-              </a:spcBef>
-            </a:pPr>
-            <a:r>
-              <a:rPr lang="en-US" altLang="zh-CN" sz="3200" dirty="0" smtClean="0"/>
-              <a:t>P</a:t>
-            </a:r>
-            <a:r>
-              <a:rPr lang="zh-CN" altLang="en-US" sz="3200" dirty="0" smtClean="0"/>
-              <a:t>：按 </a:t>
-            </a:r>
-            <a:r>
-              <a:rPr lang="en-US" altLang="zh-CN" sz="3200" dirty="0"/>
-              <a:t>CPU </a:t>
-            </a:r>
-            <a:r>
-              <a:rPr lang="zh-CN" altLang="en-US" sz="3200" dirty="0" smtClean="0"/>
-              <a:t>使用率排序</a:t>
-            </a:r>
-            <a:endParaRPr lang="en-US" altLang="zh-CN" sz="3200" dirty="0" smtClean="0"/>
-          </a:p>
-          <a:p>
-            <a:pPr marL="0" lvl="1">
-              <a:lnSpc>
-                <a:spcPct val="150000"/>
-              </a:lnSpc>
-              <a:spcBef>
-                <a:spcPct val="20000"/>
-              </a:spcBef>
-            </a:pPr>
-            <a:r>
-              <a:rPr lang="en-US" altLang="zh-CN" sz="3200" dirty="0" smtClean="0"/>
-              <a:t>z</a:t>
-            </a:r>
-            <a:r>
-              <a:rPr lang="zh-CN" altLang="en-US" sz="3200" dirty="0" smtClean="0"/>
-              <a:t>：彩色</a:t>
-            </a:r>
-            <a:r>
-              <a:rPr lang="en-US" altLang="zh-CN" sz="3200" dirty="0" smtClean="0"/>
-              <a:t>/</a:t>
-            </a:r>
-            <a:r>
-              <a:rPr lang="zh-CN" altLang="en-US" sz="3200" dirty="0" smtClean="0"/>
-              <a:t>黑白显示</a:t>
-            </a:r>
-            <a:endParaRPr lang="zh-CN" altLang="en-US" sz="3200" dirty="0"/>
+            <a:r>
+              <a:rPr lang="zh-CN" altLang="en-US" dirty="0" smtClean="0"/>
+              <a:t>服务器内存监控</a:t>
+            </a:r>
+            <a:endParaRPr lang="zh-CN" altLang="en-US" dirty="0"/>
           </a:p>
         </p:txBody>
       </p:sp>
     </p:spTree>
     <p:extLst>
       <p:ext uri="{BB962C8B-B14F-4D97-AF65-F5344CB8AC3E}">
-        <p14:creationId xmlns:p14="http://schemas.microsoft.com/office/powerpoint/2010/main" val="4051011561"/>
+        <p14:creationId xmlns:p14="http://schemas.microsoft.com/office/powerpoint/2010/main" val="1743524777"/>
       </p:ext>
     </p:extLst>
   </p:cSld>
@@ -6400,169 +7432,209 @@
         </p:nvSpPr>
         <p:spPr>
           <a:xfrm>
-            <a:off x="457200" y="1166018"/>
-            <a:ext cx="8229600" cy="4525963"/>
+            <a:off x="251520" y="836712"/>
+            <a:ext cx="8229600" cy="5544616"/>
           </a:xfrm>
         </p:spPr>
         <p:txBody>
+          <a:bodyPr/>
+          <a:lstStyle/>
+          <a:p>
+            <a:pPr marL="342900" lvl="1" indent="-342900">
+              <a:lnSpc>
+                <a:spcPct val="150000"/>
+              </a:lnSpc>
+              <a:buFont typeface="Arial" pitchFamily="34" charset="0"/>
+              <a:buChar char="•"/>
+            </a:pPr>
+            <a:r>
+              <a:rPr lang="en-US" altLang="zh-CN" sz="3200" dirty="0" smtClean="0"/>
+              <a:t>top</a:t>
+            </a:r>
+          </a:p>
+          <a:p>
+            <a:pPr lvl="1">
+              <a:lnSpc>
+                <a:spcPct val="150000"/>
+              </a:lnSpc>
+            </a:pPr>
+            <a:r>
+              <a:rPr lang="en-US" altLang="zh-CN" dirty="0" smtClean="0"/>
+              <a:t>p</a:t>
+            </a:r>
+            <a:r>
+              <a:rPr lang="zh-CN" altLang="en-US" dirty="0" smtClean="0"/>
+              <a:t>：监控指定的进程，当监控多个进程时，进程</a:t>
+            </a:r>
+            <a:r>
+              <a:rPr lang="en-US" altLang="zh-CN" dirty="0" smtClean="0"/>
+              <a:t>ID</a:t>
+            </a:r>
+            <a:r>
+              <a:rPr lang="zh-CN" altLang="en-US" dirty="0" smtClean="0"/>
+              <a:t>以逗号分隔。这个选项只能在命令行下使用</a:t>
+            </a:r>
+            <a:endParaRPr lang="en-US" altLang="zh-CN" dirty="0"/>
+          </a:p>
+        </p:txBody>
+      </p:sp>
+      <p:sp>
+        <p:nvSpPr>
+          <p:cNvPr id="3" name="标题 2"/>
+          <p:cNvSpPr>
+            <a:spLocks noGrp="1"/>
+          </p:cNvSpPr>
+          <p:nvPr>
+            <p:ph type="title"/>
+          </p:nvPr>
+        </p:nvSpPr>
+        <p:spPr/>
+        <p:txBody>
           <a:bodyPr>
-            <a:normAutofit fontScale="92500"/>
+            <a:normAutofit/>
           </a:bodyPr>
           <a:lstStyle/>
           <a:p>
-            <a:pPr>
-              <a:lnSpc>
-                <a:spcPct val="150000"/>
-              </a:lnSpc>
-            </a:pPr>
-            <a:r>
-              <a:rPr lang="en-US" altLang="zh-CN" dirty="0" smtClean="0"/>
-              <a:t>top</a:t>
-            </a:r>
-          </a:p>
-          <a:p>
-            <a:pPr lvl="1">
-              <a:lnSpc>
-                <a:spcPct val="150000"/>
-              </a:lnSpc>
-            </a:pPr>
-            <a:r>
-              <a:rPr lang="en-US" altLang="zh-CN" dirty="0" smtClean="0"/>
-              <a:t>load average</a:t>
-            </a:r>
-            <a:r>
-              <a:rPr lang="zh-CN" altLang="en-US" dirty="0" smtClean="0"/>
-              <a:t>：系统的运行队列的平均利用率，也可以认为是可运行进程的平均数。三个值分别表示在最后的</a:t>
-            </a:r>
-            <a:r>
-              <a:rPr lang="en-US" altLang="zh-CN" dirty="0" smtClean="0"/>
-              <a:t>1</a:t>
-            </a:r>
-            <a:r>
-              <a:rPr lang="zh-CN" altLang="en-US" dirty="0" smtClean="0"/>
-              <a:t>分钟、</a:t>
-            </a:r>
-            <a:r>
-              <a:rPr lang="en-US" altLang="zh-CN" dirty="0" smtClean="0"/>
-              <a:t>5</a:t>
-            </a:r>
-            <a:r>
-              <a:rPr lang="zh-CN" altLang="en-US" dirty="0" smtClean="0"/>
-              <a:t>分钟、</a:t>
-            </a:r>
-            <a:r>
-              <a:rPr lang="en-US" altLang="zh-CN" dirty="0" smtClean="0"/>
-              <a:t>15</a:t>
-            </a:r>
-            <a:r>
-              <a:rPr lang="zh-CN" altLang="en-US" dirty="0" smtClean="0"/>
-              <a:t>分钟的平均负载值。</a:t>
-            </a:r>
-            <a:endParaRPr lang="en-US" altLang="zh-CN" dirty="0" smtClean="0"/>
-          </a:p>
-          <a:p>
-            <a:pPr lvl="1">
-              <a:lnSpc>
-                <a:spcPct val="150000"/>
-              </a:lnSpc>
-            </a:pPr>
-            <a:r>
-              <a:rPr lang="en-US" altLang="zh-CN" dirty="0" smtClean="0"/>
-              <a:t>top</a:t>
-            </a:r>
-            <a:r>
-              <a:rPr lang="zh-CN" altLang="en-US" dirty="0" smtClean="0"/>
-              <a:t>使用说明：在单核</a:t>
-            </a:r>
-            <a:r>
-              <a:rPr lang="en-US" altLang="zh-CN" dirty="0" smtClean="0"/>
-              <a:t>CPU</a:t>
-            </a:r>
-            <a:r>
-              <a:rPr lang="zh-CN" altLang="en-US" dirty="0" smtClean="0"/>
-              <a:t>中</a:t>
-            </a:r>
-            <a:r>
-              <a:rPr lang="en-US" altLang="zh-CN" dirty="0"/>
-              <a:t>load </a:t>
-            </a:r>
-            <a:r>
-              <a:rPr lang="en-US" altLang="zh-CN" dirty="0" smtClean="0"/>
-              <a:t>average</a:t>
-            </a:r>
-            <a:r>
-              <a:rPr lang="zh-CN" altLang="en-US" dirty="0" smtClean="0"/>
-              <a:t>的值为</a:t>
-            </a:r>
-            <a:r>
-              <a:rPr lang="en-US" altLang="zh-CN" dirty="0" smtClean="0"/>
-              <a:t>1</a:t>
-            </a:r>
-            <a:r>
-              <a:rPr lang="zh-CN" altLang="en-US" dirty="0" smtClean="0"/>
-              <a:t>时，表示满负荷状态。多核</a:t>
-            </a:r>
-            <a:r>
-              <a:rPr lang="en-US" altLang="zh-CN" dirty="0" smtClean="0"/>
-              <a:t>CPU</a:t>
-            </a:r>
-            <a:r>
-              <a:rPr lang="zh-CN" altLang="en-US" dirty="0" smtClean="0"/>
-              <a:t>中满负荷</a:t>
-            </a:r>
-            <a:r>
-              <a:rPr lang="en-US" altLang="zh-CN" dirty="0" smtClean="0"/>
-              <a:t>load average</a:t>
-            </a:r>
-            <a:r>
-              <a:rPr lang="zh-CN" altLang="en-US" dirty="0" smtClean="0"/>
-              <a:t>的值为</a:t>
-            </a:r>
-            <a:r>
-              <a:rPr lang="en-US" altLang="zh-CN" dirty="0" smtClean="0"/>
-              <a:t>1*CPU</a:t>
-            </a:r>
-            <a:r>
-              <a:rPr lang="zh-CN" altLang="en-US" dirty="0" smtClean="0"/>
-              <a:t>核数。</a:t>
-            </a:r>
-            <a:endParaRPr lang="en-US" altLang="zh-CN" dirty="0" smtClean="0"/>
-          </a:p>
-          <a:p>
+            <a:r>
+              <a:rPr lang="zh-CN" altLang="en-US" dirty="0" smtClean="0"/>
+              <a:t>服务器内存监控</a:t>
+            </a:r>
             <a:endParaRPr lang="zh-CN" altLang="en-US" dirty="0"/>
           </a:p>
         </p:txBody>
       </p:sp>
       <p:sp>
         <p:nvSpPr>
-          <p:cNvPr id="3" name="标题 2"/>
-          <p:cNvSpPr>
-            <a:spLocks noGrp="1"/>
-          </p:cNvSpPr>
-          <p:nvPr>
-            <p:ph type="title"/>
-          </p:nvPr>
-        </p:nvSpPr>
-        <p:spPr/>
-        <p:txBody>
-          <a:bodyPr/>
+          <p:cNvPr id="4" name="矩形 3"/>
+          <p:cNvSpPr/>
+          <p:nvPr/>
+        </p:nvSpPr>
+        <p:spPr>
+          <a:xfrm>
+            <a:off x="395536" y="3140968"/>
+            <a:ext cx="8352928" cy="3342453"/>
+          </a:xfrm>
+          <a:prstGeom prst="rect">
+            <a:avLst/>
+          </a:prstGeom>
+        </p:spPr>
+        <p:txBody>
+          <a:bodyPr wrap="square">
+            <a:spAutoFit/>
+          </a:bodyPr>
           <a:lstStyle/>
           <a:p>
-            <a:r>
-              <a:rPr lang="zh-CN" altLang="en-US" dirty="0" smtClean="0"/>
-              <a:t>服务器内存</a:t>
-            </a:r>
-            <a:r>
-              <a:rPr lang="zh-CN" altLang="en-US" dirty="0"/>
-              <a:t>监控</a:t>
-            </a:r>
+            <a:pPr marL="342900" lvl="1" indent="-342900">
+              <a:lnSpc>
+                <a:spcPct val="150000"/>
+              </a:lnSpc>
+              <a:spcBef>
+                <a:spcPct val="20000"/>
+              </a:spcBef>
+              <a:buFont typeface="Arial" pitchFamily="34" charset="0"/>
+              <a:buChar char="•"/>
+            </a:pPr>
+            <a:r>
+              <a:rPr lang="zh-CN" altLang="en-US" dirty="0" smtClean="0"/>
+              <a:t> </a:t>
+            </a:r>
+            <a:r>
+              <a:rPr lang="en-US" altLang="zh-CN" sz="3200" dirty="0"/>
+              <a:t>top </a:t>
+            </a:r>
+            <a:r>
+              <a:rPr lang="zh-CN" altLang="en-US" sz="3200" dirty="0"/>
+              <a:t>的内部</a:t>
+            </a:r>
+            <a:r>
+              <a:rPr lang="zh-CN" altLang="en-US" sz="3200" dirty="0" smtClean="0"/>
+              <a:t>命令</a:t>
+            </a:r>
+            <a:endParaRPr lang="en-US" altLang="zh-CN" sz="3200" dirty="0" smtClean="0"/>
+          </a:p>
+          <a:p>
+            <a:pPr marL="0" lvl="1">
+              <a:lnSpc>
+                <a:spcPct val="150000"/>
+              </a:lnSpc>
+              <a:spcBef>
+                <a:spcPct val="20000"/>
+              </a:spcBef>
+            </a:pPr>
+            <a:r>
+              <a:rPr lang="en-US" altLang="zh-CN" sz="3200" dirty="0" smtClean="0"/>
+              <a:t>M</a:t>
+            </a:r>
+            <a:r>
+              <a:rPr lang="zh-CN" altLang="en-US" sz="3200" dirty="0"/>
+              <a:t>：</a:t>
+            </a:r>
+            <a:r>
+              <a:rPr lang="zh-CN" altLang="en-US" sz="3200" dirty="0" smtClean="0"/>
+              <a:t>按内存使用率排序</a:t>
+            </a:r>
+            <a:endParaRPr lang="en-US" altLang="zh-CN" sz="3200" dirty="0" smtClean="0"/>
+          </a:p>
+          <a:p>
+            <a:pPr marL="0" lvl="1">
+              <a:lnSpc>
+                <a:spcPct val="150000"/>
+              </a:lnSpc>
+              <a:spcBef>
+                <a:spcPct val="20000"/>
+              </a:spcBef>
+            </a:pPr>
+            <a:r>
+              <a:rPr lang="en-US" altLang="zh-CN" sz="3200" dirty="0" smtClean="0"/>
+              <a:t>P</a:t>
+            </a:r>
+            <a:r>
+              <a:rPr lang="zh-CN" altLang="en-US" sz="3200" dirty="0" smtClean="0"/>
+              <a:t>：按 </a:t>
+            </a:r>
+            <a:r>
+              <a:rPr lang="en-US" altLang="zh-CN" sz="3200" dirty="0"/>
+              <a:t>CPU </a:t>
+            </a:r>
+            <a:r>
+              <a:rPr lang="zh-CN" altLang="en-US" sz="3200" dirty="0" smtClean="0"/>
+              <a:t>使用率排序</a:t>
+            </a:r>
+            <a:endParaRPr lang="en-US" altLang="zh-CN" sz="3200" dirty="0" smtClean="0"/>
+          </a:p>
+          <a:p>
+            <a:pPr marL="0" lvl="1">
+              <a:lnSpc>
+                <a:spcPct val="150000"/>
+              </a:lnSpc>
+              <a:spcBef>
+                <a:spcPct val="20000"/>
+              </a:spcBef>
+            </a:pPr>
+            <a:r>
+              <a:rPr lang="en-US" altLang="zh-CN" sz="3200" dirty="0" smtClean="0"/>
+              <a:t>z</a:t>
+            </a:r>
+            <a:r>
+              <a:rPr lang="zh-CN" altLang="en-US" sz="3200" dirty="0" smtClean="0"/>
+              <a:t>：彩色</a:t>
+            </a:r>
+            <a:r>
+              <a:rPr lang="en-US" altLang="zh-CN" sz="3200" dirty="0" smtClean="0"/>
+              <a:t>/</a:t>
+            </a:r>
+            <a:r>
+              <a:rPr lang="zh-CN" altLang="en-US" sz="3200" dirty="0" smtClean="0"/>
+              <a:t>黑白显示</a:t>
+            </a:r>
+            <a:endParaRPr lang="zh-CN" altLang="en-US" sz="3200" dirty="0"/>
           </a:p>
         </p:txBody>
       </p:sp>
     </p:spTree>
     <p:extLst>
       <p:ext uri="{BB962C8B-B14F-4D97-AF65-F5344CB8AC3E}">
-        <p14:creationId xmlns:p14="http://schemas.microsoft.com/office/powerpoint/2010/main" val="1743524777"/>
+        <p14:creationId xmlns:p14="http://schemas.microsoft.com/office/powerpoint/2010/main" val="4051011561"/>
       </p:ext>
     </p:extLst>
   </p:cSld>
@@ -6606,35 +7678,81 @@
             <p:ph idx="1"/>
           </p:nvPr>
         </p:nvSpPr>
-        <p:spPr/>
-        <p:txBody>
-          <a:bodyPr/>
+        <p:spPr>
+          <a:xfrm>
+            <a:off x="457200" y="1166018"/>
+            <a:ext cx="8229600" cy="4525963"/>
+          </a:xfrm>
+        </p:spPr>
+        <p:txBody>
+          <a:bodyPr>
+            <a:normAutofit fontScale="92500"/>
+          </a:bodyPr>
           <a:lstStyle/>
           <a:p>
-            <a:r>
-              <a:rPr lang="en-US" altLang="zh-CN" dirty="0" err="1" smtClean="0"/>
-              <a:t>vmstat</a:t>
+            <a:pPr>
+              <a:lnSpc>
+                <a:spcPct val="150000"/>
+              </a:lnSpc>
+            </a:pPr>
+            <a:r>
+              <a:rPr lang="en-US" altLang="zh-CN" dirty="0" smtClean="0"/>
+              <a:t>top</a:t>
+            </a:r>
+          </a:p>
+          <a:p>
+            <a:pPr lvl="1">
+              <a:lnSpc>
+                <a:spcPct val="150000"/>
+              </a:lnSpc>
+            </a:pPr>
+            <a:r>
+              <a:rPr lang="en-US" altLang="zh-CN" dirty="0" smtClean="0"/>
+              <a:t>load average</a:t>
+            </a:r>
+            <a:r>
+              <a:rPr lang="zh-CN" altLang="en-US" dirty="0" smtClean="0"/>
+              <a:t>：系统的运行队列的平均利用率，也可以认为是可运行进程的平均数。三个值分别表示在最后的</a:t>
+            </a:r>
+            <a:r>
+              <a:rPr lang="en-US" altLang="zh-CN" dirty="0" smtClean="0"/>
+              <a:t>1</a:t>
+            </a:r>
+            <a:r>
+              <a:rPr lang="zh-CN" altLang="en-US" dirty="0" smtClean="0"/>
+              <a:t>分钟、</a:t>
+            </a:r>
+            <a:r>
+              <a:rPr lang="en-US" altLang="zh-CN" dirty="0" smtClean="0"/>
+              <a:t>5</a:t>
+            </a:r>
+            <a:r>
+              <a:rPr lang="zh-CN" altLang="en-US" dirty="0" smtClean="0"/>
+              <a:t>分钟、</a:t>
+            </a:r>
+            <a:r>
+              <a:rPr lang="en-US" altLang="zh-CN" dirty="0" smtClean="0"/>
+              <a:t>15</a:t>
+            </a:r>
+            <a:r>
+              <a:rPr lang="zh-CN" altLang="en-US" dirty="0" smtClean="0"/>
+              <a:t>分钟的平均负载值。</a:t>
             </a:r>
             <a:endParaRPr lang="en-US" altLang="zh-CN" dirty="0" smtClean="0"/>
           </a:p>
           <a:p>
-            <a:pPr marL="400050" lvl="1" indent="0">
-              <a:lnSpc>
-                <a:spcPct val="150000"/>
-              </a:lnSpc>
-              <a:buNone/>
-            </a:pPr>
-            <a:r>
-              <a:rPr lang="zh-CN" altLang="en-US" dirty="0" smtClean="0"/>
-              <a:t>可以监控操作系统的进程状态、内存、虚拟内存、磁盘</a:t>
-            </a:r>
+            <a:pPr lvl="1">
+              <a:lnSpc>
+                <a:spcPct val="150000"/>
+              </a:lnSpc>
+            </a:pPr>
             <a:r>
               <a:rPr lang="en-US" altLang="zh-CN" dirty="0" smtClean="0"/>
-              <a:t>IO</a:t>
-            </a:r>
-            <a:r>
-              <a:rPr lang="zh-CN" altLang="en-US" dirty="0" smtClean="0"/>
-              <a:t>、</a:t>
+              <a:t>top</a:t>
+            </a:r>
+            <a:r>
+              <a:rPr lang="zh-CN" altLang="en-US" dirty="0" smtClean="0"/>
+              <a:t>使用说明：在单核</a:t>
             </a:r>
             <a:r>
               <a:rPr lang="en-US" altLang="zh-CN" dirty="0" smtClean="0"/>
@@ -6642,106 +7760,56 @@
             </a:r>
             <a:r>
               <a:rPr lang="zh-CN" altLang="en-US" dirty="0" smtClean="0"/>
-              <a:t>的信息。</a:t>
+              <a:t>中</a:t>
+            </a:r>
+            <a:r>
+              <a:rPr lang="en-US" altLang="zh-CN" dirty="0"/>
+              <a:t>load </a:t>
+            </a:r>
+            <a:r>
+              <a:rPr lang="en-US" altLang="zh-CN" dirty="0" smtClean="0"/>
+              <a:t>average</a:t>
+            </a:r>
+            <a:r>
+              <a:rPr lang="zh-CN" altLang="en-US" dirty="0" smtClean="0"/>
+              <a:t>的值为</a:t>
+            </a:r>
+            <a:r>
+              <a:rPr lang="en-US" altLang="zh-CN" dirty="0" smtClean="0"/>
+              <a:t>1</a:t>
+            </a:r>
+            <a:r>
+              <a:rPr lang="zh-CN" altLang="en-US" dirty="0" smtClean="0"/>
+              <a:t>时，表示满负荷状态。多核</a:t>
+            </a:r>
+            <a:r>
+              <a:rPr lang="en-US" altLang="zh-CN" dirty="0" smtClean="0"/>
+              <a:t>CPU</a:t>
+            </a:r>
+            <a:r>
+              <a:rPr lang="zh-CN" altLang="en-US" dirty="0" smtClean="0"/>
+              <a:t>中满负荷</a:t>
+            </a:r>
+            <a:r>
+              <a:rPr lang="en-US" altLang="zh-CN" dirty="0" smtClean="0"/>
+              <a:t>load average</a:t>
+            </a:r>
+            <a:r>
+              <a:rPr lang="zh-CN" altLang="en-US" dirty="0" smtClean="0"/>
+              <a:t>的值为</a:t>
+            </a:r>
+            <a:r>
+              <a:rPr lang="en-US" altLang="zh-CN" dirty="0" smtClean="0"/>
+              <a:t>1*CPU</a:t>
+            </a:r>
+            <a:r>
+              <a:rPr lang="zh-CN" altLang="en-US" dirty="0" smtClean="0"/>
+              <a:t>核数。</a:t>
             </a:r>
             <a:endParaRPr lang="en-US" altLang="zh-CN" dirty="0" smtClean="0"/>
           </a:p>
           <a:p>
-            <a:pPr marL="400050" lvl="1" indent="0">
-              <a:lnSpc>
-                <a:spcPct val="150000"/>
-              </a:lnSpc>
-              <a:buNone/>
-            </a:pPr>
-            <a:r>
-              <a:rPr lang="en-US" altLang="zh-CN" dirty="0" smtClean="0"/>
-              <a:t>-S</a:t>
-            </a:r>
-            <a:r>
-              <a:rPr lang="zh-CN" altLang="en-US" dirty="0" smtClean="0"/>
-              <a:t>：使用指定单位显示，参数有</a:t>
-            </a:r>
-            <a:r>
-              <a:rPr lang="en-US" altLang="zh-CN" dirty="0" smtClean="0"/>
-              <a:t>k</a:t>
-            </a:r>
-            <a:r>
-              <a:rPr lang="zh-CN" altLang="en-US" dirty="0" smtClean="0"/>
-              <a:t>、</a:t>
-            </a:r>
-            <a:r>
-              <a:rPr lang="en-US" altLang="zh-CN" dirty="0" smtClean="0"/>
-              <a:t>K</a:t>
-            </a:r>
-            <a:r>
-              <a:rPr lang="zh-CN" altLang="en-US" dirty="0" smtClean="0"/>
-              <a:t>、</a:t>
-            </a:r>
-            <a:r>
-              <a:rPr lang="en-US" altLang="zh-CN" dirty="0" smtClean="0"/>
-              <a:t>m</a:t>
-            </a:r>
-            <a:r>
-              <a:rPr lang="zh-CN" altLang="en-US" dirty="0" smtClean="0"/>
-              <a:t>、</a:t>
-            </a:r>
-            <a:r>
-              <a:rPr lang="en-US" altLang="zh-CN" dirty="0" smtClean="0"/>
-              <a:t>M</a:t>
-            </a:r>
-            <a:r>
-              <a:rPr lang="zh-CN" altLang="en-US" dirty="0" smtClean="0"/>
-              <a:t>，分别代表</a:t>
-            </a:r>
-            <a:r>
-              <a:rPr lang="en-US" altLang="zh-CN" dirty="0" smtClean="0"/>
-              <a:t>1000</a:t>
-            </a:r>
-            <a:r>
-              <a:rPr lang="zh-CN" altLang="en-US" dirty="0" smtClean="0"/>
-              <a:t>、</a:t>
-            </a:r>
-            <a:r>
-              <a:rPr lang="en-US" altLang="zh-CN" dirty="0" smtClean="0"/>
-              <a:t>1024</a:t>
-            </a:r>
-            <a:r>
-              <a:rPr lang="zh-CN" altLang="en-US" dirty="0" smtClean="0"/>
-              <a:t>、</a:t>
-            </a:r>
-            <a:r>
-              <a:rPr lang="en-US" altLang="zh-CN" dirty="0" smtClean="0"/>
-              <a:t>1000000</a:t>
-            </a:r>
-            <a:r>
-              <a:rPr lang="zh-CN" altLang="en-US" dirty="0" smtClean="0"/>
-              <a:t>、</a:t>
-            </a:r>
-            <a:r>
-              <a:rPr lang="en-US" altLang="zh-CN" dirty="0" smtClean="0"/>
-              <a:t>1048576</a:t>
-            </a:r>
-            <a:r>
-              <a:rPr lang="zh-CN" altLang="en-US" dirty="0" smtClean="0"/>
-              <a:t>字节。默认单位是</a:t>
-            </a:r>
-            <a:r>
-              <a:rPr lang="en-US" altLang="zh-CN" dirty="0" smtClean="0"/>
-              <a:t>K</a:t>
-            </a:r>
-            <a:r>
-              <a:rPr lang="zh-CN" altLang="en-US" dirty="0" smtClean="0"/>
-              <a:t>（</a:t>
-            </a:r>
-            <a:r>
-              <a:rPr lang="en-US" altLang="zh-CN" dirty="0" smtClean="0"/>
-              <a:t>1024 bytes</a:t>
-            </a:r>
-            <a:r>
-              <a:rPr lang="zh-CN" altLang="en-US" dirty="0" smtClean="0"/>
-              <a:t>）</a:t>
-            </a:r>
-            <a:endParaRPr lang="en-US" altLang="zh-CN" dirty="0" smtClean="0"/>
+            <a:endParaRPr lang="zh-CN" altLang="en-US" dirty="0"/>
           </a:p>
         </p:txBody>
       </p:sp>
@@ -6818,73 +7886,147 @@
             <p:ph idx="1"/>
           </p:nvPr>
         </p:nvSpPr>
-        <p:spPr/>
+        <p:spPr>
+          <a:xfrm>
+            <a:off x="467544" y="1268760"/>
+            <a:ext cx="8229600" cy="4525963"/>
+          </a:xfrm>
+        </p:spPr>
         <p:txBody>
           <a:bodyPr/>
           <a:lstStyle/>
           <a:p>
-            <a:pPr>
-              <a:lnSpc>
-                <a:spcPct val="150000"/>
-              </a:lnSpc>
-            </a:pPr>
+            <a:r>
+              <a:rPr lang="en-US" altLang="zh-CN" dirty="0" err="1" smtClean="0"/>
+              <a:t>vmstat</a:t>
+            </a:r>
+            <a:endParaRPr lang="en-US" altLang="zh-CN" dirty="0" smtClean="0"/>
+          </a:p>
+          <a:p>
+            <a:pPr marL="400050" lvl="1" indent="0">
+              <a:lnSpc>
+                <a:spcPct val="150000"/>
+              </a:lnSpc>
+              <a:buNone/>
+            </a:pPr>
+            <a:r>
+              <a:rPr lang="zh-CN" altLang="en-US" dirty="0" smtClean="0"/>
+              <a:t>可以监控操作系统的进程状态、内存、虚拟内存、磁盘</a:t>
+            </a:r>
             <a:r>
               <a:rPr lang="en-US" altLang="zh-CN" dirty="0" smtClean="0"/>
-              <a:t>free</a:t>
-            </a:r>
-          </a:p>
-          <a:p>
-            <a:pPr marL="0" indent="0">
+              <a:t>IO</a:t>
+            </a:r>
+            <a:r>
+              <a:rPr lang="zh-CN" altLang="en-US" dirty="0" smtClean="0"/>
+              <a:t>、</a:t>
+            </a:r>
+            <a:r>
+              <a:rPr lang="en-US" altLang="zh-CN" dirty="0" smtClean="0"/>
+              <a:t>CPU</a:t>
+            </a:r>
+            <a:r>
+              <a:rPr lang="zh-CN" altLang="en-US" dirty="0" smtClean="0"/>
+              <a:t>的信息。</a:t>
+            </a:r>
+            <a:endParaRPr lang="en-US" altLang="zh-CN" dirty="0" smtClean="0"/>
+          </a:p>
+          <a:p>
+            <a:pPr marL="400050" lvl="1" indent="0">
               <a:lnSpc>
                 <a:spcPct val="150000"/>
               </a:lnSpc>
               <a:buNone/>
             </a:pPr>
             <a:r>
-              <a:rPr lang="zh-CN" altLang="en-US" dirty="0" smtClean="0"/>
-              <a:t>能够监控系统的内存使用状态。</a:t>
-            </a:r>
-            <a:r>
               <a:rPr lang="en-US" altLang="zh-CN" dirty="0" smtClean="0"/>
-              <a:t>total</a:t>
-            </a:r>
-            <a:r>
-              <a:rPr lang="zh-CN" altLang="en-US" dirty="0" smtClean="0"/>
-              <a:t>：总计物理内存的大小；</a:t>
+              <a:t>-S</a:t>
+            </a:r>
+            <a:r>
+              <a:rPr lang="zh-CN" altLang="en-US" dirty="0" smtClean="0"/>
+              <a:t>：使用指定单位显示，参数有</a:t>
             </a:r>
             <a:r>
               <a:rPr lang="en-US" altLang="zh-CN" dirty="0" smtClean="0"/>
-              <a:t>Used</a:t>
-            </a:r>
-            <a:r>
-              <a:rPr lang="zh-CN" altLang="en-US" dirty="0" smtClean="0"/>
-              <a:t>：已使用多大；</a:t>
+              <a:t>k</a:t>
+            </a:r>
+            <a:r>
+              <a:rPr lang="zh-CN" altLang="en-US" dirty="0" smtClean="0"/>
+              <a:t>、</a:t>
             </a:r>
             <a:r>
               <a:rPr lang="en-US" altLang="zh-CN" dirty="0" smtClean="0"/>
-              <a:t>Free</a:t>
-            </a:r>
-            <a:r>
-              <a:rPr lang="zh-CN" altLang="en-US" dirty="0" smtClean="0"/>
-              <a:t>：可用有多少；</a:t>
+              <a:t>K</a:t>
+            </a:r>
+            <a:r>
+              <a:rPr lang="zh-CN" altLang="en-US" dirty="0" smtClean="0"/>
+              <a:t>、</a:t>
             </a:r>
             <a:r>
               <a:rPr lang="en-US" altLang="zh-CN" dirty="0" smtClean="0"/>
-              <a:t>shared</a:t>
-            </a:r>
-            <a:r>
-              <a:rPr lang="zh-CN" altLang="en-US" dirty="0" smtClean="0"/>
-              <a:t>：多个进程共享的内存总额；</a:t>
+              <a:t>m</a:t>
+            </a:r>
+            <a:r>
+              <a:rPr lang="zh-CN" altLang="en-US" dirty="0" smtClean="0"/>
+              <a:t>、</a:t>
             </a:r>
             <a:r>
               <a:rPr lang="en-US" altLang="zh-CN" dirty="0" smtClean="0"/>
-              <a:t>buffer/cached</a:t>
-            </a:r>
-            <a:r>
-              <a:rPr lang="zh-CN" altLang="en-US" dirty="0" smtClean="0"/>
-              <a:t>磁盘缓存的大小。</a:t>
-            </a:r>
-            <a:endParaRPr lang="zh-CN" altLang="en-US" dirty="0"/>
+              <a:t>M</a:t>
+            </a:r>
+            <a:r>
+              <a:rPr lang="zh-CN" altLang="en-US" dirty="0" smtClean="0"/>
+              <a:t>，分别代表</a:t>
+            </a:r>
+            <a:r>
+              <a:rPr lang="en-US" altLang="zh-CN" dirty="0" smtClean="0"/>
+              <a:t>1000</a:t>
+            </a:r>
+            <a:r>
+              <a:rPr lang="zh-CN" altLang="en-US" dirty="0" smtClean="0"/>
+              <a:t>、</a:t>
+            </a:r>
+            <a:r>
+              <a:rPr lang="en-US" altLang="zh-CN" dirty="0" smtClean="0"/>
+              <a:t>1024</a:t>
+            </a:r>
+            <a:r>
+              <a:rPr lang="zh-CN" altLang="en-US" dirty="0" smtClean="0"/>
+              <a:t>、</a:t>
+            </a:r>
+            <a:r>
+              <a:rPr lang="en-US" altLang="zh-CN" dirty="0" smtClean="0"/>
+              <a:t>1000000</a:t>
+            </a:r>
+            <a:r>
+              <a:rPr lang="zh-CN" altLang="en-US" dirty="0" smtClean="0"/>
+              <a:t>、</a:t>
+            </a:r>
+            <a:r>
+              <a:rPr lang="en-US" altLang="zh-CN" dirty="0" smtClean="0"/>
+              <a:t>1048576</a:t>
+            </a:r>
+            <a:r>
+              <a:rPr lang="zh-CN" altLang="en-US" dirty="0" smtClean="0"/>
+              <a:t>字节。默认单位是</a:t>
+            </a:r>
+            <a:r>
+              <a:rPr lang="en-US" altLang="zh-CN" dirty="0" smtClean="0"/>
+              <a:t>K</a:t>
+            </a:r>
+            <a:r>
+              <a:rPr lang="zh-CN" altLang="en-US" dirty="0" smtClean="0"/>
+              <a:t>（</a:t>
+            </a:r>
+            <a:r>
+              <a:rPr lang="en-US" altLang="zh-CN" dirty="0" smtClean="0"/>
+              <a:t>1024 bytes</a:t>
+            </a:r>
+            <a:r>
+              <a:rPr lang="zh-CN" altLang="en-US" dirty="0" smtClean="0"/>
+              <a:t>）</a:t>
+            </a:r>
+            <a:endParaRPr lang="en-US" altLang="zh-CN" dirty="0" smtClean="0"/>
           </a:p>
         </p:txBody>
       </p:sp>
@@ -6917,7 +8059,7 @@
     </p:spTree>
     <p:extLst>
       <p:ext uri="{BB962C8B-B14F-4D97-AF65-F5344CB8AC3E}">
-        <p14:creationId xmlns:p14="http://schemas.microsoft.com/office/powerpoint/2010/main" val="2846681196"/>
+        <p14:creationId xmlns:p14="http://schemas.microsoft.com/office/powerpoint/2010/main" val="1743524777"/>
       </p:ext>
     </p:extLst>
   </p:cSld>
@@ -6961,6 +8103,154 @@
             <p:ph idx="1"/>
           </p:nvPr>
         </p:nvSpPr>
+        <p:spPr>
+          <a:xfrm>
+            <a:off x="539552" y="1196752"/>
+            <a:ext cx="8229600" cy="4525963"/>
+          </a:xfrm>
+        </p:spPr>
+        <p:txBody>
+          <a:bodyPr/>
+          <a:lstStyle/>
+          <a:p>
+            <a:pPr>
+              <a:lnSpc>
+                <a:spcPct val="150000"/>
+              </a:lnSpc>
+            </a:pPr>
+            <a:r>
+              <a:rPr lang="en-US" altLang="zh-CN" dirty="0" smtClean="0"/>
+              <a:t>free</a:t>
+            </a:r>
+          </a:p>
+          <a:p>
+            <a:pPr marL="400050" lvl="1" indent="0">
+              <a:lnSpc>
+                <a:spcPct val="150000"/>
+              </a:lnSpc>
+              <a:buNone/>
+            </a:pPr>
+            <a:r>
+              <a:rPr lang="zh-CN" altLang="en-US" dirty="0" smtClean="0"/>
+              <a:t>能够监控系统的内存使用状态。</a:t>
+            </a:r>
+            <a:r>
+              <a:rPr lang="en-US" altLang="zh-CN" dirty="0" smtClean="0"/>
+              <a:t>total</a:t>
+            </a:r>
+            <a:r>
+              <a:rPr lang="zh-CN" altLang="en-US" dirty="0" smtClean="0"/>
+              <a:t>：总计物理内存的大小；</a:t>
+            </a:r>
+            <a:r>
+              <a:rPr lang="en-US" altLang="zh-CN" dirty="0" smtClean="0"/>
+              <a:t>Used</a:t>
+            </a:r>
+            <a:r>
+              <a:rPr lang="zh-CN" altLang="en-US" dirty="0" smtClean="0"/>
+              <a:t>：已使用多大；</a:t>
+            </a:r>
+            <a:r>
+              <a:rPr lang="en-US" altLang="zh-CN" dirty="0" smtClean="0"/>
+              <a:t>Free</a:t>
+            </a:r>
+            <a:r>
+              <a:rPr lang="zh-CN" altLang="en-US" dirty="0" smtClean="0"/>
+              <a:t>：可用有多少；</a:t>
+            </a:r>
+            <a:r>
+              <a:rPr lang="en-US" altLang="zh-CN" dirty="0" smtClean="0"/>
+              <a:t>shared</a:t>
+            </a:r>
+            <a:r>
+              <a:rPr lang="zh-CN" altLang="en-US" dirty="0" smtClean="0"/>
+              <a:t>：多个进程共享的内存总额；</a:t>
+            </a:r>
+            <a:r>
+              <a:rPr lang="en-US" altLang="zh-CN" dirty="0" smtClean="0"/>
+              <a:t>buffer/cached</a:t>
+            </a:r>
+            <a:r>
+              <a:rPr lang="zh-CN" altLang="en-US" dirty="0" smtClean="0"/>
+              <a:t>磁盘缓存的大小。</a:t>
+            </a:r>
+            <a:endParaRPr lang="zh-CN" altLang="en-US" dirty="0"/>
+          </a:p>
+        </p:txBody>
+      </p:sp>
+      <p:sp>
+        <p:nvSpPr>
+          <p:cNvPr id="3" name="标题 2"/>
+          <p:cNvSpPr>
+            <a:spLocks noGrp="1"/>
+          </p:cNvSpPr>
+          <p:nvPr>
+            <p:ph type="title"/>
+          </p:nvPr>
+        </p:nvSpPr>
+        <p:spPr/>
+        <p:txBody>
+          <a:bodyPr/>
+          <a:lstStyle/>
+          <a:p>
+            <a:r>
+              <a:rPr lang="zh-CN" altLang="en-US" dirty="0" smtClean="0"/>
+              <a:t>服务器内存</a:t>
+            </a:r>
+            <a:r>
+              <a:rPr lang="zh-CN" altLang="en-US" dirty="0"/>
+              <a:t>监控</a:t>
+            </a:r>
+          </a:p>
+        </p:txBody>
+      </p:sp>
+    </p:spTree>
+    <p:extLst>
+      <p:ext uri="{BB962C8B-B14F-4D97-AF65-F5344CB8AC3E}">
+        <p14:creationId xmlns:p14="http://schemas.microsoft.com/office/powerpoint/2010/main" val="2846681196"/>
+      </p:ext>
+    </p:extLst>
+  </p:cSld>
+  <p:clrMapOvr>
+    <a:masterClrMapping/>
+  </p:clrMapOvr>
+  <p:timing>
+    <p:tnLst>
+      <p:par>
+        <p:cTn id="1" dur="indefinite" restart="never" nodeType="tmRoot"/>
+      </p:par>
+    </p:tnLst>
+  </p:timing>
+</p:sld>
+</file>
+
+<file path=ppt/slides/slide16.xml><?xml version="1.0" encoding="utf-8"?>
+<p:sld xmlns:a="http://schemas.openxmlformats.org/drawingml/2006/main" xmlns:r="http://schemas.openxmlformats.org/officeDocument/2006/relationships" xmlns:p="http://schemas.openxmlformats.org/presentationml/2006/main">
+  <p:cSld>
+    <p:spTree>
+      <p:nvGrpSpPr>
+        <p:cNvPr id="1" name=""/>
+        <p:cNvGrpSpPr/>
+        <p:nvPr/>
+      </p:nvGrpSpPr>
+      <p:grpSpPr>
+        <a:xfrm>
+          <a:off x="0" y="0"/>
+          <a:ext cx="0" cy="0"/>
+          <a:chOff x="0" y="0"/>
+          <a:chExt cx="0" cy="0"/>
+        </a:xfrm>
+      </p:grpSpPr>
+      <p:sp>
+        <p:nvSpPr>
+          <p:cNvPr id="2" name="内容占位符 1"/>
+          <p:cNvSpPr>
+            <a:spLocks noGrp="1"/>
+          </p:cNvSpPr>
+          <p:nvPr>
+            <p:ph idx="1"/>
+          </p:nvPr>
+        </p:nvSpPr>
         <p:spPr/>
         <p:txBody>
           <a:bodyPr>
@@ -6969,12 +8259,12 @@
           <a:lstStyle/>
           <a:p>
             <a:r>
-              <a:rPr lang="en-US" altLang="zh-CN" dirty="0" err="1" smtClean="0"/>
+              <a:rPr lang="en-US" altLang="zh-CN" dirty="0" smtClean="0"/>
               <a:t>mpstat</a:t>
             </a:r>
-            <a:endParaRPr lang="en-US" altLang="zh-CN" dirty="0" smtClean="0"/>
-          </a:p>
-          <a:p>
+          </a:p>
+          <a:p>
+            <a:pPr lvl="1"/>
             <a:r>
               <a:rPr lang="en-US" altLang="zh-CN" dirty="0"/>
               <a:t>yum install –y </a:t>
@@ -6986,13 +8276,10 @@
             <a:endParaRPr lang="zh-CN" altLang="en-US" dirty="0"/>
           </a:p>
           <a:p>
-            <a:r>
-              <a:rPr lang="zh-CN" altLang="en-US" smtClean="0"/>
-              <a:t>可以</a:t>
-            </a:r>
-            <a:r>
-              <a:rPr lang="zh-CN" altLang="en-US" dirty="0" smtClean="0"/>
-              <a:t>查看多核</a:t>
+            <a:pPr lvl="1"/>
+            <a:r>
+              <a:rPr lang="zh-CN" altLang="en-US" dirty="0" smtClean="0"/>
+              <a:t>可以查看多核</a:t>
             </a:r>
             <a:r>
               <a:rPr lang="en-US" altLang="zh-CN" dirty="0" smtClean="0"/>
@@ -7034,24 +8321,28 @@
               <a:t>在</a:t>
             </a:r>
             <a:r>
+              <a:rPr lang="en-US" altLang="zh-CN" dirty="0"/>
+              <a:t>【0</a:t>
+            </a:r>
+            <a:r>
+              <a:rPr lang="zh-CN" altLang="en-US" dirty="0"/>
+              <a:t>，</a:t>
+            </a:r>
+            <a:r>
+              <a:rPr lang="en-US" altLang="zh-CN" dirty="0"/>
+              <a:t>CPU</a:t>
+            </a:r>
+            <a:r>
+              <a:rPr lang="zh-CN" altLang="en-US" dirty="0"/>
+              <a:t>个数</a:t>
+            </a:r>
+            <a:r>
+              <a:rPr lang="en-US" altLang="zh-CN" dirty="0"/>
+              <a:t>-1</a:t>
+            </a:r>
+            <a:r>
               <a:rPr lang="en-US" altLang="zh-CN" dirty="0" smtClean="0"/>
-              <a:t>[0</a:t>
-            </a:r>
-            <a:r>
-              <a:rPr lang="zh-CN" altLang="en-US" dirty="0" smtClean="0"/>
-              <a:t>，</a:t>
-            </a:r>
-            <a:r>
-              <a:rPr lang="en-US" altLang="zh-CN" dirty="0" smtClean="0"/>
-              <a:t>CPU</a:t>
-            </a:r>
-            <a:r>
-              <a:rPr lang="zh-CN" altLang="en-US" dirty="0" smtClean="0"/>
-              <a:t>个数</a:t>
-            </a:r>
-            <a:r>
-              <a:rPr lang="en-US" altLang="zh-CN" dirty="0" smtClean="0"/>
-              <a:t>-1]</a:t>
+              <a:t>】</a:t>
             </a:r>
             <a:r>
               <a:rPr lang="zh-CN" altLang="en-US" dirty="0" smtClean="0"/>
@@ -7142,6 +8433,588 @@
     <p:extLst>
       <p:ext uri="{BB962C8B-B14F-4D97-AF65-F5344CB8AC3E}">
         <p14:creationId xmlns:p14="http://schemas.microsoft.com/office/powerpoint/2010/main" val="2846681196"/>
+      </p:ext>
+    </p:extLst>
+  </p:cSld>
+  <p:clrMapOvr>
+    <a:masterClrMapping/>
+  </p:clrMapOvr>
+  <p:timing>
+    <p:tnLst>
+      <p:par>
+        <p:cTn id="1" dur="indefinite" restart="never" nodeType="tmRoot"/>
+      </p:par>
+    </p:tnLst>
+  </p:timing>
+</p:sld>
+</file>
+
+<file path=ppt/slides/slide17.xml><?xml version="1.0" encoding="utf-8"?>
+<p:sld xmlns:a="http://schemas.openxmlformats.org/drawingml/2006/main" xmlns:r="http://schemas.openxmlformats.org/officeDocument/2006/relationships" xmlns:p="http://schemas.openxmlformats.org/presentationml/2006/main">
+  <p:cSld>
+    <p:spTree>
+      <p:nvGrpSpPr>
+        <p:cNvPr id="1" name=""/>
+        <p:cNvGrpSpPr/>
+        <p:nvPr/>
+      </p:nvGrpSpPr>
+      <p:grpSpPr>
+        <a:xfrm>
+          <a:off x="0" y="0"/>
+          <a:ext cx="0" cy="0"/>
+          <a:chOff x="0" y="0"/>
+          <a:chExt cx="0" cy="0"/>
+        </a:xfrm>
+      </p:grpSpPr>
+      <p:sp>
+        <p:nvSpPr>
+          <p:cNvPr id="2" name="内容占位符 1"/>
+          <p:cNvSpPr>
+            <a:spLocks noGrp="1"/>
+          </p:cNvSpPr>
+          <p:nvPr>
+            <p:ph idx="1"/>
+          </p:nvPr>
+        </p:nvSpPr>
+        <p:spPr>
+          <a:xfrm>
+            <a:off x="395536" y="1268760"/>
+            <a:ext cx="8229600" cy="4525963"/>
+          </a:xfrm>
+        </p:spPr>
+        <p:txBody>
+          <a:bodyPr>
+            <a:normAutofit/>
+          </a:bodyPr>
+          <a:lstStyle/>
+          <a:p>
+            <a:pPr>
+              <a:lnSpc>
+                <a:spcPct val="150000"/>
+              </a:lnSpc>
+            </a:pPr>
+            <a:r>
+              <a:rPr lang="en-US" altLang="zh-CN" dirty="0" smtClean="0"/>
+              <a:t>mpstat</a:t>
+            </a:r>
+            <a:r>
+              <a:rPr lang="zh-CN" altLang="en-US" dirty="0" smtClean="0"/>
+              <a:t>注意</a:t>
+            </a:r>
+            <a:endParaRPr lang="en-US" altLang="zh-CN" dirty="0" smtClean="0"/>
+          </a:p>
+          <a:p>
+            <a:pPr lvl="1">
+              <a:lnSpc>
+                <a:spcPct val="150000"/>
+              </a:lnSpc>
+            </a:pPr>
+            <a:r>
+              <a:rPr lang="zh-CN" altLang="en-US" dirty="0"/>
+              <a:t>当</a:t>
+            </a:r>
+            <a:r>
+              <a:rPr lang="zh-CN" altLang="en-US" dirty="0" smtClean="0"/>
+              <a:t>没有参数时，</a:t>
+            </a:r>
+            <a:r>
+              <a:rPr lang="en-US" altLang="zh-CN" dirty="0" smtClean="0"/>
+              <a:t>mpstat</a:t>
+            </a:r>
+            <a:r>
+              <a:rPr lang="zh-CN" altLang="en-US" dirty="0" smtClean="0"/>
+              <a:t>则显示系统启动以后所有信息的平均值。有</a:t>
+            </a:r>
+            <a:r>
+              <a:rPr lang="en-US" altLang="zh-CN" dirty="0" smtClean="0"/>
+              <a:t>interval</a:t>
+            </a:r>
+            <a:r>
+              <a:rPr lang="zh-CN" altLang="en-US" dirty="0" smtClean="0"/>
+              <a:t>时，第一行的信息自系统启动以来的平均信息。从第二行开始，输出为前一个</a:t>
+            </a:r>
+            <a:r>
+              <a:rPr lang="en-US" altLang="zh-CN" dirty="0" smtClean="0"/>
+              <a:t>interval</a:t>
+            </a:r>
+            <a:r>
+              <a:rPr lang="zh-CN" altLang="en-US" dirty="0" smtClean="0"/>
+              <a:t>时间段的平均信息。</a:t>
+            </a:r>
+            <a:endParaRPr lang="en-US" altLang="zh-CN" dirty="0" smtClean="0"/>
+          </a:p>
+        </p:txBody>
+      </p:sp>
+      <p:sp>
+        <p:nvSpPr>
+          <p:cNvPr id="3" name="标题 2"/>
+          <p:cNvSpPr>
+            <a:spLocks noGrp="1"/>
+          </p:cNvSpPr>
+          <p:nvPr>
+            <p:ph type="title"/>
+          </p:nvPr>
+        </p:nvSpPr>
+        <p:spPr/>
+        <p:txBody>
+          <a:bodyPr/>
+          <a:lstStyle/>
+          <a:p>
+            <a:r>
+              <a:rPr lang="zh-CN" altLang="en-US" dirty="0" smtClean="0"/>
+              <a:t>服务器</a:t>
+            </a:r>
+            <a:r>
+              <a:rPr lang="en-US" altLang="zh-CN" dirty="0"/>
+              <a:t>CPU</a:t>
+            </a:r>
+            <a:r>
+              <a:rPr lang="zh-CN" altLang="en-US" dirty="0" smtClean="0"/>
+              <a:t>监控</a:t>
+            </a:r>
+            <a:endParaRPr lang="zh-CN" altLang="en-US" dirty="0"/>
+          </a:p>
+        </p:txBody>
+      </p:sp>
+    </p:spTree>
+    <p:extLst>
+      <p:ext uri="{BB962C8B-B14F-4D97-AF65-F5344CB8AC3E}">
+        <p14:creationId xmlns:p14="http://schemas.microsoft.com/office/powerpoint/2010/main" val="2343524035"/>
+      </p:ext>
+    </p:extLst>
+  </p:cSld>
+  <p:clrMapOvr>
+    <a:masterClrMapping/>
+  </p:clrMapOvr>
+  <p:timing>
+    <p:tnLst>
+      <p:par>
+        <p:cTn id="1" dur="indefinite" restart="never" nodeType="tmRoot"/>
+      </p:par>
+    </p:tnLst>
+  </p:timing>
+</p:sld>
+</file>
+
+<file path=ppt/slides/slide18.xml><?xml version="1.0" encoding="utf-8"?>
+<p:sld xmlns:a="http://schemas.openxmlformats.org/drawingml/2006/main" xmlns:r="http://schemas.openxmlformats.org/officeDocument/2006/relationships" xmlns:p="http://schemas.openxmlformats.org/presentationml/2006/main">
+  <p:cSld>
+    <p:spTree>
+      <p:nvGrpSpPr>
+        <p:cNvPr id="1" name=""/>
+        <p:cNvGrpSpPr/>
+        <p:nvPr/>
+      </p:nvGrpSpPr>
+      <p:grpSpPr>
+        <a:xfrm>
+          <a:off x="0" y="0"/>
+          <a:ext cx="0" cy="0"/>
+          <a:chOff x="0" y="0"/>
+          <a:chExt cx="0" cy="0"/>
+        </a:xfrm>
+      </p:grpSpPr>
+      <p:sp>
+        <p:nvSpPr>
+          <p:cNvPr id="2" name="内容占位符 1"/>
+          <p:cNvSpPr>
+            <a:spLocks noGrp="1"/>
+          </p:cNvSpPr>
+          <p:nvPr>
+            <p:ph idx="1"/>
+          </p:nvPr>
+        </p:nvSpPr>
+        <p:spPr>
+          <a:xfrm>
+            <a:off x="323528" y="1196752"/>
+            <a:ext cx="8352928" cy="5661248"/>
+          </a:xfrm>
+        </p:spPr>
+        <p:txBody>
+          <a:bodyPr>
+            <a:normAutofit/>
+          </a:bodyPr>
+          <a:lstStyle/>
+          <a:p>
+            <a:r>
+              <a:rPr lang="en-US" altLang="zh-CN" dirty="0" err="1" smtClean="0"/>
+              <a:t>netstat</a:t>
+            </a:r>
+            <a:endParaRPr lang="en-US" altLang="zh-CN" dirty="0" smtClean="0"/>
+          </a:p>
+          <a:p>
+            <a:pPr lvl="1"/>
+            <a:r>
+              <a:rPr lang="zh-CN" altLang="en-US" dirty="0" smtClean="0"/>
+              <a:t>用于显示本机网络连接、运行端口、路由表等信息</a:t>
+            </a:r>
+            <a:endParaRPr lang="en-US" altLang="zh-CN" dirty="0" smtClean="0"/>
+          </a:p>
+          <a:p>
+            <a:pPr lvl="1">
+              <a:buFont typeface="Arial" panose="020B0604020202020204" pitchFamily="34" charset="0"/>
+              <a:buChar char="•"/>
+            </a:pPr>
+            <a:r>
+              <a:rPr lang="en-US" altLang="zh-CN" dirty="0" smtClean="0"/>
+              <a:t>-n</a:t>
+            </a:r>
+            <a:r>
+              <a:rPr lang="zh-CN" altLang="en-US" dirty="0" smtClean="0"/>
+              <a:t>：拒绝显示别名，能显示数字的全部转化为数字</a:t>
+            </a:r>
+            <a:endParaRPr lang="en-US" altLang="zh-CN" dirty="0" smtClean="0"/>
+          </a:p>
+          <a:p>
+            <a:pPr lvl="1">
+              <a:buFont typeface="Arial" panose="020B0604020202020204" pitchFamily="34" charset="0"/>
+              <a:buChar char="•"/>
+            </a:pPr>
+            <a:r>
+              <a:rPr lang="en-US" altLang="zh-CN" dirty="0" smtClean="0"/>
+              <a:t>-l</a:t>
+            </a:r>
+            <a:r>
+              <a:rPr lang="zh-CN" altLang="en-US" dirty="0" smtClean="0"/>
+              <a:t>：仅列出有在</a:t>
+            </a:r>
+            <a:r>
+              <a:rPr lang="en-US" altLang="zh-CN" dirty="0" smtClean="0"/>
+              <a:t>Listen</a:t>
+            </a:r>
+            <a:r>
+              <a:rPr lang="zh-CN" altLang="en-US" dirty="0" smtClean="0"/>
+              <a:t>（监听）的服务状态</a:t>
+            </a:r>
+            <a:endParaRPr lang="en-US" altLang="zh-CN" dirty="0" smtClean="0"/>
+          </a:p>
+          <a:p>
+            <a:pPr lvl="1">
+              <a:buFont typeface="Arial" panose="020B0604020202020204" pitchFamily="34" charset="0"/>
+              <a:buChar char="•"/>
+            </a:pPr>
+            <a:r>
+              <a:rPr lang="en-US" altLang="zh-CN" dirty="0" smtClean="0"/>
+              <a:t>-p</a:t>
+            </a:r>
+            <a:r>
+              <a:rPr lang="zh-CN" altLang="en-US" dirty="0" smtClean="0"/>
+              <a:t>：显示建立相关链接的程序名</a:t>
+            </a:r>
+            <a:endParaRPr lang="en-US" altLang="zh-CN" dirty="0" smtClean="0"/>
+          </a:p>
+          <a:p>
+            <a:pPr lvl="1">
+              <a:buFont typeface="Arial" panose="020B0604020202020204" pitchFamily="34" charset="0"/>
+              <a:buChar char="•"/>
+            </a:pPr>
+            <a:r>
+              <a:rPr lang="en-US" altLang="zh-CN" dirty="0" smtClean="0"/>
+              <a:t>-t</a:t>
+            </a:r>
+            <a:r>
+              <a:rPr lang="zh-CN" altLang="en-US" dirty="0" smtClean="0"/>
+              <a:t>（</a:t>
+            </a:r>
+            <a:r>
+              <a:rPr lang="en-US" altLang="zh-CN" dirty="0" err="1" smtClean="0"/>
+              <a:t>tcp</a:t>
+            </a:r>
+            <a:r>
+              <a:rPr lang="zh-CN" altLang="en-US" dirty="0" smtClean="0"/>
+              <a:t>）：显示</a:t>
+            </a:r>
+            <a:r>
+              <a:rPr lang="en-US" altLang="zh-CN" dirty="0" err="1" smtClean="0"/>
+              <a:t>tcp</a:t>
+            </a:r>
+            <a:r>
+              <a:rPr lang="zh-CN" altLang="en-US" dirty="0" smtClean="0"/>
+              <a:t>相关选项</a:t>
+            </a:r>
+            <a:endParaRPr lang="en-US" altLang="zh-CN" dirty="0" smtClean="0"/>
+          </a:p>
+          <a:p>
+            <a:pPr lvl="1">
+              <a:buFont typeface="Arial" panose="020B0604020202020204" pitchFamily="34" charset="0"/>
+              <a:buChar char="•"/>
+            </a:pPr>
+            <a:r>
+              <a:rPr lang="en-US" altLang="zh-CN" dirty="0" smtClean="0"/>
+              <a:t>-u</a:t>
+            </a:r>
+            <a:r>
+              <a:rPr lang="zh-CN" altLang="en-US" dirty="0" smtClean="0"/>
+              <a:t>（</a:t>
+            </a:r>
+            <a:r>
+              <a:rPr lang="en-US" altLang="zh-CN" dirty="0" err="1" smtClean="0"/>
+              <a:t>udp</a:t>
+            </a:r>
+            <a:r>
+              <a:rPr lang="zh-CN" altLang="en-US" dirty="0"/>
+              <a:t>）：</a:t>
+            </a:r>
+            <a:r>
+              <a:rPr lang="zh-CN" altLang="en-US" dirty="0" smtClean="0"/>
+              <a:t>显示</a:t>
+            </a:r>
+            <a:r>
+              <a:rPr lang="en-US" altLang="zh-CN" dirty="0" err="1"/>
+              <a:t>udp</a:t>
+            </a:r>
+            <a:r>
+              <a:rPr lang="zh-CN" altLang="en-US" dirty="0" smtClean="0"/>
+              <a:t>相关选项</a:t>
+            </a:r>
+            <a:endParaRPr lang="en-US" altLang="zh-CN" dirty="0" smtClean="0"/>
+          </a:p>
+          <a:p>
+            <a:pPr lvl="1">
+              <a:buFont typeface="Arial" panose="020B0604020202020204" pitchFamily="34" charset="0"/>
+              <a:buChar char="•"/>
+            </a:pPr>
+            <a:r>
+              <a:rPr lang="en-US" altLang="zh-CN" dirty="0" smtClean="0"/>
+              <a:t>-i</a:t>
+            </a:r>
+            <a:r>
+              <a:rPr lang="zh-CN" altLang="en-US" dirty="0" smtClean="0"/>
+              <a:t>：显示自动匹配接口的信息</a:t>
+            </a:r>
+            <a:endParaRPr lang="en-US" altLang="zh-CN" dirty="0" smtClean="0"/>
+          </a:p>
+          <a:p>
+            <a:pPr lvl="1">
+              <a:buFont typeface="Arial" panose="020B0604020202020204" pitchFamily="34" charset="0"/>
+              <a:buChar char="•"/>
+            </a:pPr>
+            <a:r>
+              <a:rPr lang="en-US" altLang="zh-CN" dirty="0" smtClean="0"/>
+              <a:t>-c</a:t>
+            </a:r>
+            <a:r>
+              <a:rPr lang="zh-CN" altLang="en-US" dirty="0" smtClean="0"/>
+              <a:t>：每隔一个固定时间，执行该</a:t>
+            </a:r>
+            <a:r>
+              <a:rPr lang="en-US" altLang="zh-CN" dirty="0" err="1" smtClean="0"/>
+              <a:t>netstat</a:t>
+            </a:r>
+            <a:r>
+              <a:rPr lang="zh-CN" altLang="en-US" dirty="0" smtClean="0"/>
+              <a:t>命令</a:t>
+            </a:r>
+            <a:endParaRPr lang="en-US" altLang="zh-CN" dirty="0"/>
+          </a:p>
+          <a:p>
+            <a:pPr marL="457200" lvl="1" indent="0">
+              <a:buNone/>
+            </a:pPr>
+            <a:endParaRPr lang="en-US" altLang="zh-CN" dirty="0" smtClean="0"/>
+          </a:p>
+          <a:p>
+            <a:pPr marL="457200" lvl="1" indent="0">
+              <a:buNone/>
+            </a:pPr>
+            <a:endParaRPr lang="en-US" altLang="zh-CN" dirty="0" smtClean="0"/>
+          </a:p>
+        </p:txBody>
+      </p:sp>
+      <p:sp>
+        <p:nvSpPr>
+          <p:cNvPr id="3" name="标题 2"/>
+          <p:cNvSpPr>
+            <a:spLocks noGrp="1"/>
+          </p:cNvSpPr>
+          <p:nvPr>
+            <p:ph type="title"/>
+          </p:nvPr>
+        </p:nvSpPr>
+        <p:spPr/>
+        <p:txBody>
+          <a:bodyPr/>
+          <a:lstStyle/>
+          <a:p>
+            <a:r>
+              <a:rPr lang="zh-CN" altLang="en-US" dirty="0" smtClean="0"/>
+              <a:t>服务器网络监控</a:t>
+            </a:r>
+            <a:endParaRPr lang="zh-CN" altLang="en-US" dirty="0"/>
+          </a:p>
+        </p:txBody>
+      </p:sp>
+    </p:spTree>
+    <p:extLst>
+      <p:ext uri="{BB962C8B-B14F-4D97-AF65-F5344CB8AC3E}">
+        <p14:creationId xmlns:p14="http://schemas.microsoft.com/office/powerpoint/2010/main" val="3386204832"/>
+      </p:ext>
+    </p:extLst>
+  </p:cSld>
+  <p:clrMapOvr>
+    <a:masterClrMapping/>
+  </p:clrMapOvr>
+  <p:timing>
+    <p:tnLst>
+      <p:par>
+        <p:cTn id="1" dur="indefinite" restart="never" nodeType="tmRoot"/>
+      </p:par>
+    </p:tnLst>
+  </p:timing>
+</p:sld>
+</file>
+
+<file path=ppt/slides/slide19.xml><?xml version="1.0" encoding="utf-8"?>
+<p:sld xmlns:a="http://schemas.openxmlformats.org/drawingml/2006/main" xmlns:r="http://schemas.openxmlformats.org/officeDocument/2006/relationships" xmlns:p="http://schemas.openxmlformats.org/presentationml/2006/main">
+  <p:cSld>
+    <p:spTree>
+      <p:nvGrpSpPr>
+        <p:cNvPr id="1" name=""/>
+        <p:cNvGrpSpPr/>
+        <p:nvPr/>
+      </p:nvGrpSpPr>
+      <p:grpSpPr>
+        <a:xfrm>
+          <a:off x="0" y="0"/>
+          <a:ext cx="0" cy="0"/>
+          <a:chOff x="0" y="0"/>
+          <a:chExt cx="0" cy="0"/>
+        </a:xfrm>
+      </p:grpSpPr>
+      <p:sp>
+        <p:nvSpPr>
+          <p:cNvPr id="2" name="内容占位符 1"/>
+          <p:cNvSpPr>
+            <a:spLocks noGrp="1"/>
+          </p:cNvSpPr>
+          <p:nvPr>
+            <p:ph idx="1"/>
+          </p:nvPr>
+        </p:nvSpPr>
+        <p:spPr>
+          <a:xfrm>
+            <a:off x="467544" y="1124744"/>
+            <a:ext cx="8229600" cy="4525963"/>
+          </a:xfrm>
+        </p:spPr>
+        <p:txBody>
+          <a:bodyPr>
+            <a:normAutofit/>
+          </a:bodyPr>
+          <a:lstStyle/>
+          <a:p>
+            <a:pPr>
+              <a:lnSpc>
+                <a:spcPct val="150000"/>
+              </a:lnSpc>
+            </a:pPr>
+            <a:r>
+              <a:rPr lang="en-US" altLang="zh-CN" dirty="0" smtClean="0"/>
+              <a:t>iostat</a:t>
+            </a:r>
+          </a:p>
+          <a:p>
+            <a:pPr lvl="1">
+              <a:lnSpc>
+                <a:spcPct val="150000"/>
+              </a:lnSpc>
+            </a:pPr>
+            <a:r>
+              <a:rPr lang="zh-CN" altLang="en-US" dirty="0"/>
+              <a:t>是对系统磁盘</a:t>
+            </a:r>
+            <a:r>
+              <a:rPr lang="en-US" altLang="zh-CN" dirty="0"/>
+              <a:t>IO</a:t>
+            </a:r>
+            <a:r>
+              <a:rPr lang="zh-CN" altLang="en-US" dirty="0"/>
+              <a:t>操作进行监控，它的输出主要显示磁盘的读写操作的统计信息，同时给出</a:t>
+            </a:r>
+            <a:r>
+              <a:rPr lang="en-US" altLang="zh-CN" dirty="0"/>
+              <a:t>CPU</a:t>
+            </a:r>
+            <a:r>
+              <a:rPr lang="zh-CN" altLang="en-US" dirty="0"/>
+              <a:t>使用</a:t>
+            </a:r>
+            <a:r>
+              <a:rPr lang="zh-CN" altLang="en-US" dirty="0" smtClean="0"/>
+              <a:t>情况。</a:t>
+            </a:r>
+            <a:endParaRPr lang="en-US" altLang="zh-CN" dirty="0" smtClean="0"/>
+          </a:p>
+          <a:p>
+            <a:pPr marL="457200" lvl="1" indent="0">
+              <a:lnSpc>
+                <a:spcPct val="150000"/>
+              </a:lnSpc>
+              <a:buNone/>
+            </a:pPr>
+            <a:r>
+              <a:rPr lang="en-US" altLang="zh-CN" dirty="0" smtClean="0"/>
+              <a:t>iostat  -x</a:t>
+            </a:r>
+          </a:p>
+          <a:p>
+            <a:pPr marL="457200" lvl="1" indent="0">
+              <a:lnSpc>
+                <a:spcPct val="150000"/>
+              </a:lnSpc>
+              <a:buNone/>
+            </a:pPr>
+            <a:r>
+              <a:rPr lang="en-US" altLang="zh-CN" dirty="0" smtClean="0"/>
+              <a:t>iostat  -x </a:t>
+            </a:r>
+            <a:r>
+              <a:rPr lang="en-US" altLang="zh-CN" dirty="0" err="1" smtClean="0"/>
+              <a:t>sda</a:t>
+            </a:r>
+            <a:r>
+              <a:rPr lang="en-US" altLang="zh-CN" dirty="0" smtClean="0"/>
+              <a:t> 1 5</a:t>
+            </a:r>
+            <a:endParaRPr lang="en-US" altLang="zh-CN" dirty="0"/>
+          </a:p>
+          <a:p>
+            <a:pPr marL="457200" lvl="1" indent="0">
+              <a:lnSpc>
+                <a:spcPct val="150000"/>
+              </a:lnSpc>
+              <a:buNone/>
+            </a:pPr>
+            <a:endParaRPr lang="en-US" altLang="zh-CN" dirty="0"/>
+          </a:p>
+        </p:txBody>
+      </p:sp>
+      <p:sp>
+        <p:nvSpPr>
+          <p:cNvPr id="3" name="标题 2"/>
+          <p:cNvSpPr>
+            <a:spLocks noGrp="1"/>
+          </p:cNvSpPr>
+          <p:nvPr>
+            <p:ph type="title"/>
+          </p:nvPr>
+        </p:nvSpPr>
+        <p:spPr/>
+        <p:txBody>
+          <a:bodyPr/>
+          <a:lstStyle/>
+          <a:p>
+            <a:r>
+              <a:rPr lang="zh-CN" altLang="en-US" dirty="0" smtClean="0"/>
+              <a:t>服务器磁盘监控</a:t>
+            </a:r>
+            <a:endParaRPr lang="zh-CN" altLang="en-US" dirty="0"/>
+          </a:p>
+        </p:txBody>
+      </p:sp>
+    </p:spTree>
+    <p:extLst>
+      <p:ext uri="{BB962C8B-B14F-4D97-AF65-F5344CB8AC3E}">
+        <p14:creationId xmlns:p14="http://schemas.microsoft.com/office/powerpoint/2010/main" val="4273136521"/>
       </p:ext>
     </p:extLst>
   </p:cSld>
@@ -7187,6 +9060,2562 @@
         </p:nvSpPr>
         <p:spPr/>
         <p:txBody>
+          <a:bodyPr>
+            <a:normAutofit lnSpcReduction="10000"/>
+          </a:bodyPr>
+          <a:lstStyle/>
+          <a:p>
+            <a:r>
+              <a:rPr lang="zh-CN" altLang="en-US" dirty="0"/>
+              <a:t>服务器性能测试范围</a:t>
+            </a:r>
+            <a:endParaRPr lang="en-US" altLang="zh-CN" dirty="0"/>
+          </a:p>
+          <a:p>
+            <a:r>
+              <a:rPr lang="zh-CN" altLang="en-US" dirty="0"/>
+              <a:t>进程与线程</a:t>
+            </a:r>
+            <a:endParaRPr lang="en-US" altLang="zh-CN" dirty="0"/>
+          </a:p>
+          <a:p>
+            <a:r>
+              <a:rPr lang="zh-CN" altLang="en-US" dirty="0"/>
+              <a:t>服务器内存监控</a:t>
+            </a:r>
+          </a:p>
+          <a:p>
+            <a:r>
+              <a:rPr lang="zh-CN" altLang="en-US" dirty="0"/>
+              <a:t>服务器</a:t>
+            </a:r>
+            <a:r>
+              <a:rPr lang="en-US" altLang="zh-CN" dirty="0"/>
+              <a:t>CPU</a:t>
+            </a:r>
+            <a:r>
+              <a:rPr lang="zh-CN" altLang="en-US" dirty="0" smtClean="0"/>
+              <a:t>监控</a:t>
+            </a:r>
+            <a:endParaRPr lang="en-US" altLang="zh-CN" dirty="0" smtClean="0"/>
+          </a:p>
+          <a:p>
+            <a:r>
+              <a:rPr lang="zh-CN" altLang="en-US" dirty="0" smtClean="0"/>
+              <a:t>服务器网络监控</a:t>
+            </a:r>
+            <a:endParaRPr lang="en-US" altLang="zh-CN" dirty="0" smtClean="0"/>
+          </a:p>
+          <a:p>
+            <a:r>
+              <a:rPr lang="zh-CN" altLang="en-US" dirty="0" smtClean="0"/>
+              <a:t>服务器</a:t>
+            </a:r>
+            <a:r>
+              <a:rPr lang="zh-CN" altLang="en-US" dirty="0"/>
+              <a:t>磁盘</a:t>
+            </a:r>
+            <a:r>
+              <a:rPr lang="zh-CN" altLang="en-US" dirty="0" smtClean="0"/>
+              <a:t>监控</a:t>
+            </a:r>
+            <a:endParaRPr lang="en-US" altLang="zh-CN" dirty="0" smtClean="0"/>
+          </a:p>
+          <a:p>
+            <a:r>
+              <a:rPr lang="en-US" altLang="zh-CN" dirty="0" err="1"/>
+              <a:t>linux</a:t>
+            </a:r>
+            <a:r>
+              <a:rPr lang="zh-CN" altLang="en-US" dirty="0"/>
+              <a:t>监控工具</a:t>
+            </a:r>
+            <a:r>
+              <a:rPr lang="en-US" altLang="zh-CN" dirty="0" err="1" smtClean="0"/>
+              <a:t>nmon</a:t>
+            </a:r>
+            <a:endParaRPr lang="en-US" altLang="zh-CN" dirty="0" smtClean="0"/>
+          </a:p>
+          <a:p>
+            <a:r>
+              <a:rPr lang="zh-CN" altLang="en-US" dirty="0" smtClean="0"/>
+              <a:t>定时任务</a:t>
+            </a:r>
+            <a:endParaRPr lang="zh-CN" altLang="en-US" dirty="0"/>
+          </a:p>
+          <a:p>
+            <a:endParaRPr lang="zh-CN" altLang="en-US" dirty="0" smtClean="0"/>
+          </a:p>
+          <a:p>
+            <a:endParaRPr lang="zh-CN" altLang="en-US" dirty="0"/>
+          </a:p>
+          <a:p>
+            <a:endParaRPr lang="zh-CN" altLang="en-US" dirty="0"/>
+          </a:p>
+          <a:p>
+            <a:endParaRPr lang="zh-CN" altLang="en-US" dirty="0"/>
+          </a:p>
+        </p:txBody>
+      </p:sp>
+      <p:sp>
+        <p:nvSpPr>
+          <p:cNvPr id="3" name="标题 2"/>
+          <p:cNvSpPr>
+            <a:spLocks noGrp="1"/>
+          </p:cNvSpPr>
+          <p:nvPr>
+            <p:ph type="title"/>
+          </p:nvPr>
+        </p:nvSpPr>
+        <p:spPr/>
+        <p:txBody>
+          <a:bodyPr/>
+          <a:lstStyle/>
+          <a:p>
+            <a:r>
+              <a:rPr lang="zh-CN" altLang="en-US" dirty="0" smtClean="0"/>
+              <a:t>本章大纲</a:t>
+            </a:r>
+            <a:endParaRPr lang="zh-CN" altLang="en-US" dirty="0"/>
+          </a:p>
+        </p:txBody>
+      </p:sp>
+    </p:spTree>
+    <p:extLst>
+      <p:ext uri="{BB962C8B-B14F-4D97-AF65-F5344CB8AC3E}">
+        <p14:creationId xmlns:p14="http://schemas.microsoft.com/office/powerpoint/2010/main" val="1191176714"/>
+      </p:ext>
+    </p:extLst>
+  </p:cSld>
+  <p:clrMapOvr>
+    <a:masterClrMapping/>
+  </p:clrMapOvr>
+</p:sld>
+</file>
+
+<file path=ppt/slides/slide20.xml><?xml version="1.0" encoding="utf-8"?>
+<p:sld xmlns:a="http://schemas.openxmlformats.org/drawingml/2006/main" xmlns:r="http://schemas.openxmlformats.org/officeDocument/2006/relationships" xmlns:p="http://schemas.openxmlformats.org/presentationml/2006/main">
+  <p:cSld>
+    <p:spTree>
+      <p:nvGrpSpPr>
+        <p:cNvPr id="1" name=""/>
+        <p:cNvGrpSpPr/>
+        <p:nvPr/>
+      </p:nvGrpSpPr>
+      <p:grpSpPr>
+        <a:xfrm>
+          <a:off x="0" y="0"/>
+          <a:ext cx="0" cy="0"/>
+          <a:chOff x="0" y="0"/>
+          <a:chExt cx="0" cy="0"/>
+        </a:xfrm>
+      </p:grpSpPr>
+      <p:sp>
+        <p:nvSpPr>
+          <p:cNvPr id="2" name="内容占位符 1"/>
+          <p:cNvSpPr>
+            <a:spLocks noGrp="1"/>
+          </p:cNvSpPr>
+          <p:nvPr>
+            <p:ph idx="1"/>
+          </p:nvPr>
+        </p:nvSpPr>
+        <p:spPr/>
+        <p:txBody>
+          <a:bodyPr>
+            <a:normAutofit lnSpcReduction="10000"/>
+          </a:bodyPr>
+          <a:lstStyle/>
+          <a:p>
+            <a:pPr>
+              <a:lnSpc>
+                <a:spcPct val="150000"/>
+              </a:lnSpc>
+            </a:pPr>
+            <a:r>
+              <a:rPr lang="en-US" altLang="zh-CN" dirty="0" smtClean="0"/>
+              <a:t>sar</a:t>
+            </a:r>
+            <a:r>
+              <a:rPr lang="zh-CN" altLang="en-US" dirty="0" smtClean="0"/>
+              <a:t>命令</a:t>
+            </a:r>
+            <a:endParaRPr lang="en-US" altLang="zh-CN" dirty="0" smtClean="0"/>
+          </a:p>
+          <a:p>
+            <a:pPr marL="457200" lvl="1" indent="0">
+              <a:lnSpc>
+                <a:spcPct val="150000"/>
+              </a:lnSpc>
+              <a:buNone/>
+            </a:pPr>
+            <a:r>
+              <a:rPr lang="en-US" altLang="zh-CN" dirty="0"/>
+              <a:t>sar</a:t>
+            </a:r>
+            <a:r>
+              <a:rPr lang="zh-CN" altLang="en-US" dirty="0"/>
+              <a:t>（</a:t>
+            </a:r>
+            <a:r>
+              <a:rPr lang="en-US" altLang="zh-CN" dirty="0"/>
+              <a:t>System Activity Reporter</a:t>
+            </a:r>
+            <a:r>
+              <a:rPr lang="zh-CN" altLang="en-US" dirty="0"/>
+              <a:t>系统活动情况报告）是目前 </a:t>
+            </a:r>
+            <a:r>
+              <a:rPr lang="en-US" altLang="zh-CN" dirty="0"/>
+              <a:t>Linux</a:t>
+            </a:r>
+            <a:r>
+              <a:rPr lang="zh-CN" altLang="en-US" dirty="0"/>
+              <a:t> 上最为全面的系统性能分析工具之一，可以从多方面对系统的活动进行报告，包括：文件的读写情况、系统调用的使用情况、磁盘</a:t>
+            </a:r>
+            <a:r>
+              <a:rPr lang="en-US" altLang="zh-CN" dirty="0"/>
+              <a:t>I/O</a:t>
+            </a:r>
+            <a:r>
+              <a:rPr lang="zh-CN" altLang="en-US" dirty="0"/>
+              <a:t>、</a:t>
+            </a:r>
+            <a:r>
+              <a:rPr lang="en-US" altLang="zh-CN" dirty="0"/>
+              <a:t>CPU</a:t>
+            </a:r>
+            <a:r>
+              <a:rPr lang="zh-CN" altLang="en-US" dirty="0"/>
+              <a:t>效率、内存使用状况、进程活动及</a:t>
+            </a:r>
+            <a:r>
+              <a:rPr lang="en-US" altLang="zh-CN" dirty="0"/>
+              <a:t>IPC</a:t>
+            </a:r>
+            <a:r>
+              <a:rPr lang="zh-CN" altLang="en-US" dirty="0"/>
+              <a:t>有关的活动等。</a:t>
+            </a:r>
+          </a:p>
+        </p:txBody>
+      </p:sp>
+      <p:sp>
+        <p:nvSpPr>
+          <p:cNvPr id="3" name="标题 2"/>
+          <p:cNvSpPr>
+            <a:spLocks noGrp="1"/>
+          </p:cNvSpPr>
+          <p:nvPr>
+            <p:ph type="title"/>
+          </p:nvPr>
+        </p:nvSpPr>
+        <p:spPr/>
+        <p:txBody>
+          <a:bodyPr/>
+          <a:lstStyle/>
+          <a:p>
+            <a:r>
+              <a:rPr lang="en-US" altLang="zh-CN" dirty="0" smtClean="0"/>
+              <a:t>sar</a:t>
+            </a:r>
+            <a:r>
+              <a:rPr lang="zh-CN" altLang="en-US" dirty="0" smtClean="0"/>
+              <a:t>命令</a:t>
+            </a:r>
+            <a:endParaRPr lang="zh-CN" altLang="en-US" dirty="0"/>
+          </a:p>
+        </p:txBody>
+      </p:sp>
+    </p:spTree>
+    <p:extLst>
+      <p:ext uri="{BB962C8B-B14F-4D97-AF65-F5344CB8AC3E}">
+        <p14:creationId xmlns:p14="http://schemas.microsoft.com/office/powerpoint/2010/main" val="1971723072"/>
+      </p:ext>
+    </p:extLst>
+  </p:cSld>
+  <p:clrMapOvr>
+    <a:masterClrMapping/>
+  </p:clrMapOvr>
+</p:sld>
+</file>
+
+<file path=ppt/slides/slide21.xml><?xml version="1.0" encoding="utf-8"?>
+<p:sld xmlns:a="http://schemas.openxmlformats.org/drawingml/2006/main" xmlns:r="http://schemas.openxmlformats.org/officeDocument/2006/relationships" xmlns:p="http://schemas.openxmlformats.org/presentationml/2006/main">
+  <p:cSld>
+    <p:spTree>
+      <p:nvGrpSpPr>
+        <p:cNvPr id="1" name=""/>
+        <p:cNvGrpSpPr/>
+        <p:nvPr/>
+      </p:nvGrpSpPr>
+      <p:grpSpPr>
+        <a:xfrm>
+          <a:off x="0" y="0"/>
+          <a:ext cx="0" cy="0"/>
+          <a:chOff x="0" y="0"/>
+          <a:chExt cx="0" cy="0"/>
+        </a:xfrm>
+      </p:grpSpPr>
+      <p:sp>
+        <p:nvSpPr>
+          <p:cNvPr id="2" name="内容占位符 1"/>
+          <p:cNvSpPr>
+            <a:spLocks noGrp="1"/>
+          </p:cNvSpPr>
+          <p:nvPr>
+            <p:ph idx="1"/>
+          </p:nvPr>
+        </p:nvSpPr>
+        <p:spPr>
+          <a:xfrm>
+            <a:off x="467544" y="1268760"/>
+            <a:ext cx="8229600" cy="4525963"/>
+          </a:xfrm>
+        </p:spPr>
+        <p:txBody>
+          <a:bodyPr>
+            <a:normAutofit/>
+          </a:bodyPr>
+          <a:lstStyle/>
+          <a:p>
+            <a:pPr>
+              <a:lnSpc>
+                <a:spcPct val="150000"/>
+              </a:lnSpc>
+              <a:spcBef>
+                <a:spcPts val="0"/>
+              </a:spcBef>
+            </a:pPr>
+            <a:r>
+              <a:rPr lang="en-US" altLang="zh-CN" dirty="0"/>
+              <a:t>sar</a:t>
+            </a:r>
+            <a:r>
+              <a:rPr lang="zh-CN" altLang="en-US" dirty="0"/>
+              <a:t>命令常用格式</a:t>
+            </a:r>
+          </a:p>
+          <a:p>
+            <a:pPr lvl="1">
+              <a:lnSpc>
+                <a:spcPct val="150000"/>
+              </a:lnSpc>
+              <a:spcBef>
+                <a:spcPts val="0"/>
+              </a:spcBef>
+            </a:pPr>
+            <a:r>
+              <a:rPr lang="en-US" altLang="zh-CN" dirty="0"/>
+              <a:t>sar [options] [-A] [-o file] t [n]</a:t>
+            </a:r>
+          </a:p>
+          <a:p>
+            <a:pPr lvl="1">
+              <a:lnSpc>
+                <a:spcPct val="150000"/>
+              </a:lnSpc>
+              <a:spcBef>
+                <a:spcPts val="0"/>
+              </a:spcBef>
+            </a:pPr>
+            <a:r>
+              <a:rPr lang="zh-CN" altLang="en-US" dirty="0"/>
+              <a:t>其中：</a:t>
+            </a:r>
+          </a:p>
+          <a:p>
+            <a:pPr marL="457200" lvl="1" indent="0">
+              <a:lnSpc>
+                <a:spcPct val="150000"/>
+              </a:lnSpc>
+              <a:spcBef>
+                <a:spcPts val="0"/>
+              </a:spcBef>
+              <a:buNone/>
+            </a:pPr>
+            <a:r>
+              <a:rPr lang="en-US" altLang="zh-CN" dirty="0"/>
+              <a:t>t</a:t>
+            </a:r>
+            <a:r>
+              <a:rPr lang="zh-CN" altLang="en-US" dirty="0"/>
+              <a:t>为采样间隔，</a:t>
+            </a:r>
+            <a:r>
+              <a:rPr lang="en-US" altLang="zh-CN" dirty="0"/>
+              <a:t>n</a:t>
+            </a:r>
+            <a:r>
+              <a:rPr lang="zh-CN" altLang="en-US" dirty="0"/>
+              <a:t>为采样次数，默认值是</a:t>
+            </a:r>
+            <a:r>
+              <a:rPr lang="en-US" altLang="zh-CN" dirty="0"/>
+              <a:t>1</a:t>
+            </a:r>
+            <a:r>
+              <a:rPr lang="zh-CN" altLang="en-US" dirty="0"/>
+              <a:t>；</a:t>
+            </a:r>
+          </a:p>
+          <a:p>
+            <a:pPr marL="457200" lvl="1" indent="0">
+              <a:lnSpc>
+                <a:spcPct val="150000"/>
+              </a:lnSpc>
+              <a:spcBef>
+                <a:spcPts val="0"/>
+              </a:spcBef>
+              <a:buNone/>
+            </a:pPr>
+            <a:r>
+              <a:rPr lang="en-US" altLang="zh-CN" dirty="0"/>
+              <a:t>-o file</a:t>
+            </a:r>
+            <a:r>
+              <a:rPr lang="zh-CN" altLang="en-US" dirty="0"/>
+              <a:t>表示将命令结果以二进制格式存放在文件中，</a:t>
+            </a:r>
+            <a:r>
+              <a:rPr lang="en-US" altLang="zh-CN" dirty="0"/>
+              <a:t>file </a:t>
+            </a:r>
+            <a:r>
+              <a:rPr lang="zh-CN" altLang="en-US" dirty="0"/>
+              <a:t>是文件名</a:t>
+            </a:r>
+          </a:p>
+          <a:p>
+            <a:pPr marL="0" indent="0">
+              <a:buNone/>
+            </a:pPr>
+            <a:endParaRPr lang="en-US" altLang="zh-CN" dirty="0" smtClean="0"/>
+          </a:p>
+        </p:txBody>
+      </p:sp>
+      <p:sp>
+        <p:nvSpPr>
+          <p:cNvPr id="3" name="标题 2"/>
+          <p:cNvSpPr>
+            <a:spLocks noGrp="1"/>
+          </p:cNvSpPr>
+          <p:nvPr>
+            <p:ph type="title"/>
+          </p:nvPr>
+        </p:nvSpPr>
+        <p:spPr/>
+        <p:txBody>
+          <a:bodyPr/>
+          <a:lstStyle/>
+          <a:p>
+            <a:r>
+              <a:rPr lang="en-US" altLang="zh-CN" dirty="0"/>
+              <a:t>sar</a:t>
+            </a:r>
+            <a:r>
+              <a:rPr lang="zh-CN" altLang="en-US" dirty="0"/>
+              <a:t>命令</a:t>
+            </a:r>
+          </a:p>
+        </p:txBody>
+      </p:sp>
+    </p:spTree>
+    <p:extLst>
+      <p:ext uri="{BB962C8B-B14F-4D97-AF65-F5344CB8AC3E}">
+        <p14:creationId xmlns:p14="http://schemas.microsoft.com/office/powerpoint/2010/main" val="1433481975"/>
+      </p:ext>
+    </p:extLst>
+  </p:cSld>
+  <p:clrMapOvr>
+    <a:masterClrMapping/>
+  </p:clrMapOvr>
+</p:sld>
+</file>
+
+<file path=ppt/slides/slide22.xml><?xml version="1.0" encoding="utf-8"?>
+<p:sld xmlns:a="http://schemas.openxmlformats.org/drawingml/2006/main" xmlns:r="http://schemas.openxmlformats.org/officeDocument/2006/relationships" xmlns:p="http://schemas.openxmlformats.org/presentationml/2006/main">
+  <p:cSld>
+    <p:spTree>
+      <p:nvGrpSpPr>
+        <p:cNvPr id="1" name=""/>
+        <p:cNvGrpSpPr/>
+        <p:nvPr/>
+      </p:nvGrpSpPr>
+      <p:grpSpPr>
+        <a:xfrm>
+          <a:off x="0" y="0"/>
+          <a:ext cx="0" cy="0"/>
+          <a:chOff x="0" y="0"/>
+          <a:chExt cx="0" cy="0"/>
+        </a:xfrm>
+      </p:grpSpPr>
+      <p:sp>
+        <p:nvSpPr>
+          <p:cNvPr id="2" name="内容占位符 1"/>
+          <p:cNvSpPr>
+            <a:spLocks noGrp="1"/>
+          </p:cNvSpPr>
+          <p:nvPr>
+            <p:ph idx="1"/>
+          </p:nvPr>
+        </p:nvSpPr>
+        <p:spPr>
+          <a:xfrm>
+            <a:off x="395536" y="1124744"/>
+            <a:ext cx="8568952" cy="5589240"/>
+          </a:xfrm>
+        </p:spPr>
+        <p:txBody>
+          <a:bodyPr>
+            <a:normAutofit fontScale="47500" lnSpcReduction="20000"/>
+          </a:bodyPr>
+          <a:lstStyle/>
+          <a:p>
+            <a:pPr>
+              <a:lnSpc>
+                <a:spcPct val="170000"/>
+              </a:lnSpc>
+              <a:spcBef>
+                <a:spcPts val="0"/>
+              </a:spcBef>
+            </a:pPr>
+            <a:r>
+              <a:rPr lang="en-US" altLang="zh-CN" sz="4200" dirty="0"/>
+              <a:t>sar</a:t>
+            </a:r>
+            <a:r>
+              <a:rPr lang="zh-CN" altLang="en-US" sz="4200" dirty="0"/>
+              <a:t>命令常用格式</a:t>
+            </a:r>
+          </a:p>
+          <a:p>
+            <a:pPr marL="0" indent="0">
+              <a:lnSpc>
+                <a:spcPct val="170000"/>
+              </a:lnSpc>
+              <a:buNone/>
+            </a:pPr>
+            <a:r>
+              <a:rPr lang="en-US" altLang="zh-CN" sz="4200" dirty="0"/>
+              <a:t>-</a:t>
+            </a:r>
+            <a:r>
+              <a:rPr lang="en-US" altLang="zh-CN" sz="4200" dirty="0">
+                <a:solidFill>
+                  <a:srgbClr val="FF0000"/>
+                </a:solidFill>
+              </a:rPr>
+              <a:t>A</a:t>
+            </a:r>
+            <a:r>
+              <a:rPr lang="zh-CN" altLang="en-US" sz="4200" dirty="0">
+                <a:solidFill>
+                  <a:srgbClr val="FF0000"/>
+                </a:solidFill>
+              </a:rPr>
+              <a:t>：所有报告的总和</a:t>
+            </a:r>
+          </a:p>
+          <a:p>
+            <a:pPr marL="0" indent="0">
+              <a:lnSpc>
+                <a:spcPct val="170000"/>
+              </a:lnSpc>
+              <a:buNone/>
+            </a:pPr>
+            <a:r>
+              <a:rPr lang="en-US" altLang="zh-CN" sz="4200" dirty="0">
+                <a:solidFill>
+                  <a:srgbClr val="FF0000"/>
+                </a:solidFill>
+              </a:rPr>
+              <a:t>-u</a:t>
+            </a:r>
+            <a:r>
+              <a:rPr lang="zh-CN" altLang="en-US" sz="4200" dirty="0">
+                <a:solidFill>
+                  <a:srgbClr val="FF0000"/>
+                </a:solidFill>
+              </a:rPr>
+              <a:t>：输出</a:t>
+            </a:r>
+            <a:r>
+              <a:rPr lang="en-US" altLang="zh-CN" sz="4200" dirty="0">
+                <a:solidFill>
+                  <a:srgbClr val="FF0000"/>
+                </a:solidFill>
+              </a:rPr>
+              <a:t>CPU</a:t>
+            </a:r>
+            <a:r>
+              <a:rPr lang="zh-CN" altLang="en-US" sz="4200" dirty="0">
+                <a:solidFill>
+                  <a:srgbClr val="FF0000"/>
+                </a:solidFill>
+              </a:rPr>
+              <a:t>使用情况的统计信息</a:t>
+            </a:r>
+          </a:p>
+          <a:p>
+            <a:pPr marL="0" indent="0">
+              <a:lnSpc>
+                <a:spcPct val="170000"/>
+              </a:lnSpc>
+              <a:buNone/>
+            </a:pPr>
+            <a:r>
+              <a:rPr lang="en-US" altLang="zh-CN" sz="4200" dirty="0" smtClean="0">
+                <a:solidFill>
+                  <a:srgbClr val="FF0000"/>
+                </a:solidFill>
+              </a:rPr>
+              <a:t>-</a:t>
+            </a:r>
+            <a:r>
+              <a:rPr lang="en-US" altLang="zh-CN" sz="4200" dirty="0">
+                <a:solidFill>
+                  <a:srgbClr val="FF0000"/>
+                </a:solidFill>
+              </a:rPr>
+              <a:t>r</a:t>
+            </a:r>
+            <a:r>
+              <a:rPr lang="zh-CN" altLang="en-US" sz="4200" dirty="0">
+                <a:solidFill>
+                  <a:srgbClr val="FF0000"/>
+                </a:solidFill>
+              </a:rPr>
+              <a:t>：输出内存和交换空间的统计信息</a:t>
+            </a:r>
+          </a:p>
+          <a:p>
+            <a:pPr marL="0" indent="0">
+              <a:lnSpc>
+                <a:spcPct val="170000"/>
+              </a:lnSpc>
+              <a:buNone/>
+            </a:pPr>
+            <a:r>
+              <a:rPr lang="en-US" altLang="zh-CN" sz="4200" dirty="0">
+                <a:solidFill>
+                  <a:srgbClr val="FF0000"/>
+                </a:solidFill>
+              </a:rPr>
+              <a:t>-b</a:t>
+            </a:r>
+            <a:r>
+              <a:rPr lang="zh-CN" altLang="en-US" sz="4200" dirty="0" smtClean="0">
+                <a:solidFill>
+                  <a:srgbClr val="FF0000"/>
+                </a:solidFill>
+              </a:rPr>
+              <a:t>：缓冲区使用情况</a:t>
+            </a:r>
+            <a:endParaRPr lang="en-US" altLang="zh-CN" sz="4200" dirty="0" smtClean="0">
+              <a:solidFill>
+                <a:srgbClr val="FF0000"/>
+              </a:solidFill>
+            </a:endParaRPr>
+          </a:p>
+          <a:p>
+            <a:pPr marL="0" indent="0">
+              <a:lnSpc>
+                <a:spcPct val="170000"/>
+              </a:lnSpc>
+              <a:buNone/>
+            </a:pPr>
+            <a:r>
+              <a:rPr lang="en-US" altLang="zh-CN" sz="4200" dirty="0" smtClean="0"/>
+              <a:t>-</a:t>
+            </a:r>
+            <a:r>
+              <a:rPr lang="en-US" altLang="zh-CN" sz="4200" dirty="0"/>
+              <a:t>a</a:t>
+            </a:r>
+            <a:r>
+              <a:rPr lang="zh-CN" altLang="en-US" sz="4200" dirty="0"/>
+              <a:t>：文件读写情况</a:t>
+            </a:r>
+          </a:p>
+          <a:p>
+            <a:pPr marL="0" indent="0">
+              <a:lnSpc>
+                <a:spcPct val="170000"/>
+              </a:lnSpc>
+              <a:buNone/>
+            </a:pPr>
+            <a:r>
+              <a:rPr lang="en-US" altLang="zh-CN" sz="4200" dirty="0"/>
+              <a:t>-c</a:t>
+            </a:r>
+            <a:r>
+              <a:rPr lang="zh-CN" altLang="en-US" sz="4200" dirty="0"/>
+              <a:t>：输出进程统计信息，每秒创建的进程数</a:t>
+            </a:r>
+          </a:p>
+          <a:p>
+            <a:pPr marL="0" indent="0">
+              <a:lnSpc>
+                <a:spcPct val="170000"/>
+              </a:lnSpc>
+              <a:buNone/>
+            </a:pPr>
+            <a:r>
+              <a:rPr lang="en-US" altLang="zh-CN" sz="4200" dirty="0"/>
+              <a:t>-R</a:t>
+            </a:r>
+            <a:r>
+              <a:rPr lang="zh-CN" altLang="en-US" sz="4200" dirty="0"/>
+              <a:t>：输出内存页面的统计信息</a:t>
+            </a:r>
+          </a:p>
+          <a:p>
+            <a:pPr marL="0" indent="0">
+              <a:lnSpc>
+                <a:spcPct val="170000"/>
+              </a:lnSpc>
+              <a:buNone/>
+            </a:pPr>
+            <a:r>
+              <a:rPr lang="en-US" altLang="zh-CN" sz="4200" dirty="0"/>
+              <a:t>-y</a:t>
+            </a:r>
+            <a:r>
+              <a:rPr lang="zh-CN" altLang="en-US" sz="4200" dirty="0"/>
+              <a:t>：终端设备活动情况</a:t>
+            </a:r>
+          </a:p>
+          <a:p>
+            <a:pPr marL="0" indent="0">
+              <a:lnSpc>
+                <a:spcPct val="170000"/>
+              </a:lnSpc>
+              <a:buNone/>
+            </a:pPr>
+            <a:r>
+              <a:rPr lang="en-US" altLang="zh-CN" sz="4200" dirty="0"/>
+              <a:t>-w</a:t>
+            </a:r>
+            <a:r>
+              <a:rPr lang="zh-CN" altLang="en-US" sz="4200" dirty="0"/>
+              <a:t>：输出系统交换活动信息</a:t>
+            </a:r>
+          </a:p>
+          <a:p>
+            <a:pPr marL="0" indent="0">
+              <a:buNone/>
+            </a:pPr>
+            <a:endParaRPr lang="en-US" altLang="zh-CN" dirty="0" smtClean="0"/>
+          </a:p>
+        </p:txBody>
+      </p:sp>
+      <p:sp>
+        <p:nvSpPr>
+          <p:cNvPr id="3" name="标题 2"/>
+          <p:cNvSpPr>
+            <a:spLocks noGrp="1"/>
+          </p:cNvSpPr>
+          <p:nvPr>
+            <p:ph type="title"/>
+          </p:nvPr>
+        </p:nvSpPr>
+        <p:spPr/>
+        <p:txBody>
+          <a:bodyPr/>
+          <a:lstStyle/>
+          <a:p>
+            <a:r>
+              <a:rPr lang="en-US" altLang="zh-CN" dirty="0"/>
+              <a:t>sar</a:t>
+            </a:r>
+            <a:r>
+              <a:rPr lang="zh-CN" altLang="en-US" dirty="0"/>
+              <a:t>命令</a:t>
+            </a:r>
+          </a:p>
+        </p:txBody>
+      </p:sp>
+    </p:spTree>
+    <p:extLst>
+      <p:ext uri="{BB962C8B-B14F-4D97-AF65-F5344CB8AC3E}">
+        <p14:creationId xmlns:p14="http://schemas.microsoft.com/office/powerpoint/2010/main" val="2033053950"/>
+      </p:ext>
+    </p:extLst>
+  </p:cSld>
+  <p:clrMapOvr>
+    <a:masterClrMapping/>
+  </p:clrMapOvr>
+</p:sld>
+</file>
+
+<file path=ppt/slides/slide23.xml><?xml version="1.0" encoding="utf-8"?>
+<p:sld xmlns:a="http://schemas.openxmlformats.org/drawingml/2006/main" xmlns:r="http://schemas.openxmlformats.org/officeDocument/2006/relationships" xmlns:p="http://schemas.openxmlformats.org/presentationml/2006/main">
+  <p:cSld>
+    <p:spTree>
+      <p:nvGrpSpPr>
+        <p:cNvPr id="1" name=""/>
+        <p:cNvGrpSpPr/>
+        <p:nvPr/>
+      </p:nvGrpSpPr>
+      <p:grpSpPr>
+        <a:xfrm>
+          <a:off x="0" y="0"/>
+          <a:ext cx="0" cy="0"/>
+          <a:chOff x="0" y="0"/>
+          <a:chExt cx="0" cy="0"/>
+        </a:xfrm>
+      </p:grpSpPr>
+      <p:sp>
+        <p:nvSpPr>
+          <p:cNvPr id="2" name="内容占位符 1"/>
+          <p:cNvSpPr>
+            <a:spLocks noGrp="1"/>
+          </p:cNvSpPr>
+          <p:nvPr>
+            <p:ph idx="1"/>
+          </p:nvPr>
+        </p:nvSpPr>
+        <p:spPr/>
+        <p:txBody>
+          <a:bodyPr>
+            <a:normAutofit fontScale="92500" lnSpcReduction="20000"/>
+          </a:bodyPr>
+          <a:lstStyle/>
+          <a:p>
+            <a:pPr marL="0" indent="0">
+              <a:lnSpc>
+                <a:spcPct val="150000"/>
+              </a:lnSpc>
+              <a:spcBef>
+                <a:spcPts val="0"/>
+              </a:spcBef>
+              <a:buNone/>
+            </a:pPr>
+            <a:r>
+              <a:rPr lang="en-US" altLang="zh-CN" dirty="0" smtClean="0"/>
+              <a:t>nmon</a:t>
+            </a:r>
+            <a:r>
+              <a:rPr lang="zh-CN" altLang="en-US" dirty="0"/>
+              <a:t>是一种在</a:t>
+            </a:r>
+            <a:r>
+              <a:rPr lang="en-US" altLang="zh-CN" dirty="0"/>
+              <a:t>AIX</a:t>
+            </a:r>
+            <a:r>
+              <a:rPr lang="zh-CN" altLang="en-US" dirty="0"/>
+              <a:t>与各种</a:t>
+            </a:r>
+            <a:r>
+              <a:rPr lang="en-US" altLang="zh-CN" b="1" dirty="0"/>
+              <a:t>Linux</a:t>
+            </a:r>
+            <a:r>
+              <a:rPr lang="zh-CN" altLang="en-US" dirty="0"/>
+              <a:t>操作系统上广泛使用的监控与分析工具，相对于其它一些系统资源监控工具来说，</a:t>
+            </a:r>
+            <a:r>
+              <a:rPr lang="en-US" altLang="zh-CN" dirty="0"/>
+              <a:t>nmon</a:t>
+            </a:r>
+            <a:r>
+              <a:rPr lang="zh-CN" altLang="en-US" dirty="0"/>
+              <a:t>所记录的信息是比较全面的，它能在系统运行过程中实时地捕捉系统资源的使用情况，并且能输出结果到文件中，然后通过</a:t>
+            </a:r>
+            <a:r>
+              <a:rPr lang="en-US" altLang="zh-CN" dirty="0" err="1"/>
+              <a:t>nmon_analyzer</a:t>
+            </a:r>
+            <a:r>
+              <a:rPr lang="zh-CN" altLang="en-US" dirty="0"/>
+              <a:t>工具产生数据文件与图形化结果。</a:t>
+            </a:r>
+          </a:p>
+        </p:txBody>
+      </p:sp>
+      <p:sp>
+        <p:nvSpPr>
+          <p:cNvPr id="3" name="标题 2"/>
+          <p:cNvSpPr>
+            <a:spLocks noGrp="1"/>
+          </p:cNvSpPr>
+          <p:nvPr>
+            <p:ph type="title"/>
+          </p:nvPr>
+        </p:nvSpPr>
+        <p:spPr/>
+        <p:txBody>
+          <a:bodyPr>
+            <a:normAutofit/>
+          </a:bodyPr>
+          <a:lstStyle/>
+          <a:p>
+            <a:r>
+              <a:rPr lang="en-US" altLang="zh-CN" dirty="0" err="1"/>
+              <a:t>linux</a:t>
+            </a:r>
+            <a:r>
+              <a:rPr lang="zh-CN" altLang="en-US" dirty="0"/>
+              <a:t>监控工具</a:t>
+            </a:r>
+            <a:r>
+              <a:rPr lang="en-US" altLang="zh-CN" dirty="0" smtClean="0"/>
+              <a:t>nmon</a:t>
+            </a:r>
+            <a:endParaRPr lang="zh-CN" altLang="en-US" dirty="0"/>
+          </a:p>
+        </p:txBody>
+      </p:sp>
+    </p:spTree>
+    <p:extLst>
+      <p:ext uri="{BB962C8B-B14F-4D97-AF65-F5344CB8AC3E}">
+        <p14:creationId xmlns:p14="http://schemas.microsoft.com/office/powerpoint/2010/main" val="1777141447"/>
+      </p:ext>
+    </p:extLst>
+  </p:cSld>
+  <p:clrMapOvr>
+    <a:masterClrMapping/>
+  </p:clrMapOvr>
+</p:sld>
+</file>
+
+<file path=ppt/slides/slide24.xml><?xml version="1.0" encoding="utf-8"?>
+<p:sld xmlns:a="http://schemas.openxmlformats.org/drawingml/2006/main" xmlns:r="http://schemas.openxmlformats.org/officeDocument/2006/relationships" xmlns:p="http://schemas.openxmlformats.org/presentationml/2006/main">
+  <p:cSld>
+    <p:spTree>
+      <p:nvGrpSpPr>
+        <p:cNvPr id="1" name=""/>
+        <p:cNvGrpSpPr/>
+        <p:nvPr/>
+      </p:nvGrpSpPr>
+      <p:grpSpPr>
+        <a:xfrm>
+          <a:off x="0" y="0"/>
+          <a:ext cx="0" cy="0"/>
+          <a:chOff x="0" y="0"/>
+          <a:chExt cx="0" cy="0"/>
+        </a:xfrm>
+      </p:grpSpPr>
+      <p:sp>
+        <p:nvSpPr>
+          <p:cNvPr id="2" name="内容占位符 1"/>
+          <p:cNvSpPr>
+            <a:spLocks noGrp="1"/>
+          </p:cNvSpPr>
+          <p:nvPr>
+            <p:ph idx="1"/>
+          </p:nvPr>
+        </p:nvSpPr>
+        <p:spPr>
+          <a:xfrm>
+            <a:off x="446856" y="1304485"/>
+            <a:ext cx="8229600" cy="4925144"/>
+          </a:xfrm>
+        </p:spPr>
+        <p:txBody>
+          <a:bodyPr>
+            <a:normAutofit fontScale="92500" lnSpcReduction="20000"/>
+          </a:bodyPr>
+          <a:lstStyle/>
+          <a:p>
+            <a:pPr>
+              <a:lnSpc>
+                <a:spcPct val="150000"/>
+              </a:lnSpc>
+              <a:spcBef>
+                <a:spcPts val="0"/>
+              </a:spcBef>
+            </a:pPr>
+            <a:r>
+              <a:rPr lang="en-US" altLang="zh-CN" dirty="0" smtClean="0"/>
+              <a:t>nmon</a:t>
+            </a:r>
+            <a:r>
+              <a:rPr lang="zh-CN" altLang="en-US" dirty="0" smtClean="0"/>
+              <a:t>用法</a:t>
+            </a:r>
+            <a:endParaRPr lang="en-US" altLang="zh-CN" dirty="0" smtClean="0"/>
+          </a:p>
+          <a:p>
+            <a:pPr marL="457200" lvl="1" indent="0">
+              <a:lnSpc>
+                <a:spcPct val="150000"/>
+              </a:lnSpc>
+              <a:spcBef>
+                <a:spcPts val="0"/>
+              </a:spcBef>
+              <a:buNone/>
+            </a:pPr>
+            <a:r>
+              <a:rPr lang="en-US" altLang="zh-CN" dirty="0" smtClean="0"/>
+              <a:t>-f  </a:t>
+            </a:r>
+            <a:r>
+              <a:rPr lang="zh-CN" altLang="en-US" dirty="0" smtClean="0"/>
+              <a:t>输出文件，必选参数，</a:t>
+            </a:r>
+            <a:r>
+              <a:rPr lang="en-US" altLang="zh-CN" dirty="0" smtClean="0"/>
+              <a:t>nmon</a:t>
+            </a:r>
+            <a:r>
+              <a:rPr lang="zh-CN" altLang="en-US" dirty="0" smtClean="0"/>
+              <a:t>输出的文件名是默认名称 </a:t>
+            </a:r>
+            <a:r>
+              <a:rPr lang="en-US" altLang="zh-CN" dirty="0" err="1" smtClean="0"/>
+              <a:t>localhost_date_time.nmon</a:t>
+            </a:r>
+            <a:endParaRPr lang="en-US" altLang="zh-CN" dirty="0" smtClean="0"/>
+          </a:p>
+          <a:p>
+            <a:pPr marL="457200" lvl="1" indent="0">
+              <a:lnSpc>
+                <a:spcPct val="150000"/>
+              </a:lnSpc>
+              <a:spcBef>
+                <a:spcPts val="0"/>
+              </a:spcBef>
+              <a:buNone/>
+            </a:pPr>
+            <a:r>
+              <a:rPr lang="en-US" altLang="zh-CN" dirty="0" smtClean="0"/>
+              <a:t>-F &lt;filename&gt; </a:t>
+            </a:r>
+            <a:r>
+              <a:rPr lang="zh-CN" altLang="en-US" dirty="0" smtClean="0"/>
+              <a:t>这个参数和</a:t>
+            </a:r>
+            <a:r>
+              <a:rPr lang="en-US" altLang="zh-CN" dirty="0" smtClean="0"/>
+              <a:t>-f</a:t>
+            </a:r>
+            <a:r>
+              <a:rPr lang="zh-CN" altLang="en-US" dirty="0" smtClean="0"/>
+              <a:t>相同，只不过用户可以自己定义文件名称。</a:t>
+            </a:r>
+            <a:endParaRPr lang="en-US" altLang="zh-CN" dirty="0" smtClean="0"/>
+          </a:p>
+          <a:p>
+            <a:pPr marL="457200" lvl="1" indent="0">
+              <a:lnSpc>
+                <a:spcPct val="150000"/>
+              </a:lnSpc>
+              <a:spcBef>
+                <a:spcPts val="0"/>
+              </a:spcBef>
+              <a:buNone/>
+            </a:pPr>
+            <a:r>
+              <a:rPr lang="en-US" altLang="zh-CN" dirty="0" smtClean="0"/>
+              <a:t>-s</a:t>
+            </a:r>
+            <a:r>
+              <a:rPr lang="zh-CN" altLang="en-US" dirty="0" smtClean="0"/>
+              <a:t>采集数据频率，也就是</a:t>
+            </a:r>
+            <a:r>
+              <a:rPr lang="zh-CN" altLang="en-US" dirty="0"/>
+              <a:t>保存</a:t>
+            </a:r>
+            <a:r>
+              <a:rPr lang="zh-CN" altLang="en-US" dirty="0" smtClean="0"/>
+              <a:t>数据的频率</a:t>
+            </a:r>
+            <a:endParaRPr lang="en-US" altLang="zh-CN" dirty="0" smtClean="0"/>
+          </a:p>
+          <a:p>
+            <a:pPr marL="457200" lvl="1" indent="0">
+              <a:lnSpc>
+                <a:spcPct val="150000"/>
+              </a:lnSpc>
+              <a:spcBef>
+                <a:spcPts val="0"/>
+              </a:spcBef>
+              <a:buNone/>
+            </a:pPr>
+            <a:r>
+              <a:rPr lang="en-US" altLang="zh-CN" dirty="0" smtClean="0"/>
+              <a:t>-c </a:t>
+            </a:r>
+            <a:r>
+              <a:rPr lang="zh-CN" altLang="en-US" dirty="0" smtClean="0"/>
+              <a:t>采集数据次数</a:t>
+            </a:r>
+            <a:endParaRPr lang="en-US" altLang="zh-CN" dirty="0" smtClean="0"/>
+          </a:p>
+          <a:p>
+            <a:pPr marL="457200" lvl="1" indent="0">
+              <a:lnSpc>
+                <a:spcPct val="150000"/>
+              </a:lnSpc>
+              <a:spcBef>
+                <a:spcPts val="0"/>
+              </a:spcBef>
+              <a:buNone/>
+            </a:pPr>
+            <a:r>
+              <a:rPr lang="en-US" altLang="zh-CN" dirty="0" smtClean="0"/>
+              <a:t>-t </a:t>
+            </a:r>
+            <a:r>
+              <a:rPr lang="zh-CN" altLang="en-US" dirty="0" smtClean="0"/>
+              <a:t>输出最消耗资源的进程数据</a:t>
+            </a:r>
+            <a:endParaRPr lang="en-US" altLang="zh-CN" dirty="0" smtClean="0"/>
+          </a:p>
+          <a:p>
+            <a:pPr marL="457200" lvl="1" indent="0">
+              <a:lnSpc>
+                <a:spcPct val="150000"/>
+              </a:lnSpc>
+              <a:spcBef>
+                <a:spcPts val="0"/>
+              </a:spcBef>
+              <a:buNone/>
+            </a:pPr>
+            <a:r>
+              <a:rPr lang="en-US" altLang="zh-CN" dirty="0"/>
+              <a:t>-m </a:t>
+            </a:r>
+            <a:r>
+              <a:rPr lang="zh-CN" altLang="en-US" dirty="0"/>
+              <a:t>生成的数据文件的存放</a:t>
+            </a:r>
+            <a:r>
+              <a:rPr lang="zh-CN" altLang="en-US" dirty="0" smtClean="0"/>
+              <a:t>目录</a:t>
+            </a:r>
+            <a:endParaRPr lang="en-US" altLang="zh-CN" dirty="0" smtClean="0"/>
+          </a:p>
+          <a:p>
+            <a:pPr marL="0" indent="0">
+              <a:buNone/>
+            </a:pPr>
+            <a:endParaRPr lang="en-US" altLang="zh-CN" dirty="0"/>
+          </a:p>
+          <a:p>
+            <a:endParaRPr lang="en-US" altLang="zh-CN" dirty="0" smtClean="0"/>
+          </a:p>
+        </p:txBody>
+      </p:sp>
+      <p:sp>
+        <p:nvSpPr>
+          <p:cNvPr id="3" name="标题 2"/>
+          <p:cNvSpPr>
+            <a:spLocks noGrp="1"/>
+          </p:cNvSpPr>
+          <p:nvPr>
+            <p:ph type="title"/>
+          </p:nvPr>
+        </p:nvSpPr>
+        <p:spPr/>
+        <p:txBody>
+          <a:bodyPr/>
+          <a:lstStyle/>
+          <a:p>
+            <a:r>
+              <a:rPr lang="en-US" altLang="zh-CN" dirty="0" err="1"/>
+              <a:t>linux</a:t>
+            </a:r>
+            <a:r>
+              <a:rPr lang="zh-CN" altLang="en-US" dirty="0"/>
+              <a:t>监控工具</a:t>
+            </a:r>
+            <a:r>
+              <a:rPr lang="en-US" altLang="zh-CN" dirty="0"/>
+              <a:t>nmon</a:t>
+            </a:r>
+            <a:endParaRPr lang="zh-CN" altLang="en-US" dirty="0"/>
+          </a:p>
+        </p:txBody>
+      </p:sp>
+    </p:spTree>
+    <p:extLst>
+      <p:ext uri="{BB962C8B-B14F-4D97-AF65-F5344CB8AC3E}">
+        <p14:creationId xmlns:p14="http://schemas.microsoft.com/office/powerpoint/2010/main" val="2805497687"/>
+      </p:ext>
+    </p:extLst>
+  </p:cSld>
+  <p:clrMapOvr>
+    <a:masterClrMapping/>
+  </p:clrMapOvr>
+</p:sld>
+</file>
+
+<file path=ppt/slides/slide25.xml><?xml version="1.0" encoding="utf-8"?>
+<p:sld xmlns:a="http://schemas.openxmlformats.org/drawingml/2006/main" xmlns:r="http://schemas.openxmlformats.org/officeDocument/2006/relationships" xmlns:p="http://schemas.openxmlformats.org/presentationml/2006/main">
+  <p:cSld>
+    <p:spTree>
+      <p:nvGrpSpPr>
+        <p:cNvPr id="1" name=""/>
+        <p:cNvGrpSpPr/>
+        <p:nvPr/>
+      </p:nvGrpSpPr>
+      <p:grpSpPr>
+        <a:xfrm>
+          <a:off x="0" y="0"/>
+          <a:ext cx="0" cy="0"/>
+          <a:chOff x="0" y="0"/>
+          <a:chExt cx="0" cy="0"/>
+        </a:xfrm>
+      </p:grpSpPr>
+      <p:sp>
+        <p:nvSpPr>
+          <p:cNvPr id="2" name="内容占位符 1"/>
+          <p:cNvSpPr>
+            <a:spLocks noGrp="1"/>
+          </p:cNvSpPr>
+          <p:nvPr>
+            <p:ph idx="1"/>
+          </p:nvPr>
+        </p:nvSpPr>
+        <p:spPr>
+          <a:xfrm>
+            <a:off x="457200" y="1052736"/>
+            <a:ext cx="8435280" cy="5616624"/>
+          </a:xfrm>
+        </p:spPr>
+        <p:txBody>
+          <a:bodyPr>
+            <a:normAutofit fontScale="62500" lnSpcReduction="20000"/>
+          </a:bodyPr>
+          <a:lstStyle/>
+          <a:p>
+            <a:pPr marL="0" indent="0">
+              <a:lnSpc>
+                <a:spcPct val="170000"/>
+              </a:lnSpc>
+              <a:spcBef>
+                <a:spcPts val="0"/>
+              </a:spcBef>
+              <a:buNone/>
+            </a:pPr>
+            <a:r>
+              <a:rPr lang="en-US" altLang="zh-CN" dirty="0">
+                <a:latin typeface="+mn-ea"/>
+              </a:rPr>
+              <a:t>http://nmon.sourceforge.net/pmwiki.php</a:t>
+            </a:r>
+          </a:p>
+          <a:p>
+            <a:pPr marL="0" indent="0">
+              <a:lnSpc>
+                <a:spcPct val="170000"/>
+              </a:lnSpc>
+              <a:spcBef>
+                <a:spcPts val="0"/>
+              </a:spcBef>
+              <a:buNone/>
+            </a:pPr>
+            <a:r>
+              <a:rPr lang="en-US" altLang="zh-CN" dirty="0" smtClean="0">
+                <a:latin typeface="+mn-ea"/>
+              </a:rPr>
+              <a:t>1</a:t>
+            </a:r>
+            <a:r>
+              <a:rPr lang="en-US" altLang="zh-CN" dirty="0">
+                <a:latin typeface="+mn-ea"/>
+              </a:rPr>
+              <a:t>.</a:t>
+            </a:r>
+            <a:r>
+              <a:rPr lang="zh-CN" altLang="zh-CN" dirty="0">
+                <a:latin typeface="+mn-ea"/>
+              </a:rPr>
+              <a:t>使用客户端上传文件</a:t>
+            </a:r>
+            <a:r>
+              <a:rPr lang="en-US" altLang="zh-CN" dirty="0">
+                <a:latin typeface="+mn-ea"/>
+              </a:rPr>
+              <a:t> nmon16e_mpginc.tar.gz  /</a:t>
+            </a:r>
+            <a:r>
+              <a:rPr lang="en-US" altLang="zh-CN" dirty="0" err="1">
+                <a:latin typeface="+mn-ea"/>
+              </a:rPr>
+              <a:t>usr</a:t>
+            </a:r>
+            <a:r>
+              <a:rPr lang="en-US" altLang="zh-CN" dirty="0">
+                <a:latin typeface="+mn-ea"/>
+              </a:rPr>
+              <a:t>/bin</a:t>
+            </a:r>
+            <a:endParaRPr lang="zh-CN" altLang="zh-CN" dirty="0">
+              <a:latin typeface="+mn-ea"/>
+            </a:endParaRPr>
+          </a:p>
+          <a:p>
+            <a:pPr marL="0" indent="0">
+              <a:lnSpc>
+                <a:spcPct val="170000"/>
+              </a:lnSpc>
+              <a:spcBef>
+                <a:spcPts val="0"/>
+              </a:spcBef>
+              <a:buNone/>
+            </a:pPr>
+            <a:r>
+              <a:rPr lang="en-US" altLang="zh-CN" dirty="0">
+                <a:latin typeface="+mn-ea"/>
+              </a:rPr>
+              <a:t>2. cd /</a:t>
+            </a:r>
+            <a:r>
+              <a:rPr lang="en-US" altLang="zh-CN" dirty="0" err="1">
+                <a:latin typeface="+mn-ea"/>
+              </a:rPr>
+              <a:t>usr</a:t>
+            </a:r>
+            <a:r>
+              <a:rPr lang="en-US" altLang="zh-CN" dirty="0">
+                <a:latin typeface="+mn-ea"/>
+              </a:rPr>
+              <a:t>/bin</a:t>
+            </a:r>
+            <a:endParaRPr lang="zh-CN" altLang="zh-CN" dirty="0">
+              <a:latin typeface="+mn-ea"/>
+            </a:endParaRPr>
+          </a:p>
+          <a:p>
+            <a:pPr marL="0" indent="0">
+              <a:lnSpc>
+                <a:spcPct val="170000"/>
+              </a:lnSpc>
+              <a:spcBef>
+                <a:spcPts val="0"/>
+              </a:spcBef>
+              <a:buNone/>
+            </a:pPr>
+            <a:r>
+              <a:rPr lang="zh-CN" altLang="zh-CN" dirty="0">
+                <a:latin typeface="+mn-ea"/>
+              </a:rPr>
+              <a:t>解压</a:t>
+            </a:r>
+            <a:r>
+              <a:rPr lang="en-US" altLang="zh-CN" dirty="0">
+                <a:latin typeface="+mn-ea"/>
+              </a:rPr>
+              <a:t> tar </a:t>
+            </a:r>
+            <a:r>
+              <a:rPr lang="en-US" altLang="zh-CN" dirty="0" err="1">
+                <a:latin typeface="+mn-ea"/>
+              </a:rPr>
+              <a:t>zxvf</a:t>
+            </a:r>
+            <a:r>
+              <a:rPr lang="en-US" altLang="zh-CN" dirty="0">
+                <a:latin typeface="+mn-ea"/>
+              </a:rPr>
+              <a:t> nmon16e_mpginc.tar.gz</a:t>
+            </a:r>
+            <a:endParaRPr lang="zh-CN" altLang="zh-CN" dirty="0">
+              <a:latin typeface="+mn-ea"/>
+            </a:endParaRPr>
+          </a:p>
+          <a:p>
+            <a:pPr marL="0" indent="0">
+              <a:lnSpc>
+                <a:spcPct val="170000"/>
+              </a:lnSpc>
+              <a:spcBef>
+                <a:spcPts val="0"/>
+              </a:spcBef>
+              <a:buNone/>
+            </a:pPr>
+            <a:r>
+              <a:rPr lang="en-US" altLang="zh-CN" dirty="0">
+                <a:latin typeface="+mn-ea"/>
+              </a:rPr>
+              <a:t>3.</a:t>
+            </a:r>
+            <a:r>
+              <a:rPr lang="zh-CN" altLang="zh-CN" dirty="0">
+                <a:latin typeface="+mn-ea"/>
+              </a:rPr>
+              <a:t>重命名</a:t>
+            </a:r>
+            <a:r>
+              <a:rPr lang="en-US" altLang="zh-CN" dirty="0">
+                <a:latin typeface="+mn-ea"/>
+              </a:rPr>
+              <a:t> mv   </a:t>
+            </a:r>
+            <a:r>
+              <a:rPr lang="en-US" altLang="zh-CN" dirty="0" smtClean="0">
+                <a:latin typeface="+mn-ea"/>
+              </a:rPr>
+              <a:t>nmon_x86_64_centos7   </a:t>
+            </a:r>
+            <a:r>
+              <a:rPr lang="en-US" altLang="zh-CN" dirty="0">
+                <a:latin typeface="+mn-ea"/>
+              </a:rPr>
+              <a:t>nmon</a:t>
+            </a:r>
+            <a:endParaRPr lang="zh-CN" altLang="zh-CN" dirty="0">
+              <a:latin typeface="+mn-ea"/>
+            </a:endParaRPr>
+          </a:p>
+          <a:p>
+            <a:pPr marL="0" indent="0">
+              <a:lnSpc>
+                <a:spcPct val="170000"/>
+              </a:lnSpc>
+              <a:spcBef>
+                <a:spcPts val="0"/>
+              </a:spcBef>
+              <a:buNone/>
+            </a:pPr>
+            <a:r>
+              <a:rPr lang="en-US" altLang="zh-CN" dirty="0">
+                <a:latin typeface="+mn-ea"/>
+              </a:rPr>
+              <a:t>4</a:t>
+            </a:r>
+            <a:r>
+              <a:rPr lang="en-US" altLang="zh-CN" dirty="0" smtClean="0">
+                <a:latin typeface="+mn-ea"/>
+              </a:rPr>
+              <a:t>.</a:t>
+            </a:r>
+            <a:r>
+              <a:rPr lang="zh-CN" altLang="zh-CN" dirty="0" smtClean="0">
+                <a:latin typeface="+mn-ea"/>
+              </a:rPr>
+              <a:t>运行</a:t>
+            </a:r>
+            <a:r>
+              <a:rPr lang="en-US" altLang="zh-CN" dirty="0" smtClean="0">
+                <a:latin typeface="+mn-ea"/>
+              </a:rPr>
+              <a:t>  </a:t>
+            </a:r>
+            <a:r>
+              <a:rPr lang="en-US" altLang="zh-CN" dirty="0">
+                <a:latin typeface="+mn-ea"/>
+              </a:rPr>
+              <a:t>./nmon</a:t>
+            </a:r>
+            <a:endParaRPr lang="zh-CN" altLang="zh-CN" dirty="0">
+              <a:latin typeface="+mn-ea"/>
+            </a:endParaRPr>
+          </a:p>
+          <a:p>
+            <a:pPr marL="0" indent="0">
+              <a:lnSpc>
+                <a:spcPct val="170000"/>
+              </a:lnSpc>
+              <a:spcBef>
+                <a:spcPts val="0"/>
+              </a:spcBef>
+              <a:buNone/>
+            </a:pPr>
+            <a:r>
+              <a:rPr lang="en-US" altLang="zh-CN" dirty="0">
+                <a:latin typeface="+mn-ea"/>
+              </a:rPr>
+              <a:t>5.#nmon -s10 -c60 -f -m /</a:t>
+            </a:r>
+            <a:r>
+              <a:rPr lang="en-US" altLang="zh-CN" dirty="0" smtClean="0">
+                <a:latin typeface="+mn-ea"/>
+              </a:rPr>
+              <a:t>home/</a:t>
+            </a:r>
+          </a:p>
+          <a:p>
+            <a:pPr marL="0" indent="0">
+              <a:lnSpc>
+                <a:spcPct val="170000"/>
+              </a:lnSpc>
+              <a:spcBef>
+                <a:spcPts val="0"/>
+              </a:spcBef>
+              <a:buNone/>
+            </a:pPr>
+            <a:r>
+              <a:rPr lang="en-US" altLang="zh-CN" dirty="0" smtClean="0">
+                <a:latin typeface="+mn-ea"/>
+              </a:rPr>
+              <a:t>6.</a:t>
+            </a:r>
+            <a:r>
+              <a:rPr lang="zh-CN" altLang="en-US" dirty="0"/>
+              <a:t>下载</a:t>
+            </a:r>
+            <a:r>
+              <a:rPr lang="en-US" altLang="zh-CN" dirty="0"/>
+              <a:t>nmon analyser  </a:t>
+            </a:r>
+          </a:p>
+          <a:p>
+            <a:pPr marL="0" indent="0">
+              <a:lnSpc>
+                <a:spcPct val="170000"/>
+              </a:lnSpc>
+              <a:spcBef>
+                <a:spcPts val="0"/>
+              </a:spcBef>
+              <a:buNone/>
+            </a:pPr>
+            <a:r>
+              <a:rPr lang="zh-CN" altLang="en-US" dirty="0"/>
+              <a:t>将</a:t>
+            </a:r>
+            <a:r>
+              <a:rPr lang="en-US" altLang="zh-CN" dirty="0"/>
+              <a:t>/</a:t>
+            </a:r>
+            <a:r>
+              <a:rPr lang="en-US" altLang="zh-CN" dirty="0" err="1"/>
+              <a:t>usr</a:t>
+            </a:r>
+            <a:r>
+              <a:rPr lang="en-US" altLang="zh-CN" dirty="0"/>
+              <a:t>/local/</a:t>
+            </a:r>
+            <a:r>
+              <a:rPr lang="zh-CN" altLang="en-US" dirty="0"/>
+              <a:t>目录下的*</a:t>
+            </a:r>
+            <a:r>
+              <a:rPr lang="en-US" altLang="zh-CN" dirty="0"/>
+              <a:t>.nmon</a:t>
+            </a:r>
+            <a:r>
+              <a:rPr lang="zh-CN" altLang="en-US" dirty="0"/>
+              <a:t>文件拿到</a:t>
+            </a:r>
+            <a:r>
+              <a:rPr lang="en-US" altLang="zh-CN" dirty="0"/>
+              <a:t>WINDOWS</a:t>
+            </a:r>
+            <a:r>
+              <a:rPr lang="zh-CN" altLang="en-US" dirty="0"/>
+              <a:t>机器上，用</a:t>
+            </a:r>
+            <a:r>
+              <a:rPr lang="en-US" altLang="zh-CN" dirty="0"/>
+              <a:t>Excel</a:t>
+            </a:r>
+            <a:r>
+              <a:rPr lang="zh-CN" altLang="en-US" dirty="0"/>
+              <a:t>打开分析工具</a:t>
+            </a:r>
+            <a:r>
+              <a:rPr lang="en-US" altLang="zh-CN" dirty="0"/>
+              <a:t>nmon analyser v46.xlsm</a:t>
+            </a:r>
+            <a:r>
+              <a:rPr lang="zh-CN" altLang="en-US" dirty="0"/>
+              <a:t>，点击“</a:t>
+            </a:r>
+            <a:r>
+              <a:rPr lang="en-US" altLang="zh-CN" dirty="0"/>
+              <a:t>Analyze nmon data”</a:t>
+            </a:r>
+            <a:r>
+              <a:rPr lang="zh-CN" altLang="en-US" dirty="0"/>
+              <a:t>按钮加载</a:t>
+            </a:r>
+            <a:r>
+              <a:rPr lang="en-US" altLang="zh-CN" dirty="0"/>
+              <a:t>nmon</a:t>
+            </a:r>
+            <a:r>
+              <a:rPr lang="zh-CN" altLang="en-US" dirty="0"/>
+              <a:t>文件，这样这会生成一个分析后的结果文件。</a:t>
+            </a:r>
+          </a:p>
+          <a:p>
+            <a:pPr marL="0" indent="0">
+              <a:lnSpc>
+                <a:spcPct val="170000"/>
+              </a:lnSpc>
+              <a:spcBef>
+                <a:spcPts val="0"/>
+              </a:spcBef>
+              <a:buNone/>
+            </a:pPr>
+            <a:r>
+              <a:rPr lang="zh-CN" altLang="en-US" dirty="0"/>
+              <a:t>注意：点击“</a:t>
+            </a:r>
+            <a:r>
+              <a:rPr lang="en-US" altLang="zh-CN" dirty="0"/>
+              <a:t>Analyze nmon data”</a:t>
+            </a:r>
+            <a:r>
+              <a:rPr lang="zh-CN" altLang="en-US" dirty="0"/>
+              <a:t>按钮，需要启用</a:t>
+            </a:r>
+            <a:r>
+              <a:rPr lang="en-US" altLang="zh-CN" dirty="0"/>
+              <a:t>Excel</a:t>
+            </a:r>
+            <a:r>
+              <a:rPr lang="zh-CN" altLang="en-US" dirty="0"/>
+              <a:t>的宏。</a:t>
+            </a:r>
+          </a:p>
+          <a:p>
+            <a:pPr marL="0" indent="0">
+              <a:buNone/>
+            </a:pPr>
+            <a:endParaRPr lang="zh-CN" altLang="zh-CN" dirty="0">
+              <a:latin typeface="+mn-ea"/>
+            </a:endParaRPr>
+          </a:p>
+          <a:p>
+            <a:endParaRPr lang="zh-CN" altLang="en-US" dirty="0"/>
+          </a:p>
+        </p:txBody>
+      </p:sp>
+      <p:sp>
+        <p:nvSpPr>
+          <p:cNvPr id="3" name="标题 2"/>
+          <p:cNvSpPr>
+            <a:spLocks noGrp="1"/>
+          </p:cNvSpPr>
+          <p:nvPr>
+            <p:ph type="title"/>
+          </p:nvPr>
+        </p:nvSpPr>
+        <p:spPr/>
+        <p:txBody>
+          <a:bodyPr/>
+          <a:lstStyle/>
+          <a:p>
+            <a:r>
+              <a:rPr lang="en-US" altLang="zh-CN" dirty="0" err="1"/>
+              <a:t>linux</a:t>
+            </a:r>
+            <a:r>
+              <a:rPr lang="zh-CN" altLang="en-US" dirty="0"/>
+              <a:t>监控工具</a:t>
+            </a:r>
+            <a:r>
+              <a:rPr lang="en-US" altLang="zh-CN" dirty="0" smtClean="0"/>
+              <a:t>nmon</a:t>
+            </a:r>
+            <a:endParaRPr lang="zh-CN" altLang="en-US" dirty="0"/>
+          </a:p>
+        </p:txBody>
+      </p:sp>
+    </p:spTree>
+    <p:extLst>
+      <p:ext uri="{BB962C8B-B14F-4D97-AF65-F5344CB8AC3E}">
+        <p14:creationId xmlns:p14="http://schemas.microsoft.com/office/powerpoint/2010/main" val="4144231662"/>
+      </p:ext>
+    </p:extLst>
+  </p:cSld>
+  <p:clrMapOvr>
+    <a:masterClrMapping/>
+  </p:clrMapOvr>
+</p:sld>
+</file>
+
+<file path=ppt/slides/slide26.xml><?xml version="1.0" encoding="utf-8"?>
+<p:sld xmlns:a="http://schemas.openxmlformats.org/drawingml/2006/main" xmlns:r="http://schemas.openxmlformats.org/officeDocument/2006/relationships" xmlns:p="http://schemas.openxmlformats.org/presentationml/2006/main">
+  <p:cSld>
+    <p:spTree>
+      <p:nvGrpSpPr>
+        <p:cNvPr id="1" name=""/>
+        <p:cNvGrpSpPr/>
+        <p:nvPr/>
+      </p:nvGrpSpPr>
+      <p:grpSpPr>
+        <a:xfrm>
+          <a:off x="0" y="0"/>
+          <a:ext cx="0" cy="0"/>
+          <a:chOff x="0" y="0"/>
+          <a:chExt cx="0" cy="0"/>
+        </a:xfrm>
+      </p:grpSpPr>
+      <p:sp>
+        <p:nvSpPr>
+          <p:cNvPr id="2" name="内容占位符 1"/>
+          <p:cNvSpPr>
+            <a:spLocks noGrp="1"/>
+          </p:cNvSpPr>
+          <p:nvPr>
+            <p:ph idx="1"/>
+          </p:nvPr>
+        </p:nvSpPr>
+        <p:spPr>
+          <a:xfrm>
+            <a:off x="467544" y="1268760"/>
+            <a:ext cx="8229600" cy="5328592"/>
+          </a:xfrm>
+        </p:spPr>
+        <p:txBody>
+          <a:bodyPr>
+            <a:normAutofit/>
+          </a:bodyPr>
+          <a:lstStyle/>
+          <a:p>
+            <a:pPr>
+              <a:lnSpc>
+                <a:spcPct val="150000"/>
+              </a:lnSpc>
+              <a:spcBef>
+                <a:spcPts val="0"/>
+              </a:spcBef>
+            </a:pPr>
+            <a:r>
+              <a:rPr lang="en-US" altLang="zh-CN" dirty="0"/>
+              <a:t>nmon analyser </a:t>
+            </a:r>
+            <a:r>
+              <a:rPr lang="en-US" altLang="zh-CN" dirty="0" smtClean="0"/>
+              <a:t>Sheet</a:t>
+            </a:r>
+          </a:p>
+          <a:p>
+            <a:pPr marL="0" indent="0">
+              <a:lnSpc>
+                <a:spcPct val="150000"/>
+              </a:lnSpc>
+              <a:spcBef>
+                <a:spcPts val="0"/>
+              </a:spcBef>
+              <a:buNone/>
+            </a:pPr>
+            <a:r>
+              <a:rPr lang="en-US" altLang="zh-CN" sz="2800" dirty="0"/>
+              <a:t>SYS_SUMM </a:t>
+            </a:r>
+            <a:r>
+              <a:rPr lang="zh-CN" altLang="en-US" sz="2800" dirty="0"/>
+              <a:t>系统汇总</a:t>
+            </a:r>
+            <a:r>
+              <a:rPr lang="en-US" altLang="zh-CN" sz="2800" dirty="0"/>
+              <a:t>,</a:t>
+            </a:r>
+            <a:r>
+              <a:rPr lang="zh-CN" altLang="en-US" sz="2800" dirty="0"/>
+              <a:t>蓝线为</a:t>
+            </a:r>
+            <a:r>
+              <a:rPr lang="en-US" altLang="zh-CN" sz="2800" dirty="0"/>
+              <a:t>cpu</a:t>
+            </a:r>
+            <a:r>
+              <a:rPr lang="zh-CN" altLang="en-US" sz="2800" dirty="0"/>
+              <a:t>占有率变化情况</a:t>
+            </a:r>
+            <a:r>
+              <a:rPr lang="en-US" altLang="zh-CN" sz="2800" dirty="0"/>
+              <a:t>,</a:t>
+            </a:r>
+            <a:r>
+              <a:rPr lang="zh-CN" altLang="en-US" sz="2800" dirty="0"/>
+              <a:t>粉线为磁盘</a:t>
+            </a:r>
+            <a:r>
+              <a:rPr lang="en-US" altLang="zh-CN" sz="2800" dirty="0"/>
+              <a:t>IO</a:t>
+            </a:r>
+            <a:r>
+              <a:rPr lang="zh-CN" altLang="en-US" sz="2800" dirty="0"/>
+              <a:t>的变化</a:t>
+            </a:r>
+            <a:r>
+              <a:rPr lang="zh-CN" altLang="en-US" sz="2800" dirty="0" smtClean="0"/>
+              <a:t>情况</a:t>
+            </a:r>
+            <a:endParaRPr lang="en-US" altLang="zh-CN" sz="2800" dirty="0"/>
+          </a:p>
+          <a:p>
+            <a:pPr marL="0" indent="0">
+              <a:lnSpc>
+                <a:spcPct val="150000"/>
+              </a:lnSpc>
+              <a:spcBef>
+                <a:spcPts val="0"/>
+              </a:spcBef>
+              <a:buNone/>
+            </a:pPr>
+            <a:r>
+              <a:rPr lang="en-US" altLang="zh-CN" sz="2800" dirty="0"/>
+              <a:t>AAA </a:t>
+            </a:r>
+            <a:r>
+              <a:rPr lang="zh-CN" altLang="en-US" sz="2800" dirty="0"/>
+              <a:t>关于操作系统以及</a:t>
+            </a:r>
+            <a:r>
+              <a:rPr lang="en-US" altLang="zh-CN" sz="2800" dirty="0"/>
+              <a:t>nmon</a:t>
+            </a:r>
+            <a:r>
+              <a:rPr lang="zh-CN" altLang="en-US" sz="2800" dirty="0"/>
+              <a:t>本身的一些</a:t>
+            </a:r>
+            <a:r>
+              <a:rPr lang="zh-CN" altLang="en-US" sz="2800" dirty="0" smtClean="0"/>
+              <a:t>信息</a:t>
+            </a:r>
+            <a:endParaRPr lang="en-US" altLang="zh-CN" sz="2800" dirty="0" smtClean="0"/>
+          </a:p>
+          <a:p>
+            <a:pPr marL="0" indent="0">
+              <a:lnSpc>
+                <a:spcPct val="150000"/>
+              </a:lnSpc>
+              <a:spcBef>
+                <a:spcPts val="0"/>
+              </a:spcBef>
+              <a:buNone/>
+            </a:pPr>
+            <a:r>
+              <a:rPr lang="en-US" altLang="zh-CN" sz="2800" dirty="0" err="1" smtClean="0"/>
+              <a:t>CPUnn</a:t>
+            </a:r>
+            <a:r>
+              <a:rPr lang="en-US" altLang="zh-CN" sz="2800" dirty="0" smtClean="0"/>
+              <a:t> </a:t>
+            </a:r>
+            <a:r>
+              <a:rPr lang="zh-CN" altLang="en-US" sz="2800" dirty="0" smtClean="0"/>
+              <a:t>显示</a:t>
+            </a:r>
+            <a:r>
+              <a:rPr lang="zh-CN" altLang="en-US" sz="2800" dirty="0"/>
+              <a:t>执行之间内</a:t>
+            </a:r>
+            <a:r>
+              <a:rPr lang="en-US" altLang="zh-CN" sz="2800" dirty="0"/>
+              <a:t>CPU</a:t>
+            </a:r>
+            <a:r>
+              <a:rPr lang="zh-CN" altLang="en-US" sz="2800" dirty="0"/>
+              <a:t>占用情况</a:t>
+            </a:r>
+            <a:endParaRPr lang="en-US" altLang="zh-CN" sz="2800" dirty="0" smtClean="0"/>
+          </a:p>
+          <a:p>
+            <a:pPr marL="0" indent="0">
+              <a:lnSpc>
+                <a:spcPct val="150000"/>
+              </a:lnSpc>
+              <a:spcBef>
+                <a:spcPts val="0"/>
+              </a:spcBef>
+              <a:buNone/>
+            </a:pPr>
+            <a:r>
+              <a:rPr lang="en-US" altLang="zh-CN" sz="2800" dirty="0" err="1" smtClean="0"/>
+              <a:t>CPU_ALL</a:t>
+            </a:r>
+            <a:r>
+              <a:rPr lang="en-US" altLang="zh-CN" sz="2800" dirty="0" smtClean="0"/>
+              <a:t> </a:t>
+            </a:r>
+            <a:r>
+              <a:rPr lang="zh-CN" altLang="en-US" sz="2800" dirty="0" smtClean="0"/>
+              <a:t>所有</a:t>
+            </a:r>
+            <a:r>
+              <a:rPr lang="en-US" altLang="zh-CN" sz="2800" dirty="0"/>
+              <a:t>CPU</a:t>
+            </a:r>
+            <a:r>
+              <a:rPr lang="zh-CN" altLang="en-US" sz="2800" dirty="0"/>
+              <a:t>概述，显示所有</a:t>
+            </a:r>
+            <a:r>
+              <a:rPr lang="en-US" altLang="zh-CN" sz="2800" dirty="0"/>
+              <a:t>CPU</a:t>
+            </a:r>
+            <a:r>
+              <a:rPr lang="zh-CN" altLang="en-US" sz="2800" dirty="0"/>
+              <a:t>平均占用</a:t>
+            </a:r>
+            <a:r>
+              <a:rPr lang="zh-CN" altLang="en-US" sz="2800" dirty="0" smtClean="0"/>
+              <a:t>情况</a:t>
+            </a:r>
+            <a:endParaRPr lang="en-US" altLang="zh-CN" sz="2800" dirty="0" smtClean="0"/>
+          </a:p>
+          <a:p>
+            <a:pPr marL="0" indent="0">
+              <a:lnSpc>
+                <a:spcPct val="150000"/>
+              </a:lnSpc>
+              <a:spcBef>
+                <a:spcPts val="0"/>
+              </a:spcBef>
+              <a:buNone/>
+            </a:pPr>
+            <a:r>
+              <a:rPr lang="en-US" altLang="zh-CN" sz="2800" dirty="0" err="1" smtClean="0"/>
+              <a:t>CPU_SUMM</a:t>
+            </a:r>
+            <a:r>
+              <a:rPr lang="en-US" altLang="zh-CN" sz="2800" dirty="0" smtClean="0"/>
+              <a:t> </a:t>
+            </a:r>
+            <a:r>
+              <a:rPr lang="zh-CN" altLang="en-US" sz="2800" dirty="0" smtClean="0"/>
+              <a:t>每</a:t>
+            </a:r>
+            <a:r>
+              <a:rPr lang="zh-CN" altLang="en-US" sz="2800" dirty="0"/>
+              <a:t>一个</a:t>
+            </a:r>
+            <a:r>
+              <a:rPr lang="en-US" altLang="zh-CN" sz="2800" dirty="0"/>
+              <a:t>CPU</a:t>
+            </a:r>
+            <a:r>
+              <a:rPr lang="zh-CN" altLang="en-US" sz="2800" dirty="0"/>
+              <a:t>在执行时间内的占用</a:t>
+            </a:r>
+            <a:r>
+              <a:rPr lang="zh-CN" altLang="en-US" sz="2800" dirty="0" smtClean="0"/>
+              <a:t>情况</a:t>
+            </a:r>
+            <a:endParaRPr lang="zh-CN" altLang="en-US" sz="2800" dirty="0"/>
+          </a:p>
+        </p:txBody>
+      </p:sp>
+      <p:sp>
+        <p:nvSpPr>
+          <p:cNvPr id="3" name="标题 2"/>
+          <p:cNvSpPr>
+            <a:spLocks noGrp="1"/>
+          </p:cNvSpPr>
+          <p:nvPr>
+            <p:ph type="title"/>
+          </p:nvPr>
+        </p:nvSpPr>
+        <p:spPr/>
+        <p:txBody>
+          <a:bodyPr/>
+          <a:lstStyle/>
+          <a:p>
+            <a:r>
+              <a:rPr lang="en-US" altLang="zh-CN" dirty="0" err="1"/>
+              <a:t>linux</a:t>
+            </a:r>
+            <a:r>
+              <a:rPr lang="zh-CN" altLang="en-US" dirty="0"/>
+              <a:t>监控工具</a:t>
+            </a:r>
+            <a:r>
+              <a:rPr lang="en-US" altLang="zh-CN" dirty="0"/>
+              <a:t>nmon</a:t>
+            </a:r>
+            <a:endParaRPr lang="zh-CN" altLang="en-US" dirty="0"/>
+          </a:p>
+        </p:txBody>
+      </p:sp>
+    </p:spTree>
+    <p:extLst>
+      <p:ext uri="{BB962C8B-B14F-4D97-AF65-F5344CB8AC3E}">
+        <p14:creationId xmlns:p14="http://schemas.microsoft.com/office/powerpoint/2010/main" val="1769676293"/>
+      </p:ext>
+    </p:extLst>
+  </p:cSld>
+  <p:clrMapOvr>
+    <a:masterClrMapping/>
+  </p:clrMapOvr>
+</p:sld>
+</file>
+
+<file path=ppt/slides/slide27.xml><?xml version="1.0" encoding="utf-8"?>
+<p:sld xmlns:a="http://schemas.openxmlformats.org/drawingml/2006/main" xmlns:r="http://schemas.openxmlformats.org/officeDocument/2006/relationships" xmlns:p="http://schemas.openxmlformats.org/presentationml/2006/main">
+  <p:cSld>
+    <p:spTree>
+      <p:nvGrpSpPr>
+        <p:cNvPr id="1" name=""/>
+        <p:cNvGrpSpPr/>
+        <p:nvPr/>
+      </p:nvGrpSpPr>
+      <p:grpSpPr>
+        <a:xfrm>
+          <a:off x="0" y="0"/>
+          <a:ext cx="0" cy="0"/>
+          <a:chOff x="0" y="0"/>
+          <a:chExt cx="0" cy="0"/>
+        </a:xfrm>
+      </p:grpSpPr>
+      <p:sp>
+        <p:nvSpPr>
+          <p:cNvPr id="3" name="标题 2"/>
+          <p:cNvSpPr>
+            <a:spLocks noGrp="1"/>
+          </p:cNvSpPr>
+          <p:nvPr>
+            <p:ph type="title"/>
+          </p:nvPr>
+        </p:nvSpPr>
+        <p:spPr/>
+        <p:txBody>
+          <a:bodyPr/>
+          <a:lstStyle/>
+          <a:p>
+            <a:r>
+              <a:rPr lang="en-US" altLang="zh-CN" dirty="0" err="1"/>
+              <a:t>linux</a:t>
+            </a:r>
+            <a:r>
+              <a:rPr lang="zh-CN" altLang="en-US" dirty="0"/>
+              <a:t>监控工具</a:t>
+            </a:r>
+            <a:r>
+              <a:rPr lang="en-US" altLang="zh-CN" dirty="0"/>
+              <a:t>nmon</a:t>
+            </a:r>
+            <a:endParaRPr lang="zh-CN" altLang="en-US" dirty="0"/>
+          </a:p>
+        </p:txBody>
+      </p:sp>
+      <p:sp>
+        <p:nvSpPr>
+          <p:cNvPr id="9" name="内容占位符 1"/>
+          <p:cNvSpPr>
+            <a:spLocks noGrp="1"/>
+          </p:cNvSpPr>
+          <p:nvPr>
+            <p:ph idx="1"/>
+          </p:nvPr>
+        </p:nvSpPr>
+        <p:spPr>
+          <a:xfrm>
+            <a:off x="467544" y="1268760"/>
+            <a:ext cx="8229600" cy="5328592"/>
+          </a:xfrm>
+        </p:spPr>
+        <p:txBody>
+          <a:bodyPr>
+            <a:normAutofit/>
+          </a:bodyPr>
+          <a:lstStyle/>
+          <a:p>
+            <a:r>
+              <a:rPr lang="en-US" altLang="zh-CN" dirty="0"/>
+              <a:t>nmon analyser </a:t>
+            </a:r>
+            <a:r>
+              <a:rPr lang="en-US" altLang="zh-CN" dirty="0" smtClean="0"/>
+              <a:t>Sheet</a:t>
+            </a:r>
+          </a:p>
+          <a:p>
+            <a:pPr marL="0" indent="0">
+              <a:lnSpc>
+                <a:spcPct val="150000"/>
+              </a:lnSpc>
+              <a:spcBef>
+                <a:spcPts val="0"/>
+              </a:spcBef>
+              <a:buNone/>
+            </a:pPr>
+            <a:r>
+              <a:rPr lang="en-US" altLang="zh-CN" sz="2800" dirty="0" err="1"/>
+              <a:t>DGBUSY</a:t>
+            </a:r>
+            <a:r>
+              <a:rPr lang="en-US" altLang="zh-CN" sz="2800" dirty="0"/>
+              <a:t> </a:t>
+            </a:r>
+            <a:r>
+              <a:rPr lang="zh-CN" altLang="en-US" sz="2800" dirty="0"/>
+              <a:t>磁盘组每个</a:t>
+            </a:r>
+            <a:r>
+              <a:rPr lang="en-US" altLang="zh-CN" sz="2800" dirty="0" err="1"/>
+              <a:t>hdisk</a:t>
+            </a:r>
+            <a:r>
+              <a:rPr lang="zh-CN" altLang="en-US" sz="2800" dirty="0"/>
+              <a:t>设备平均占用情况</a:t>
+            </a:r>
+          </a:p>
+          <a:p>
+            <a:pPr marL="0" indent="0">
+              <a:lnSpc>
+                <a:spcPct val="150000"/>
+              </a:lnSpc>
+              <a:spcBef>
+                <a:spcPts val="0"/>
+              </a:spcBef>
+              <a:buNone/>
+            </a:pPr>
+            <a:r>
+              <a:rPr lang="en-US" altLang="zh-CN" sz="2800" dirty="0" err="1"/>
+              <a:t>DGREAD</a:t>
+            </a:r>
+            <a:r>
+              <a:rPr lang="en-US" altLang="zh-CN" sz="2800" dirty="0"/>
+              <a:t> </a:t>
+            </a:r>
+            <a:r>
+              <a:rPr lang="zh-CN" altLang="en-US" sz="2800" dirty="0"/>
+              <a:t>每个磁盘组的平均读情况</a:t>
+            </a:r>
+          </a:p>
+          <a:p>
+            <a:pPr marL="0" indent="0">
+              <a:lnSpc>
+                <a:spcPct val="150000"/>
+              </a:lnSpc>
+              <a:spcBef>
+                <a:spcPts val="0"/>
+              </a:spcBef>
+              <a:buNone/>
+            </a:pPr>
+            <a:r>
+              <a:rPr lang="en-US" altLang="zh-CN" sz="2800" dirty="0" err="1"/>
+              <a:t>DGSIZE</a:t>
+            </a:r>
+            <a:r>
+              <a:rPr lang="en-US" altLang="zh-CN" sz="2800" dirty="0"/>
+              <a:t> </a:t>
+            </a:r>
+            <a:r>
+              <a:rPr lang="zh-CN" altLang="en-US" sz="2800" dirty="0"/>
+              <a:t>每个磁盘组的平均读写情况（块大小）</a:t>
+            </a:r>
+          </a:p>
+          <a:p>
+            <a:pPr marL="0" indent="0">
+              <a:lnSpc>
+                <a:spcPct val="150000"/>
+              </a:lnSpc>
+              <a:spcBef>
+                <a:spcPts val="0"/>
+              </a:spcBef>
+              <a:buNone/>
+            </a:pPr>
+            <a:r>
+              <a:rPr lang="en-US" altLang="zh-CN" sz="2800" dirty="0" err="1"/>
+              <a:t>DGWRITE</a:t>
+            </a:r>
+            <a:r>
+              <a:rPr lang="en-US" altLang="zh-CN" sz="2800" dirty="0"/>
+              <a:t> </a:t>
+            </a:r>
+            <a:r>
+              <a:rPr lang="zh-CN" altLang="en-US" sz="2800" dirty="0"/>
+              <a:t>每个磁盘组的平均写情况</a:t>
+            </a:r>
+          </a:p>
+          <a:p>
+            <a:pPr marL="0" indent="0">
+              <a:lnSpc>
+                <a:spcPct val="150000"/>
+              </a:lnSpc>
+              <a:spcBef>
+                <a:spcPts val="0"/>
+              </a:spcBef>
+              <a:buNone/>
+            </a:pPr>
+            <a:r>
+              <a:rPr lang="en-US" altLang="zh-CN" sz="2800" dirty="0" err="1"/>
+              <a:t>DGXFER</a:t>
+            </a:r>
+            <a:r>
+              <a:rPr lang="en-US" altLang="zh-CN" sz="2800" dirty="0"/>
+              <a:t> </a:t>
+            </a:r>
+            <a:r>
+              <a:rPr lang="zh-CN" altLang="en-US" sz="2800" dirty="0"/>
+              <a:t>每个磁盘组的</a:t>
+            </a:r>
+            <a:r>
+              <a:rPr lang="en-US" altLang="zh-CN" sz="2800" dirty="0"/>
+              <a:t>I/O</a:t>
+            </a:r>
+            <a:r>
+              <a:rPr lang="zh-CN" altLang="en-US" sz="2800" dirty="0"/>
+              <a:t>每秒操作</a:t>
+            </a:r>
+            <a:endParaRPr lang="en-US" altLang="zh-CN" sz="2800" dirty="0"/>
+          </a:p>
+          <a:p>
+            <a:pPr marL="0" indent="0">
+              <a:lnSpc>
+                <a:spcPct val="150000"/>
+              </a:lnSpc>
+              <a:spcBef>
+                <a:spcPts val="0"/>
+              </a:spcBef>
+              <a:buNone/>
+            </a:pPr>
+            <a:r>
+              <a:rPr lang="en-US" altLang="zh-CN" sz="2800" dirty="0" err="1"/>
+              <a:t>MEM</a:t>
+            </a:r>
+            <a:r>
+              <a:rPr lang="en-US" altLang="zh-CN" sz="2800" dirty="0"/>
+              <a:t> </a:t>
+            </a:r>
+            <a:r>
+              <a:rPr lang="zh-CN" altLang="en-US" sz="2800" dirty="0"/>
+              <a:t>内存相关的主要信息，使用、空闲内存大小等</a:t>
+            </a:r>
+            <a:endParaRPr lang="en-US" altLang="zh-CN" sz="2800" dirty="0"/>
+          </a:p>
+        </p:txBody>
+      </p:sp>
+    </p:spTree>
+    <p:extLst>
+      <p:ext uri="{BB962C8B-B14F-4D97-AF65-F5344CB8AC3E}">
+        <p14:creationId xmlns:p14="http://schemas.microsoft.com/office/powerpoint/2010/main" val="837534190"/>
+      </p:ext>
+    </p:extLst>
+  </p:cSld>
+  <p:clrMapOvr>
+    <a:masterClrMapping/>
+  </p:clrMapOvr>
+</p:sld>
+</file>
+
+<file path=ppt/slides/slide28.xml><?xml version="1.0" encoding="utf-8"?>
+<p:sld xmlns:a="http://schemas.openxmlformats.org/drawingml/2006/main" xmlns:r="http://schemas.openxmlformats.org/officeDocument/2006/relationships" xmlns:p="http://schemas.openxmlformats.org/presentationml/2006/main">
+  <p:cSld>
+    <p:spTree>
+      <p:nvGrpSpPr>
+        <p:cNvPr id="1" name=""/>
+        <p:cNvGrpSpPr/>
+        <p:nvPr/>
+      </p:nvGrpSpPr>
+      <p:grpSpPr>
+        <a:xfrm>
+          <a:off x="0" y="0"/>
+          <a:ext cx="0" cy="0"/>
+          <a:chOff x="0" y="0"/>
+          <a:chExt cx="0" cy="0"/>
+        </a:xfrm>
+      </p:grpSpPr>
+      <p:sp>
+        <p:nvSpPr>
+          <p:cNvPr id="2" name="内容占位符 1"/>
+          <p:cNvSpPr>
+            <a:spLocks noGrp="1"/>
+          </p:cNvSpPr>
+          <p:nvPr>
+            <p:ph idx="1"/>
+          </p:nvPr>
+        </p:nvSpPr>
+        <p:spPr/>
+        <p:txBody>
+          <a:bodyPr/>
+          <a:lstStyle/>
+          <a:p>
+            <a:pPr marL="0" indent="0">
+              <a:lnSpc>
+                <a:spcPct val="150000"/>
+              </a:lnSpc>
+              <a:buNone/>
+            </a:pPr>
+            <a:r>
+              <a:rPr lang="en-US" altLang="zh-CN" dirty="0" smtClean="0"/>
+              <a:t>crontab</a:t>
+            </a:r>
+          </a:p>
+          <a:p>
+            <a:pPr marL="400050" lvl="1" indent="0">
+              <a:lnSpc>
+                <a:spcPct val="150000"/>
+              </a:lnSpc>
+              <a:buNone/>
+            </a:pPr>
+            <a:r>
+              <a:rPr lang="en-US" altLang="zh-CN" dirty="0" err="1" smtClean="0"/>
+              <a:t>linux</a:t>
+            </a:r>
+            <a:r>
+              <a:rPr lang="zh-CN" altLang="en-US" dirty="0" smtClean="0"/>
+              <a:t>系统是由</a:t>
+            </a:r>
+            <a:r>
+              <a:rPr lang="en-US" altLang="zh-CN" dirty="0" err="1" smtClean="0"/>
+              <a:t>cron</a:t>
+            </a:r>
+            <a:r>
+              <a:rPr lang="zh-CN" altLang="en-US" dirty="0" smtClean="0"/>
+              <a:t>这个系统服务来控制的。</a:t>
+            </a:r>
+            <a:r>
+              <a:rPr lang="en-US" altLang="zh-CN" dirty="0" smtClean="0"/>
+              <a:t>Linux</a:t>
+            </a:r>
+            <a:r>
+              <a:rPr lang="zh-CN" altLang="en-US" dirty="0" smtClean="0"/>
+              <a:t>系统上包含很多的计划性工作。使用者自己也可以设置计划任务，所以</a:t>
+            </a:r>
+            <a:r>
+              <a:rPr lang="en-US" altLang="zh-CN" dirty="0" smtClean="0"/>
+              <a:t>Linux</a:t>
+            </a:r>
+            <a:r>
+              <a:rPr lang="zh-CN" altLang="en-US" dirty="0" smtClean="0"/>
+              <a:t>系统提供了使用者控制计划任务的命令。</a:t>
+            </a:r>
+            <a:endParaRPr lang="zh-CN" altLang="en-US" dirty="0"/>
+          </a:p>
+        </p:txBody>
+      </p:sp>
+      <p:sp>
+        <p:nvSpPr>
+          <p:cNvPr id="3" name="标题 2"/>
+          <p:cNvSpPr>
+            <a:spLocks noGrp="1"/>
+          </p:cNvSpPr>
+          <p:nvPr>
+            <p:ph type="title"/>
+          </p:nvPr>
+        </p:nvSpPr>
+        <p:spPr/>
+        <p:txBody>
+          <a:bodyPr/>
+          <a:lstStyle/>
+          <a:p>
+            <a:r>
+              <a:rPr lang="en-US" altLang="zh-CN" dirty="0" err="1" smtClean="0"/>
+              <a:t>linux</a:t>
+            </a:r>
+            <a:r>
+              <a:rPr lang="zh-CN" altLang="en-US" dirty="0" smtClean="0"/>
+              <a:t>定时任务</a:t>
+            </a:r>
+            <a:endParaRPr lang="zh-CN" altLang="en-US" dirty="0"/>
+          </a:p>
+        </p:txBody>
+      </p:sp>
+    </p:spTree>
+    <p:extLst>
+      <p:ext uri="{BB962C8B-B14F-4D97-AF65-F5344CB8AC3E}">
+        <p14:creationId xmlns:p14="http://schemas.microsoft.com/office/powerpoint/2010/main" val="3654391641"/>
+      </p:ext>
+    </p:extLst>
+  </p:cSld>
+  <p:clrMapOvr>
+    <a:masterClrMapping/>
+  </p:clrMapOvr>
+</p:sld>
+</file>
+
+<file path=ppt/slides/slide29.xml><?xml version="1.0" encoding="utf-8"?>
+<p:sld xmlns:a="http://schemas.openxmlformats.org/drawingml/2006/main" xmlns:r="http://schemas.openxmlformats.org/officeDocument/2006/relationships" xmlns:p="http://schemas.openxmlformats.org/presentationml/2006/main">
+  <p:cSld>
+    <p:spTree>
+      <p:nvGrpSpPr>
+        <p:cNvPr id="1" name=""/>
+        <p:cNvGrpSpPr/>
+        <p:nvPr/>
+      </p:nvGrpSpPr>
+      <p:grpSpPr>
+        <a:xfrm>
+          <a:off x="0" y="0"/>
+          <a:ext cx="0" cy="0"/>
+          <a:chOff x="0" y="0"/>
+          <a:chExt cx="0" cy="0"/>
+        </a:xfrm>
+      </p:grpSpPr>
+      <p:sp>
+        <p:nvSpPr>
+          <p:cNvPr id="2" name="内容占位符 1"/>
+          <p:cNvSpPr>
+            <a:spLocks noGrp="1"/>
+          </p:cNvSpPr>
+          <p:nvPr>
+            <p:ph idx="1"/>
+          </p:nvPr>
+        </p:nvSpPr>
+        <p:spPr>
+          <a:xfrm>
+            <a:off x="276672" y="1340768"/>
+            <a:ext cx="8867328" cy="4525963"/>
+          </a:xfrm>
+        </p:spPr>
+        <p:txBody>
+          <a:bodyPr/>
+          <a:lstStyle/>
+          <a:p>
+            <a:pPr>
+              <a:lnSpc>
+                <a:spcPct val="150000"/>
+              </a:lnSpc>
+            </a:pPr>
+            <a:r>
+              <a:rPr lang="en-US" altLang="zh-CN" dirty="0" smtClean="0"/>
+              <a:t>crontab</a:t>
+            </a:r>
+            <a:r>
+              <a:rPr lang="zh-CN" altLang="en-US" dirty="0" smtClean="0"/>
+              <a:t>的启动</a:t>
+            </a:r>
+            <a:endParaRPr lang="en-US" altLang="zh-CN" dirty="0" smtClean="0"/>
+          </a:p>
+          <a:p>
+            <a:pPr lvl="1">
+              <a:lnSpc>
+                <a:spcPct val="150000"/>
+              </a:lnSpc>
+            </a:pPr>
+            <a:r>
+              <a:rPr lang="en-US" altLang="zh-CN" dirty="0" smtClean="0"/>
+              <a:t>/</a:t>
+            </a:r>
+            <a:r>
+              <a:rPr lang="en-US" altLang="zh-CN" dirty="0" err="1" smtClean="0"/>
+              <a:t>sbin</a:t>
+            </a:r>
+            <a:r>
+              <a:rPr lang="en-US" altLang="zh-CN" dirty="0" smtClean="0"/>
+              <a:t>/service </a:t>
+            </a:r>
+            <a:r>
+              <a:rPr lang="en-US" altLang="zh-CN" dirty="0" err="1" smtClean="0"/>
+              <a:t>crond</a:t>
+            </a:r>
+            <a:r>
+              <a:rPr lang="en-US" altLang="zh-CN" dirty="0" smtClean="0"/>
+              <a:t> status </a:t>
+            </a:r>
+            <a:r>
+              <a:rPr lang="zh-CN" altLang="en-US" dirty="0" smtClean="0"/>
+              <a:t>查看定时任务的服务是否启动</a:t>
+            </a:r>
+            <a:endParaRPr lang="en-US" altLang="zh-CN" dirty="0" smtClean="0"/>
+          </a:p>
+          <a:p>
+            <a:pPr lvl="1">
+              <a:lnSpc>
+                <a:spcPct val="150000"/>
+              </a:lnSpc>
+            </a:pPr>
+            <a:r>
+              <a:rPr lang="en-US" altLang="zh-CN" dirty="0" smtClean="0"/>
+              <a:t>start /stop/restart </a:t>
+            </a:r>
+            <a:r>
+              <a:rPr lang="zh-CN" altLang="en-US" dirty="0" smtClean="0"/>
+              <a:t>启动服务</a:t>
+            </a:r>
+            <a:r>
+              <a:rPr lang="en-US" altLang="zh-CN" dirty="0" smtClean="0"/>
+              <a:t>/</a:t>
+            </a:r>
+            <a:r>
+              <a:rPr lang="zh-CN" altLang="en-US" dirty="0" smtClean="0"/>
+              <a:t>停止服务</a:t>
+            </a:r>
+            <a:r>
+              <a:rPr lang="en-US" altLang="zh-CN" dirty="0" smtClean="0"/>
+              <a:t>/</a:t>
+            </a:r>
+            <a:r>
+              <a:rPr lang="zh-CN" altLang="en-US" dirty="0" smtClean="0"/>
+              <a:t>重新启动服务</a:t>
+            </a:r>
+            <a:endParaRPr lang="en-US" altLang="zh-CN" dirty="0" smtClean="0"/>
+          </a:p>
+          <a:p>
+            <a:pPr lvl="1">
+              <a:lnSpc>
+                <a:spcPct val="150000"/>
+              </a:lnSpc>
+            </a:pPr>
+            <a:r>
+              <a:rPr lang="en-US" altLang="zh-CN" dirty="0" smtClean="0"/>
+              <a:t>reload</a:t>
+            </a:r>
+            <a:r>
+              <a:rPr lang="zh-CN" altLang="en-US" dirty="0" smtClean="0"/>
+              <a:t>重新载入配置</a:t>
+            </a:r>
+            <a:endParaRPr lang="en-US" altLang="zh-CN" dirty="0"/>
+          </a:p>
+        </p:txBody>
+      </p:sp>
+      <p:sp>
+        <p:nvSpPr>
+          <p:cNvPr id="3" name="标题 2"/>
+          <p:cNvSpPr>
+            <a:spLocks noGrp="1"/>
+          </p:cNvSpPr>
+          <p:nvPr>
+            <p:ph type="title"/>
+          </p:nvPr>
+        </p:nvSpPr>
+        <p:spPr/>
+        <p:txBody>
+          <a:bodyPr/>
+          <a:lstStyle/>
+          <a:p>
+            <a:r>
+              <a:rPr lang="en-US" altLang="zh-CN" dirty="0" err="1"/>
+              <a:t>linux</a:t>
+            </a:r>
+            <a:r>
+              <a:rPr lang="zh-CN" altLang="en-US" dirty="0"/>
+              <a:t>定时任务</a:t>
+            </a:r>
+          </a:p>
+        </p:txBody>
+      </p:sp>
+    </p:spTree>
+    <p:extLst>
+      <p:ext uri="{BB962C8B-B14F-4D97-AF65-F5344CB8AC3E}">
+        <p14:creationId xmlns:p14="http://schemas.microsoft.com/office/powerpoint/2010/main" val="459949270"/>
+      </p:ext>
+    </p:extLst>
+  </p:cSld>
+  <p:clrMapOvr>
+    <a:masterClrMapping/>
+  </p:clrMapOvr>
+</p:sld>
+</file>
+
+<file path=ppt/slides/slide3.xml><?xml version="1.0" encoding="utf-8"?>
+<p:sld xmlns:a="http://schemas.openxmlformats.org/drawingml/2006/main" xmlns:r="http://schemas.openxmlformats.org/officeDocument/2006/relationships" xmlns:p="http://schemas.openxmlformats.org/presentationml/2006/main">
+  <p:cSld>
+    <p:spTree>
+      <p:nvGrpSpPr>
+        <p:cNvPr id="1" name=""/>
+        <p:cNvGrpSpPr/>
+        <p:nvPr/>
+      </p:nvGrpSpPr>
+      <p:grpSpPr>
+        <a:xfrm>
+          <a:off x="0" y="0"/>
+          <a:ext cx="0" cy="0"/>
+          <a:chOff x="0" y="0"/>
+          <a:chExt cx="0" cy="0"/>
+        </a:xfrm>
+      </p:grpSpPr>
+      <p:sp>
+        <p:nvSpPr>
+          <p:cNvPr id="2" name="内容占位符 1"/>
+          <p:cNvSpPr>
+            <a:spLocks noGrp="1"/>
+          </p:cNvSpPr>
+          <p:nvPr>
+            <p:ph idx="1"/>
+          </p:nvPr>
+        </p:nvSpPr>
+        <p:spPr>
+          <a:xfrm>
+            <a:off x="457200" y="1600200"/>
+            <a:ext cx="8579296" cy="4525963"/>
+          </a:xfrm>
+        </p:spPr>
+        <p:txBody>
           <a:bodyPr/>
           <a:lstStyle/>
           <a:p>
@@ -7257,7 +11686,1004 @@
 </p:sld>
 </file>
 
-<file path=ppt/slides/slide3.xml><?xml version="1.0" encoding="utf-8"?>
+<file path=ppt/slides/slide30.xml><?xml version="1.0" encoding="utf-8"?>
+<p:sld xmlns:a="http://schemas.openxmlformats.org/drawingml/2006/main" xmlns:r="http://schemas.openxmlformats.org/officeDocument/2006/relationships" xmlns:p="http://schemas.openxmlformats.org/presentationml/2006/main">
+  <p:cSld>
+    <p:spTree>
+      <p:nvGrpSpPr>
+        <p:cNvPr id="1" name=""/>
+        <p:cNvGrpSpPr/>
+        <p:nvPr/>
+      </p:nvGrpSpPr>
+      <p:grpSpPr>
+        <a:xfrm>
+          <a:off x="0" y="0"/>
+          <a:ext cx="0" cy="0"/>
+          <a:chOff x="0" y="0"/>
+          <a:chExt cx="0" cy="0"/>
+        </a:xfrm>
+      </p:grpSpPr>
+      <p:sp>
+        <p:nvSpPr>
+          <p:cNvPr id="2" name="内容占位符 1"/>
+          <p:cNvSpPr>
+            <a:spLocks noGrp="1"/>
+          </p:cNvSpPr>
+          <p:nvPr>
+            <p:ph idx="1"/>
+          </p:nvPr>
+        </p:nvSpPr>
+        <p:spPr>
+          <a:xfrm>
+            <a:off x="221499" y="980728"/>
+            <a:ext cx="8928992" cy="5328592"/>
+          </a:xfrm>
+        </p:spPr>
+        <p:txBody>
+          <a:bodyPr>
+            <a:normAutofit/>
+          </a:bodyPr>
+          <a:lstStyle/>
+          <a:p>
+            <a:r>
+              <a:rPr lang="en-US" altLang="zh-CN" dirty="0"/>
+              <a:t>crontab</a:t>
+            </a:r>
+            <a:r>
+              <a:rPr lang="zh-CN" altLang="en-US" dirty="0" smtClean="0"/>
+              <a:t>的服务权限</a:t>
+            </a:r>
+            <a:endParaRPr lang="en-US" altLang="zh-CN" dirty="0" smtClean="0"/>
+          </a:p>
+          <a:p>
+            <a:pPr lvl="1">
+              <a:lnSpc>
+                <a:spcPct val="150000"/>
+              </a:lnSpc>
+            </a:pPr>
+            <a:r>
+              <a:rPr lang="en-US" altLang="zh-CN" dirty="0"/>
+              <a:t>crontab</a:t>
+            </a:r>
+            <a:r>
+              <a:rPr lang="zh-CN" altLang="en-US" dirty="0"/>
+              <a:t>的权限管理存储在</a:t>
+            </a:r>
+            <a:r>
+              <a:rPr lang="en-US" altLang="zh-CN" dirty="0" err="1"/>
+              <a:t>cron.allow</a:t>
+            </a:r>
+            <a:r>
+              <a:rPr lang="zh-CN" altLang="en-US" dirty="0"/>
+              <a:t>文件和</a:t>
+            </a:r>
+            <a:r>
+              <a:rPr lang="en-US" altLang="zh-CN" dirty="0" err="1" smtClean="0"/>
+              <a:t>cron.deny</a:t>
+            </a:r>
+            <a:endParaRPr lang="en-US" altLang="zh-CN" dirty="0" smtClean="0"/>
+          </a:p>
+          <a:p>
+            <a:pPr marL="457200" lvl="1" indent="0">
+              <a:lnSpc>
+                <a:spcPct val="150000"/>
+              </a:lnSpc>
+              <a:buNone/>
+            </a:pPr>
+            <a:r>
+              <a:rPr lang="en-US" altLang="zh-CN" dirty="0"/>
+              <a:t>	</a:t>
+            </a:r>
+            <a:r>
+              <a:rPr lang="zh-CN" altLang="en-US" dirty="0" smtClean="0"/>
+              <a:t>文件</a:t>
+            </a:r>
+            <a:r>
+              <a:rPr lang="zh-CN" altLang="en-US" dirty="0"/>
+              <a:t>中，如果没有可在</a:t>
+            </a:r>
+            <a:r>
+              <a:rPr lang="en-US" altLang="zh-CN" dirty="0" err="1"/>
+              <a:t>etc</a:t>
+            </a:r>
+            <a:r>
+              <a:rPr lang="zh-CN" altLang="en-US" dirty="0"/>
+              <a:t>目录下创建</a:t>
+            </a:r>
+            <a:endParaRPr lang="en-US" altLang="zh-CN" dirty="0"/>
+          </a:p>
+          <a:p>
+            <a:pPr lvl="1">
+              <a:lnSpc>
+                <a:spcPct val="150000"/>
+              </a:lnSpc>
+            </a:pPr>
+            <a:r>
+              <a:rPr lang="en-US" altLang="zh-CN" dirty="0" err="1"/>
+              <a:t>cron.allow</a:t>
+            </a:r>
+            <a:r>
+              <a:rPr lang="zh-CN" altLang="en-US" dirty="0"/>
+              <a:t>文件存储的是允许哪些用户使用</a:t>
+            </a:r>
+            <a:r>
+              <a:rPr lang="en-US" altLang="zh-CN" dirty="0"/>
+              <a:t>crontab</a:t>
+            </a:r>
+          </a:p>
+          <a:p>
+            <a:pPr lvl="1">
+              <a:lnSpc>
+                <a:spcPct val="150000"/>
+              </a:lnSpc>
+            </a:pPr>
+            <a:r>
+              <a:rPr lang="en-US" altLang="zh-CN" dirty="0" err="1"/>
+              <a:t>cron.deny</a:t>
+            </a:r>
+            <a:r>
+              <a:rPr lang="zh-CN" altLang="en-US" dirty="0"/>
+              <a:t>文件存储的是不允许哪些用户使用</a:t>
+            </a:r>
+            <a:r>
+              <a:rPr lang="en-US" altLang="zh-CN" dirty="0"/>
+              <a:t>crontab</a:t>
+            </a:r>
+          </a:p>
+          <a:p>
+            <a:endParaRPr lang="en-US" altLang="zh-CN" dirty="0"/>
+          </a:p>
+        </p:txBody>
+      </p:sp>
+      <p:sp>
+        <p:nvSpPr>
+          <p:cNvPr id="3" name="标题 2"/>
+          <p:cNvSpPr>
+            <a:spLocks noGrp="1"/>
+          </p:cNvSpPr>
+          <p:nvPr>
+            <p:ph type="title"/>
+          </p:nvPr>
+        </p:nvSpPr>
+        <p:spPr/>
+        <p:txBody>
+          <a:bodyPr/>
+          <a:lstStyle/>
+          <a:p>
+            <a:r>
+              <a:rPr lang="en-US" altLang="zh-CN" dirty="0" err="1"/>
+              <a:t>linux</a:t>
+            </a:r>
+            <a:r>
+              <a:rPr lang="zh-CN" altLang="en-US" dirty="0"/>
+              <a:t>定时任务</a:t>
+            </a:r>
+          </a:p>
+        </p:txBody>
+      </p:sp>
+    </p:spTree>
+    <p:extLst>
+      <p:ext uri="{BB962C8B-B14F-4D97-AF65-F5344CB8AC3E}">
+        <p14:creationId xmlns:p14="http://schemas.microsoft.com/office/powerpoint/2010/main" val="2551645626"/>
+      </p:ext>
+    </p:extLst>
+  </p:cSld>
+  <p:clrMapOvr>
+    <a:masterClrMapping/>
+  </p:clrMapOvr>
+</p:sld>
+</file>
+
+<file path=ppt/slides/slide31.xml><?xml version="1.0" encoding="utf-8"?>
+<p:sld xmlns:a="http://schemas.openxmlformats.org/drawingml/2006/main" xmlns:r="http://schemas.openxmlformats.org/officeDocument/2006/relationships" xmlns:p="http://schemas.openxmlformats.org/presentationml/2006/main">
+  <p:cSld>
+    <p:spTree>
+      <p:nvGrpSpPr>
+        <p:cNvPr id="1" name=""/>
+        <p:cNvGrpSpPr/>
+        <p:nvPr/>
+      </p:nvGrpSpPr>
+      <p:grpSpPr>
+        <a:xfrm>
+          <a:off x="0" y="0"/>
+          <a:ext cx="0" cy="0"/>
+          <a:chOff x="0" y="0"/>
+          <a:chExt cx="0" cy="0"/>
+        </a:xfrm>
+      </p:grpSpPr>
+      <p:sp>
+        <p:nvSpPr>
+          <p:cNvPr id="2" name="内容占位符 1"/>
+          <p:cNvSpPr>
+            <a:spLocks noGrp="1"/>
+          </p:cNvSpPr>
+          <p:nvPr>
+            <p:ph idx="1"/>
+          </p:nvPr>
+        </p:nvSpPr>
+        <p:spPr>
+          <a:xfrm>
+            <a:off x="251520" y="908720"/>
+            <a:ext cx="8892480" cy="4525963"/>
+          </a:xfrm>
+        </p:spPr>
+        <p:txBody>
+          <a:bodyPr>
+            <a:noAutofit/>
+          </a:bodyPr>
+          <a:lstStyle/>
+          <a:p>
+            <a:pPr>
+              <a:lnSpc>
+                <a:spcPct val="150000"/>
+              </a:lnSpc>
+            </a:pPr>
+            <a:r>
+              <a:rPr lang="en-US" altLang="zh-CN" dirty="0"/>
+              <a:t>crontab</a:t>
+            </a:r>
+            <a:r>
+              <a:rPr lang="zh-CN" altLang="en-US" dirty="0"/>
+              <a:t>的使用场景说明</a:t>
+            </a:r>
+            <a:endParaRPr lang="en-US" altLang="zh-CN" dirty="0"/>
+          </a:p>
+          <a:p>
+            <a:pPr lvl="1">
+              <a:lnSpc>
+                <a:spcPct val="150000"/>
+              </a:lnSpc>
+            </a:pPr>
+            <a:r>
+              <a:rPr lang="zh-CN" altLang="en-US" dirty="0"/>
+              <a:t>当两个文件都不存在时，只允许</a:t>
+            </a:r>
+            <a:r>
+              <a:rPr lang="en-US" altLang="zh-CN" dirty="0"/>
+              <a:t>root</a:t>
+            </a:r>
+            <a:r>
+              <a:rPr lang="zh-CN" altLang="en-US" dirty="0"/>
+              <a:t>用户使用</a:t>
+            </a:r>
+            <a:r>
+              <a:rPr lang="en-US" altLang="zh-CN" dirty="0"/>
+              <a:t>crontab</a:t>
+            </a:r>
+          </a:p>
+          <a:p>
+            <a:pPr lvl="1">
+              <a:lnSpc>
+                <a:spcPct val="150000"/>
+              </a:lnSpc>
+            </a:pPr>
+            <a:r>
+              <a:rPr lang="zh-CN" altLang="en-US" dirty="0"/>
+              <a:t>当</a:t>
+            </a:r>
+            <a:r>
+              <a:rPr lang="en-US" altLang="zh-CN" dirty="0" err="1"/>
+              <a:t>cron.allow</a:t>
+            </a:r>
+            <a:r>
+              <a:rPr lang="zh-CN" altLang="en-US" dirty="0"/>
+              <a:t>文件存在，而</a:t>
+            </a:r>
+            <a:r>
+              <a:rPr lang="en-US" altLang="zh-CN" dirty="0" err="1"/>
+              <a:t>cron.deny</a:t>
+            </a:r>
+            <a:r>
+              <a:rPr lang="zh-CN" altLang="en-US" dirty="0"/>
+              <a:t>文件不存在时，那么只允许</a:t>
+            </a:r>
+            <a:r>
+              <a:rPr lang="en-US" altLang="zh-CN" dirty="0" err="1"/>
+              <a:t>cron.allow</a:t>
+            </a:r>
+            <a:r>
+              <a:rPr lang="zh-CN" altLang="en-US" dirty="0"/>
+              <a:t>文件中的用户使用</a:t>
+            </a:r>
+            <a:r>
+              <a:rPr lang="en-US" altLang="zh-CN" dirty="0"/>
+              <a:t>crontab</a:t>
+            </a:r>
+          </a:p>
+          <a:p>
+            <a:pPr lvl="1">
+              <a:lnSpc>
+                <a:spcPct val="150000"/>
+              </a:lnSpc>
+            </a:pPr>
+            <a:r>
+              <a:rPr lang="zh-CN" altLang="en-US" dirty="0"/>
+              <a:t>如果两个文件都存在时，而一个用户在两个文件中都有，那么以</a:t>
+            </a:r>
+            <a:r>
+              <a:rPr lang="en-US" altLang="zh-CN" dirty="0" err="1"/>
+              <a:t>cron.allow</a:t>
+            </a:r>
+            <a:r>
+              <a:rPr lang="zh-CN" altLang="en-US" dirty="0"/>
+              <a:t>文件为准，只要</a:t>
+            </a:r>
+            <a:r>
+              <a:rPr lang="en-US" altLang="zh-CN" dirty="0" err="1"/>
+              <a:t>cron.allow</a:t>
+            </a:r>
+            <a:r>
+              <a:rPr lang="zh-CN" altLang="en-US" dirty="0"/>
+              <a:t>有该用户，那么该用户就可以使用</a:t>
+            </a:r>
+            <a:r>
+              <a:rPr lang="en-US" altLang="zh-CN" dirty="0"/>
+              <a:t>crontab</a:t>
+            </a:r>
+            <a:endParaRPr lang="zh-CN" altLang="en-US" dirty="0"/>
+          </a:p>
+        </p:txBody>
+      </p:sp>
+      <p:sp>
+        <p:nvSpPr>
+          <p:cNvPr id="3" name="标题 2"/>
+          <p:cNvSpPr>
+            <a:spLocks noGrp="1"/>
+          </p:cNvSpPr>
+          <p:nvPr>
+            <p:ph type="title"/>
+          </p:nvPr>
+        </p:nvSpPr>
+        <p:spPr/>
+        <p:txBody>
+          <a:bodyPr/>
+          <a:lstStyle/>
+          <a:p>
+            <a:r>
+              <a:rPr lang="en-US" altLang="zh-CN" dirty="0" err="1"/>
+              <a:t>linux</a:t>
+            </a:r>
+            <a:r>
+              <a:rPr lang="zh-CN" altLang="en-US" dirty="0"/>
+              <a:t>定时任务</a:t>
+            </a:r>
+          </a:p>
+        </p:txBody>
+      </p:sp>
+    </p:spTree>
+    <p:extLst>
+      <p:ext uri="{BB962C8B-B14F-4D97-AF65-F5344CB8AC3E}">
+        <p14:creationId xmlns:p14="http://schemas.microsoft.com/office/powerpoint/2010/main" val="3299705573"/>
+      </p:ext>
+    </p:extLst>
+  </p:cSld>
+  <p:clrMapOvr>
+    <a:masterClrMapping/>
+  </p:clrMapOvr>
+</p:sld>
+</file>
+
+<file path=ppt/slides/slide32.xml><?xml version="1.0" encoding="utf-8"?>
+<p:sld xmlns:a="http://schemas.openxmlformats.org/drawingml/2006/main" xmlns:r="http://schemas.openxmlformats.org/officeDocument/2006/relationships" xmlns:p="http://schemas.openxmlformats.org/presentationml/2006/main">
+  <p:cSld>
+    <p:spTree>
+      <p:nvGrpSpPr>
+        <p:cNvPr id="1" name=""/>
+        <p:cNvGrpSpPr/>
+        <p:nvPr/>
+      </p:nvGrpSpPr>
+      <p:grpSpPr>
+        <a:xfrm>
+          <a:off x="0" y="0"/>
+          <a:ext cx="0" cy="0"/>
+          <a:chOff x="0" y="0"/>
+          <a:chExt cx="0" cy="0"/>
+        </a:xfrm>
+      </p:grpSpPr>
+      <p:sp>
+        <p:nvSpPr>
+          <p:cNvPr id="2" name="内容占位符 1"/>
+          <p:cNvSpPr>
+            <a:spLocks noGrp="1"/>
+          </p:cNvSpPr>
+          <p:nvPr>
+            <p:ph idx="1"/>
+          </p:nvPr>
+        </p:nvSpPr>
+        <p:spPr>
+          <a:xfrm>
+            <a:off x="457200" y="1600200"/>
+            <a:ext cx="9011344" cy="4525963"/>
+          </a:xfrm>
+        </p:spPr>
+        <p:txBody>
+          <a:bodyPr/>
+          <a:lstStyle/>
+          <a:p>
+            <a:r>
+              <a:rPr lang="en-US" altLang="zh-CN" dirty="0"/>
+              <a:t>crontab</a:t>
+            </a:r>
+            <a:r>
+              <a:rPr lang="zh-CN" altLang="en-US" dirty="0"/>
+              <a:t>的</a:t>
+            </a:r>
+            <a:r>
+              <a:rPr lang="zh-CN" altLang="en-US" dirty="0" smtClean="0"/>
+              <a:t>使用</a:t>
+            </a:r>
+            <a:endParaRPr lang="en-US" altLang="zh-CN" dirty="0" smtClean="0"/>
+          </a:p>
+          <a:p>
+            <a:pPr marL="0" indent="0">
+              <a:buNone/>
+            </a:pPr>
+            <a:r>
+              <a:rPr lang="zh-CN" altLang="en-US" dirty="0" smtClean="0"/>
+              <a:t>命令：</a:t>
+            </a:r>
+            <a:r>
+              <a:rPr lang="en-US" altLang="zh-CN" dirty="0" smtClean="0"/>
+              <a:t>crontab –e </a:t>
+            </a:r>
+            <a:r>
+              <a:rPr lang="zh-CN" altLang="en-US" dirty="0" smtClean="0"/>
+              <a:t>在编辑页面中输入命令即可</a:t>
+            </a:r>
+            <a:endParaRPr lang="en-US" altLang="zh-CN" dirty="0" smtClean="0"/>
+          </a:p>
+          <a:p>
+            <a:r>
+              <a:rPr lang="en-US" altLang="zh-CN" dirty="0"/>
+              <a:t>crontab</a:t>
+            </a:r>
+            <a:r>
+              <a:rPr lang="zh-CN" altLang="en-US" dirty="0"/>
+              <a:t>的编辑</a:t>
+            </a:r>
+            <a:r>
+              <a:rPr lang="zh-CN" altLang="en-US" dirty="0" smtClean="0"/>
+              <a:t>格式</a:t>
+            </a:r>
+            <a:endParaRPr lang="en-US" altLang="zh-CN" dirty="0"/>
+          </a:p>
+          <a:p>
+            <a:pPr marL="0" indent="0">
+              <a:buNone/>
+            </a:pPr>
+            <a:r>
+              <a:rPr lang="zh-CN" altLang="en-US" dirty="0"/>
+              <a:t/>
+            </a:r>
+            <a:br>
+              <a:rPr lang="zh-CN" altLang="en-US" dirty="0"/>
+            </a:br>
+            <a:r>
+              <a:rPr lang="zh-CN" altLang="en-US" dirty="0"/>
+              <a:t>*      * 　 *　  *　  *　　</a:t>
+            </a:r>
+            <a:r>
+              <a:rPr lang="en-US" altLang="zh-CN" dirty="0"/>
+              <a:t>command</a:t>
+            </a:r>
+            <a:br>
+              <a:rPr lang="en-US" altLang="zh-CN" dirty="0"/>
+            </a:br>
+            <a:r>
+              <a:rPr lang="zh-CN" altLang="en-US" dirty="0" smtClean="0"/>
+              <a:t>对应单位：</a:t>
+            </a:r>
+            <a:endParaRPr lang="en-US" altLang="zh-CN" dirty="0" smtClean="0"/>
+          </a:p>
+          <a:p>
+            <a:pPr marL="0" indent="0">
+              <a:buNone/>
+            </a:pPr>
+            <a:r>
+              <a:rPr lang="zh-CN" altLang="en-US" dirty="0" smtClean="0"/>
+              <a:t>分</a:t>
+            </a:r>
+            <a:r>
+              <a:rPr lang="zh-CN" altLang="en-US" dirty="0"/>
+              <a:t>　  时　 日　 月　 周　  命令</a:t>
+            </a:r>
+          </a:p>
+          <a:p>
+            <a:pPr marL="0" indent="0">
+              <a:buNone/>
+            </a:pPr>
+            <a:endParaRPr lang="en-US" altLang="zh-CN" dirty="0"/>
+          </a:p>
+          <a:p>
+            <a:endParaRPr lang="zh-CN" altLang="en-US" dirty="0"/>
+          </a:p>
+        </p:txBody>
+      </p:sp>
+      <p:sp>
+        <p:nvSpPr>
+          <p:cNvPr id="3" name="标题 2"/>
+          <p:cNvSpPr>
+            <a:spLocks noGrp="1"/>
+          </p:cNvSpPr>
+          <p:nvPr>
+            <p:ph type="title"/>
+          </p:nvPr>
+        </p:nvSpPr>
+        <p:spPr/>
+        <p:txBody>
+          <a:bodyPr/>
+          <a:lstStyle/>
+          <a:p>
+            <a:r>
+              <a:rPr lang="en-US" altLang="zh-CN" dirty="0" err="1"/>
+              <a:t>linux</a:t>
+            </a:r>
+            <a:r>
+              <a:rPr lang="zh-CN" altLang="en-US" dirty="0"/>
+              <a:t>定时任务</a:t>
+            </a:r>
+          </a:p>
+        </p:txBody>
+      </p:sp>
+    </p:spTree>
+    <p:extLst>
+      <p:ext uri="{BB962C8B-B14F-4D97-AF65-F5344CB8AC3E}">
+        <p14:creationId xmlns:p14="http://schemas.microsoft.com/office/powerpoint/2010/main" val="338570704"/>
+      </p:ext>
+    </p:extLst>
+  </p:cSld>
+  <p:clrMapOvr>
+    <a:masterClrMapping/>
+  </p:clrMapOvr>
+</p:sld>
+</file>
+
+<file path=ppt/slides/slide33.xml><?xml version="1.0" encoding="utf-8"?>
+<p:sld xmlns:a="http://schemas.openxmlformats.org/drawingml/2006/main" xmlns:r="http://schemas.openxmlformats.org/officeDocument/2006/relationships" xmlns:p="http://schemas.openxmlformats.org/presentationml/2006/main">
+  <p:cSld>
+    <p:spTree>
+      <p:nvGrpSpPr>
+        <p:cNvPr id="1" name=""/>
+        <p:cNvGrpSpPr/>
+        <p:nvPr/>
+      </p:nvGrpSpPr>
+      <p:grpSpPr>
+        <a:xfrm>
+          <a:off x="0" y="0"/>
+          <a:ext cx="0" cy="0"/>
+          <a:chOff x="0" y="0"/>
+          <a:chExt cx="0" cy="0"/>
+        </a:xfrm>
+      </p:grpSpPr>
+      <p:sp>
+        <p:nvSpPr>
+          <p:cNvPr id="2" name="内容占位符 1"/>
+          <p:cNvSpPr>
+            <a:spLocks noGrp="1"/>
+          </p:cNvSpPr>
+          <p:nvPr>
+            <p:ph idx="1"/>
+          </p:nvPr>
+        </p:nvSpPr>
+        <p:spPr/>
+        <p:txBody>
+          <a:bodyPr>
+            <a:normAutofit lnSpcReduction="10000"/>
+          </a:bodyPr>
+          <a:lstStyle/>
+          <a:p>
+            <a:pPr>
+              <a:lnSpc>
+                <a:spcPct val="150000"/>
+              </a:lnSpc>
+              <a:spcBef>
+                <a:spcPts val="0"/>
+              </a:spcBef>
+            </a:pPr>
+            <a:r>
+              <a:rPr lang="en-US" altLang="zh-CN" dirty="0"/>
+              <a:t>crontab</a:t>
+            </a:r>
+            <a:r>
+              <a:rPr lang="zh-CN" altLang="en-US" dirty="0" smtClean="0"/>
+              <a:t>的时间单位说明</a:t>
+            </a:r>
+            <a:endParaRPr lang="en-US" altLang="zh-CN" dirty="0" smtClean="0"/>
+          </a:p>
+          <a:p>
+            <a:pPr lvl="1">
+              <a:lnSpc>
+                <a:spcPct val="150000"/>
+              </a:lnSpc>
+              <a:spcBef>
+                <a:spcPts val="0"/>
+              </a:spcBef>
+            </a:pPr>
+            <a:r>
+              <a:rPr lang="zh-CN" altLang="en-US" dirty="0" smtClean="0"/>
+              <a:t>第</a:t>
+            </a:r>
+            <a:r>
+              <a:rPr lang="en-US" altLang="zh-CN" dirty="0" smtClean="0"/>
+              <a:t>1</a:t>
+            </a:r>
+            <a:r>
+              <a:rPr lang="zh-CN" altLang="en-US" dirty="0" smtClean="0"/>
+              <a:t>列表示分钟</a:t>
+            </a:r>
+            <a:r>
+              <a:rPr lang="en-US" altLang="zh-CN" dirty="0" smtClean="0"/>
+              <a:t>00~59</a:t>
+            </a:r>
+            <a:r>
+              <a:rPr lang="zh-CN" altLang="en-US" dirty="0" smtClean="0"/>
+              <a:t>每分钟用</a:t>
+            </a:r>
+            <a:r>
+              <a:rPr lang="en-US" altLang="zh-CN" dirty="0" smtClean="0"/>
+              <a:t>*</a:t>
+            </a:r>
+            <a:r>
+              <a:rPr lang="zh-CN" altLang="en-US" dirty="0" smtClean="0"/>
+              <a:t>或者</a:t>
+            </a:r>
+            <a:r>
+              <a:rPr lang="en-US" altLang="zh-CN" dirty="0" smtClean="0"/>
+              <a:t>*/1</a:t>
+            </a:r>
+            <a:r>
+              <a:rPr lang="zh-CN" altLang="en-US" dirty="0" smtClean="0"/>
+              <a:t>表示</a:t>
+            </a:r>
+            <a:endParaRPr lang="en-US" altLang="zh-CN" dirty="0" smtClean="0"/>
+          </a:p>
+          <a:p>
+            <a:pPr lvl="1">
+              <a:lnSpc>
+                <a:spcPct val="150000"/>
+              </a:lnSpc>
+              <a:spcBef>
+                <a:spcPts val="0"/>
+              </a:spcBef>
+            </a:pPr>
+            <a:r>
+              <a:rPr lang="zh-CN" altLang="en-US" dirty="0" smtClean="0"/>
+              <a:t>第</a:t>
+            </a:r>
+            <a:r>
+              <a:rPr lang="en-US" altLang="zh-CN" dirty="0" smtClean="0"/>
+              <a:t>2</a:t>
+            </a:r>
+            <a:r>
+              <a:rPr lang="zh-CN" altLang="en-US" dirty="0" smtClean="0"/>
+              <a:t>列表示小时（</a:t>
+            </a:r>
+            <a:r>
+              <a:rPr lang="en-US" altLang="zh-CN" dirty="0" smtClean="0"/>
+              <a:t>0</a:t>
+            </a:r>
+            <a:r>
+              <a:rPr lang="zh-CN" altLang="en-US" dirty="0" smtClean="0"/>
+              <a:t>表示</a:t>
+            </a:r>
+            <a:r>
+              <a:rPr lang="en-US" altLang="zh-CN" dirty="0" smtClean="0"/>
+              <a:t>0</a:t>
+            </a:r>
+            <a:r>
+              <a:rPr lang="zh-CN" altLang="en-US" dirty="0" smtClean="0"/>
+              <a:t>点）</a:t>
+            </a:r>
+            <a:endParaRPr lang="en-US" altLang="zh-CN" dirty="0" smtClean="0"/>
+          </a:p>
+          <a:p>
+            <a:pPr lvl="1">
+              <a:lnSpc>
+                <a:spcPct val="150000"/>
+              </a:lnSpc>
+              <a:spcBef>
+                <a:spcPts val="0"/>
+              </a:spcBef>
+            </a:pPr>
+            <a:r>
+              <a:rPr lang="zh-CN" altLang="en-US" dirty="0" smtClean="0"/>
+              <a:t>第</a:t>
+            </a:r>
+            <a:r>
+              <a:rPr lang="en-US" altLang="zh-CN" dirty="0" smtClean="0"/>
+              <a:t>3</a:t>
+            </a:r>
+            <a:r>
+              <a:rPr lang="zh-CN" altLang="en-US" dirty="0" smtClean="0"/>
+              <a:t>列表示日期</a:t>
+            </a:r>
+            <a:r>
+              <a:rPr lang="en-US" altLang="zh-CN" dirty="0" smtClean="0"/>
+              <a:t>01~31</a:t>
+            </a:r>
+          </a:p>
+          <a:p>
+            <a:pPr lvl="1">
+              <a:lnSpc>
+                <a:spcPct val="150000"/>
+              </a:lnSpc>
+              <a:spcBef>
+                <a:spcPts val="0"/>
+              </a:spcBef>
+            </a:pPr>
+            <a:r>
+              <a:rPr lang="zh-CN" altLang="en-US" dirty="0" smtClean="0"/>
+              <a:t>第</a:t>
+            </a:r>
+            <a:r>
+              <a:rPr lang="en-US" altLang="zh-CN" dirty="0" smtClean="0"/>
+              <a:t>4</a:t>
+            </a:r>
+            <a:r>
+              <a:rPr lang="zh-CN" altLang="en-US" dirty="0" smtClean="0"/>
+              <a:t>列表示月份</a:t>
+            </a:r>
+            <a:r>
+              <a:rPr lang="en-US" altLang="zh-CN" dirty="0" smtClean="0"/>
+              <a:t>01~12</a:t>
+            </a:r>
+          </a:p>
+          <a:p>
+            <a:pPr lvl="1">
+              <a:lnSpc>
+                <a:spcPct val="150000"/>
+              </a:lnSpc>
+              <a:spcBef>
+                <a:spcPts val="0"/>
+              </a:spcBef>
+            </a:pPr>
+            <a:r>
+              <a:rPr lang="zh-CN" altLang="en-US" dirty="0" smtClean="0"/>
+              <a:t>第</a:t>
+            </a:r>
+            <a:r>
+              <a:rPr lang="en-US" altLang="zh-CN" dirty="0" smtClean="0"/>
+              <a:t>5</a:t>
+            </a:r>
+            <a:r>
+              <a:rPr lang="zh-CN" altLang="en-US" dirty="0" smtClean="0"/>
+              <a:t>列表示星期（</a:t>
+            </a:r>
+            <a:r>
+              <a:rPr lang="en-US" altLang="zh-CN" dirty="0" smtClean="0"/>
+              <a:t>0~6</a:t>
+            </a:r>
+            <a:r>
+              <a:rPr lang="zh-CN" altLang="en-US" dirty="0" smtClean="0"/>
+              <a:t>）</a:t>
+            </a:r>
+            <a:endParaRPr lang="en-US" altLang="zh-CN" dirty="0" smtClean="0"/>
+          </a:p>
+          <a:p>
+            <a:pPr lvl="1">
+              <a:lnSpc>
+                <a:spcPct val="150000"/>
+              </a:lnSpc>
+              <a:spcBef>
+                <a:spcPts val="0"/>
+              </a:spcBef>
+            </a:pPr>
+            <a:r>
+              <a:rPr lang="zh-CN" altLang="en-US" dirty="0" smtClean="0"/>
+              <a:t>第</a:t>
+            </a:r>
+            <a:r>
+              <a:rPr lang="en-US" altLang="zh-CN" dirty="0" smtClean="0"/>
+              <a:t>6</a:t>
+            </a:r>
+            <a:r>
+              <a:rPr lang="zh-CN" altLang="en-US" dirty="0" smtClean="0"/>
+              <a:t>列表示运行的命令</a:t>
+            </a:r>
+            <a:endParaRPr lang="en-US" altLang="zh-CN" dirty="0"/>
+          </a:p>
+          <a:p>
+            <a:endParaRPr lang="zh-CN" altLang="en-US" dirty="0"/>
+          </a:p>
+        </p:txBody>
+      </p:sp>
+      <p:sp>
+        <p:nvSpPr>
+          <p:cNvPr id="3" name="标题 2"/>
+          <p:cNvSpPr>
+            <a:spLocks noGrp="1"/>
+          </p:cNvSpPr>
+          <p:nvPr>
+            <p:ph type="title"/>
+          </p:nvPr>
+        </p:nvSpPr>
+        <p:spPr/>
+        <p:txBody>
+          <a:bodyPr/>
+          <a:lstStyle/>
+          <a:p>
+            <a:r>
+              <a:rPr lang="en-US" altLang="zh-CN" dirty="0" err="1" smtClean="0"/>
+              <a:t>linux</a:t>
+            </a:r>
+            <a:r>
+              <a:rPr lang="zh-CN" altLang="en-US" dirty="0" smtClean="0"/>
+              <a:t>定时任务</a:t>
+            </a:r>
+            <a:endParaRPr lang="zh-CN" altLang="en-US" dirty="0"/>
+          </a:p>
+        </p:txBody>
+      </p:sp>
+    </p:spTree>
+    <p:extLst>
+      <p:ext uri="{BB962C8B-B14F-4D97-AF65-F5344CB8AC3E}">
+        <p14:creationId xmlns:p14="http://schemas.microsoft.com/office/powerpoint/2010/main" val="2477005191"/>
+      </p:ext>
+    </p:extLst>
+  </p:cSld>
+  <p:clrMapOvr>
+    <a:masterClrMapping/>
+  </p:clrMapOvr>
+</p:sld>
+</file>
+
+<file path=ppt/slides/slide34.xml><?xml version="1.0" encoding="utf-8"?>
+<p:sld xmlns:a="http://schemas.openxmlformats.org/drawingml/2006/main" xmlns:r="http://schemas.openxmlformats.org/officeDocument/2006/relationships" xmlns:p="http://schemas.openxmlformats.org/presentationml/2006/main">
+  <p:cSld>
+    <p:spTree>
+      <p:nvGrpSpPr>
+        <p:cNvPr id="1" name=""/>
+        <p:cNvGrpSpPr/>
+        <p:nvPr/>
+      </p:nvGrpSpPr>
+      <p:grpSpPr>
+        <a:xfrm>
+          <a:off x="0" y="0"/>
+          <a:ext cx="0" cy="0"/>
+          <a:chOff x="0" y="0"/>
+          <a:chExt cx="0" cy="0"/>
+        </a:xfrm>
+      </p:grpSpPr>
+      <p:sp>
+        <p:nvSpPr>
+          <p:cNvPr id="2" name="内容占位符 1"/>
+          <p:cNvSpPr>
+            <a:spLocks noGrp="1"/>
+          </p:cNvSpPr>
+          <p:nvPr>
+            <p:ph idx="1"/>
+          </p:nvPr>
+        </p:nvSpPr>
+        <p:spPr/>
+        <p:txBody>
+          <a:bodyPr/>
+          <a:lstStyle/>
+          <a:p>
+            <a:pPr>
+              <a:lnSpc>
+                <a:spcPct val="150000"/>
+              </a:lnSpc>
+            </a:pPr>
+            <a:r>
+              <a:rPr lang="en-US" altLang="zh-CN" dirty="0"/>
+              <a:t>crontab</a:t>
+            </a:r>
+            <a:r>
+              <a:rPr lang="zh-CN" altLang="en-US" dirty="0" smtClean="0"/>
+              <a:t>的符号说明</a:t>
+            </a:r>
+            <a:endParaRPr lang="en-US" altLang="zh-CN" dirty="0" smtClean="0"/>
+          </a:p>
+          <a:p>
+            <a:pPr lvl="1">
+              <a:lnSpc>
+                <a:spcPct val="150000"/>
+              </a:lnSpc>
+              <a:buFont typeface="Wingdings" panose="05000000000000000000" pitchFamily="2" charset="2"/>
+              <a:buChar char="ü"/>
+            </a:pPr>
+            <a:r>
+              <a:rPr lang="zh-CN" altLang="en-US" dirty="0" smtClean="0"/>
+              <a:t>*表示范围内所有值</a:t>
+            </a:r>
+            <a:endParaRPr lang="en-US" altLang="zh-CN" dirty="0" smtClean="0"/>
+          </a:p>
+          <a:p>
+            <a:pPr lvl="1">
+              <a:lnSpc>
+                <a:spcPct val="150000"/>
+              </a:lnSpc>
+              <a:buFont typeface="Wingdings" panose="05000000000000000000" pitchFamily="2" charset="2"/>
+              <a:buChar char="ü"/>
+            </a:pPr>
+            <a:r>
+              <a:rPr lang="en-US" altLang="zh-CN" dirty="0" smtClean="0"/>
+              <a:t>/</a:t>
+            </a:r>
+            <a:r>
+              <a:rPr lang="zh-CN" altLang="en-US" dirty="0" smtClean="0"/>
+              <a:t>代表每隔的意思</a:t>
+            </a:r>
+            <a:endParaRPr lang="en-US" altLang="zh-CN" dirty="0" smtClean="0"/>
+          </a:p>
+          <a:p>
+            <a:pPr lvl="1">
+              <a:lnSpc>
+                <a:spcPct val="150000"/>
+              </a:lnSpc>
+              <a:buFont typeface="Wingdings" panose="05000000000000000000" pitchFamily="2" charset="2"/>
+              <a:buChar char="ü"/>
+            </a:pPr>
+            <a:r>
+              <a:rPr lang="en-US" altLang="zh-CN" dirty="0" smtClean="0"/>
+              <a:t>-</a:t>
+            </a:r>
+            <a:r>
+              <a:rPr lang="zh-CN" altLang="en-US" dirty="0" smtClean="0"/>
+              <a:t>表示数字范围</a:t>
+            </a:r>
+            <a:endParaRPr lang="en-US" altLang="zh-CN" dirty="0" smtClean="0"/>
+          </a:p>
+          <a:p>
+            <a:pPr lvl="1">
+              <a:lnSpc>
+                <a:spcPct val="150000"/>
+              </a:lnSpc>
+              <a:buFont typeface="Wingdings" panose="05000000000000000000" pitchFamily="2" charset="2"/>
+              <a:buChar char="ü"/>
+            </a:pPr>
+            <a:r>
+              <a:rPr lang="en-US" altLang="zh-CN" dirty="0" smtClean="0"/>
+              <a:t>,</a:t>
+            </a:r>
+            <a:r>
+              <a:rPr lang="zh-CN" altLang="en-US" dirty="0" smtClean="0"/>
+              <a:t>分割开几个不同的数字</a:t>
+            </a:r>
+            <a:endParaRPr lang="en-US" altLang="zh-CN" dirty="0"/>
+          </a:p>
+        </p:txBody>
+      </p:sp>
+      <p:sp>
+        <p:nvSpPr>
+          <p:cNvPr id="3" name="标题 2"/>
+          <p:cNvSpPr>
+            <a:spLocks noGrp="1"/>
+          </p:cNvSpPr>
+          <p:nvPr>
+            <p:ph type="title"/>
+          </p:nvPr>
+        </p:nvSpPr>
+        <p:spPr/>
+        <p:txBody>
+          <a:bodyPr/>
+          <a:lstStyle/>
+          <a:p>
+            <a:r>
+              <a:rPr lang="en-US" altLang="zh-CN" dirty="0" err="1"/>
+              <a:t>linux</a:t>
+            </a:r>
+            <a:r>
+              <a:rPr lang="zh-CN" altLang="en-US" dirty="0"/>
+              <a:t>定时任务</a:t>
+            </a:r>
+          </a:p>
+        </p:txBody>
+      </p:sp>
+    </p:spTree>
+    <p:extLst>
+      <p:ext uri="{BB962C8B-B14F-4D97-AF65-F5344CB8AC3E}">
+        <p14:creationId xmlns:p14="http://schemas.microsoft.com/office/powerpoint/2010/main" val="3615399682"/>
+      </p:ext>
+    </p:extLst>
+  </p:cSld>
+  <p:clrMapOvr>
+    <a:masterClrMapping/>
+  </p:clrMapOvr>
+</p:sld>
+</file>
+
+<file path=ppt/slides/slide4.xml><?xml version="1.0" encoding="utf-8"?>
 <p:sld xmlns:a="http://schemas.openxmlformats.org/drawingml/2006/main" xmlns:r="http://schemas.openxmlformats.org/officeDocument/2006/relationships" xmlns:p="http://schemas.openxmlformats.org/presentationml/2006/main">
   <p:cSld>
     <p:spTree>
@@ -7569,7 +12995,7 @@
 </p:sld>
 </file>
 
-<file path=ppt/slides/slide4.xml><?xml version="1.0" encoding="utf-8"?>
+<file path=ppt/slides/slide5.xml><?xml version="1.0" encoding="utf-8"?>
 <p:sld xmlns:a="http://schemas.openxmlformats.org/drawingml/2006/main" xmlns:r="http://schemas.openxmlformats.org/officeDocument/2006/relationships" xmlns:p="http://schemas.openxmlformats.org/presentationml/2006/main">
   <p:cSld>
     <p:spTree>
@@ -7839,7 +13265,7 @@
         </p:xfrm>
         <a:graphic>
           <a:graphicData uri="http://schemas.openxmlformats.org/drawingml/2006/chart">
-            <c:chart xmlns:c="http://schemas.openxmlformats.org/drawingml/2006/chart" xmlns:r="http://schemas.openxmlformats.org/officeDocument/2006/relationships" r:id="rId2"/>
+            <c:chart xmlns:c="http://schemas.openxmlformats.org/drawingml/2006/chart" xmlns:r="http://schemas.openxmlformats.org/officeDocument/2006/relationships" r:id="rId3"/>
           </a:graphicData>
         </a:graphic>
       </p:graphicFrame>
@@ -7847,150 +13273,6 @@
     <p:extLst>
       <p:ext uri="{BB962C8B-B14F-4D97-AF65-F5344CB8AC3E}">
         <p14:creationId xmlns:p14="http://schemas.microsoft.com/office/powerpoint/2010/main" val="4088534046"/>
-      </p:ext>
-    </p:extLst>
-  </p:cSld>
-  <p:clrMapOvr>
-    <a:masterClrMapping/>
-  </p:clrMapOvr>
-  <p:timing>
-    <p:tnLst>
-      <p:par>
-        <p:cTn id="1" dur="indefinite" restart="never" nodeType="tmRoot"/>
-      </p:par>
-    </p:tnLst>
-  </p:timing>
-</p:sld>
-</file>
-
-<file path=ppt/slides/slide5.xml><?xml version="1.0" encoding="utf-8"?>
-<p:sld xmlns:a="http://schemas.openxmlformats.org/drawingml/2006/main" xmlns:r="http://schemas.openxmlformats.org/officeDocument/2006/relationships" xmlns:p="http://schemas.openxmlformats.org/presentationml/2006/main">
-  <p:cSld>
-    <p:spTree>
-      <p:nvGrpSpPr>
-        <p:cNvPr id="1" name=""/>
-        <p:cNvGrpSpPr/>
-        <p:nvPr/>
-      </p:nvGrpSpPr>
-      <p:grpSpPr>
-        <a:xfrm>
-          <a:off x="0" y="0"/>
-          <a:ext cx="0" cy="0"/>
-          <a:chOff x="0" y="0"/>
-          <a:chExt cx="0" cy="0"/>
-        </a:xfrm>
-      </p:grpSpPr>
-      <p:sp>
-        <p:nvSpPr>
-          <p:cNvPr id="2" name="内容占位符 1"/>
-          <p:cNvSpPr>
-            <a:spLocks noGrp="1"/>
-          </p:cNvSpPr>
-          <p:nvPr>
-            <p:ph idx="1"/>
-          </p:nvPr>
-        </p:nvSpPr>
-        <p:spPr>
-          <a:xfrm>
-            <a:off x="467544" y="1268760"/>
-            <a:ext cx="8229600" cy="5069160"/>
-          </a:xfrm>
-        </p:spPr>
-        <p:txBody>
-          <a:bodyPr>
-            <a:normAutofit fontScale="92500" lnSpcReduction="20000"/>
-          </a:bodyPr>
-          <a:lstStyle/>
-          <a:p>
-            <a:pPr>
-              <a:lnSpc>
-                <a:spcPct val="150000"/>
-              </a:lnSpc>
-            </a:pPr>
-            <a:r>
-              <a:rPr lang="zh-CN" altLang="en-US" dirty="0" smtClean="0"/>
-              <a:t>定义</a:t>
-            </a:r>
-            <a:endParaRPr lang="en-US" altLang="zh-CN" dirty="0" smtClean="0"/>
-          </a:p>
-          <a:p>
-            <a:pPr lvl="1">
-              <a:lnSpc>
-                <a:spcPct val="150000"/>
-              </a:lnSpc>
-            </a:pPr>
-            <a:r>
-              <a:rPr lang="zh-CN" altLang="en-US" dirty="0" smtClean="0"/>
-              <a:t>进程是具有一定独立功能的程序关于某个数据集合上的一次运行活动，是系统进行资源分配和调度的一个独立单位。</a:t>
-            </a:r>
-            <a:endParaRPr lang="en-US" altLang="zh-CN" dirty="0" smtClean="0"/>
-          </a:p>
-          <a:p>
-            <a:pPr lvl="1">
-              <a:lnSpc>
-                <a:spcPct val="150000"/>
-              </a:lnSpc>
-            </a:pPr>
-            <a:r>
-              <a:rPr lang="zh-CN" altLang="en-US" dirty="0" smtClean="0"/>
-              <a:t>线程是进程的一个实体，是</a:t>
-            </a:r>
-            <a:r>
-              <a:rPr lang="en-US" altLang="zh-CN" dirty="0" smtClean="0"/>
-              <a:t>CPU</a:t>
-            </a:r>
-            <a:r>
-              <a:rPr lang="zh-CN" altLang="en-US" dirty="0" smtClean="0"/>
-              <a:t>调度和分派的基本单位，它是比进程更小的能够独立运行的基本单位</a:t>
-            </a:r>
-            <a:r>
-              <a:rPr lang="zh-CN" altLang="en-US" dirty="0"/>
-              <a:t>，线程自己基本上不</a:t>
-            </a:r>
-            <a:r>
-              <a:rPr lang="zh-CN" altLang="en-US" dirty="0" smtClean="0"/>
-              <a:t>拥有系统资源，只拥有一点在运行中必不可少的资源，一个线程可以创建和销毁另一个线程。</a:t>
-            </a:r>
-            <a:endParaRPr lang="en-US" altLang="zh-CN" dirty="0" smtClean="0"/>
-          </a:p>
-          <a:p>
-            <a:endParaRPr lang="zh-CN" altLang="en-US" dirty="0"/>
-          </a:p>
-        </p:txBody>
-      </p:sp>
-      <p:sp>
-        <p:nvSpPr>
-          <p:cNvPr id="3" name="标题 2"/>
-          <p:cNvSpPr>
-            <a:spLocks noGrp="1"/>
-          </p:cNvSpPr>
-          <p:nvPr>
-            <p:ph type="title"/>
-          </p:nvPr>
-        </p:nvSpPr>
-        <p:spPr/>
-        <p:txBody>
-          <a:bodyPr>
-            <a:normAutofit/>
-          </a:bodyPr>
-          <a:lstStyle/>
-          <a:p>
-            <a:r>
-              <a:rPr lang="zh-CN" altLang="en-US" dirty="0"/>
-              <a:t>进程与</a:t>
-            </a:r>
-            <a:r>
-              <a:rPr lang="zh-CN" altLang="en-US" dirty="0" smtClean="0"/>
-              <a:t>线程</a:t>
-            </a:r>
-            <a:endParaRPr lang="zh-CN" altLang="en-US" dirty="0"/>
-          </a:p>
-        </p:txBody>
-      </p:sp>
-    </p:spTree>
-    <p:extLst>
-      <p:ext uri="{BB962C8B-B14F-4D97-AF65-F5344CB8AC3E}">
-        <p14:creationId xmlns:p14="http://schemas.microsoft.com/office/powerpoint/2010/main" val="1572971979"/>
       </p:ext>
     </p:extLst>
   </p:cSld>
@@ -8036,96 +13318,76 @@
         </p:nvSpPr>
         <p:spPr>
           <a:xfrm>
-            <a:off x="457200" y="1052736"/>
-            <a:ext cx="8229600" cy="5805264"/>
+            <a:off x="467544" y="1268760"/>
+            <a:ext cx="8229600" cy="5069160"/>
           </a:xfrm>
         </p:spPr>
         <p:txBody>
           <a:bodyPr>
-            <a:normAutofit fontScale="77500" lnSpcReduction="20000"/>
+            <a:normAutofit fontScale="92500" lnSpcReduction="20000"/>
           </a:bodyPr>
           <a:lstStyle/>
           <a:p>
             <a:pPr>
               <a:lnSpc>
-                <a:spcPct val="160000"/>
-              </a:lnSpc>
-            </a:pPr>
-            <a:r>
-              <a:rPr lang="zh-CN" altLang="en-US" dirty="0" smtClean="0"/>
-              <a:t>区别</a:t>
+                <a:spcPct val="150000"/>
+              </a:lnSpc>
+            </a:pPr>
+            <a:r>
+              <a:rPr lang="zh-CN" altLang="en-US" dirty="0" smtClean="0"/>
+              <a:t>定义</a:t>
             </a:r>
             <a:endParaRPr lang="en-US" altLang="zh-CN" dirty="0" smtClean="0"/>
           </a:p>
           <a:p>
             <a:pPr lvl="1">
               <a:lnSpc>
-                <a:spcPct val="160000"/>
+                <a:spcPct val="150000"/>
               </a:lnSpc>
             </a:pPr>
             <a:r>
               <a:rPr lang="zh-CN" altLang="en-US" dirty="0"/>
-              <a:t>一</a:t>
-            </a:r>
-            <a:r>
-              <a:rPr lang="zh-CN" altLang="en-US" dirty="0" smtClean="0"/>
-              <a:t>个线程只能属于一个进程，而一个进程可以拥有多个线程。</a:t>
+              <a:t>进程是具有一定</a:t>
+            </a:r>
+            <a:r>
+              <a:rPr lang="zh-CN" altLang="en-US" dirty="0">
+                <a:solidFill>
+                  <a:srgbClr val="FF0000"/>
+                </a:solidFill>
+              </a:rPr>
+              <a:t>独立功能的程序</a:t>
+            </a:r>
+            <a:r>
+              <a:rPr lang="zh-CN" altLang="en-US" dirty="0"/>
+              <a:t>关于某个数据集合上的一次运行</a:t>
+            </a:r>
+            <a:r>
+              <a:rPr lang="zh-CN" altLang="en-US" dirty="0" smtClean="0"/>
+              <a:t>活动，是系统进行资源分配和调度的一个独立单位。</a:t>
             </a:r>
             <a:endParaRPr lang="en-US" altLang="zh-CN" dirty="0" smtClean="0"/>
           </a:p>
           <a:p>
             <a:pPr lvl="1">
               <a:lnSpc>
-                <a:spcPct val="160000"/>
-              </a:lnSpc>
-            </a:pPr>
-            <a:r>
-              <a:rPr lang="zh-CN" altLang="en-US" dirty="0" smtClean="0"/>
-              <a:t>线程是进程工作的最小单位。</a:t>
-            </a:r>
-            <a:endParaRPr lang="en-US" altLang="zh-CN" dirty="0" smtClean="0"/>
-          </a:p>
-          <a:p>
-            <a:pPr lvl="1">
-              <a:lnSpc>
-                <a:spcPct val="160000"/>
+                <a:spcPct val="150000"/>
               </a:lnSpc>
             </a:pPr>
             <a:r>
               <a:rPr lang="zh-CN" altLang="en-US" dirty="0"/>
-              <a:t>一</a:t>
-            </a:r>
-            <a:r>
-              <a:rPr lang="zh-CN" altLang="en-US" dirty="0" smtClean="0"/>
-              <a:t>个进程会分配一个地址空间，进程与进程之间不共享地址空间，即不共享内存。</a:t>
-            </a:r>
-            <a:endParaRPr lang="en-US" altLang="zh-CN" dirty="0" smtClean="0"/>
-          </a:p>
-          <a:p>
-            <a:pPr lvl="1">
-              <a:lnSpc>
-                <a:spcPct val="160000"/>
-              </a:lnSpc>
-            </a:pPr>
-            <a:r>
-              <a:rPr lang="zh-CN" altLang="en-US" dirty="0"/>
-              <a:t>同一</a:t>
-            </a:r>
-            <a:r>
-              <a:rPr lang="zh-CN" altLang="en-US" dirty="0" smtClean="0"/>
-              <a:t>个进程下的不同的多个线程，共享父进程的地址空间。</a:t>
-            </a:r>
-            <a:endParaRPr lang="en-US" altLang="zh-CN" dirty="0" smtClean="0"/>
-          </a:p>
-          <a:p>
-            <a:pPr lvl="1">
-              <a:lnSpc>
-                <a:spcPct val="160000"/>
-              </a:lnSpc>
-            </a:pPr>
-            <a:r>
-              <a:rPr lang="zh-CN" altLang="en-US" dirty="0" smtClean="0"/>
-              <a:t>线程在执行过程中，需要协作同步。不同进程的线程间要利用</a:t>
+              <a:t>线程</a:t>
+            </a:r>
+            <a:r>
+              <a:rPr lang="zh-CN" altLang="en-US" dirty="0" smtClean="0"/>
+              <a:t>是进程的一个实体，是</a:t>
+            </a:r>
+            <a:r>
+              <a:rPr lang="en-US" altLang="zh-CN" dirty="0" smtClean="0"/>
+              <a:t>CPU</a:t>
+            </a:r>
+            <a:r>
+              <a:rPr lang="zh-CN" altLang="en-US" dirty="0" smtClean="0"/>
+              <a:t>调度和分派的基本单位，它是</a:t>
             </a:r>
             <a:r>
               <a:rPr lang="zh-CN" altLang="en-US" dirty="0" smtClean="0">
@@ -8133,30 +13395,23 @@
                   <a:srgbClr val="FF0000"/>
                 </a:solidFill>
               </a:rPr>
-              <a:t>消息通信</a:t>
-            </a:r>
-            <a:r>
-              <a:rPr lang="zh-CN" altLang="en-US" dirty="0" smtClean="0"/>
-              <a:t>的办法实现同步。</a:t>
+              <a:t>比进程更小的能够独立运行</a:t>
+            </a:r>
+            <a:r>
+              <a:rPr lang="zh-CN" altLang="en-US" dirty="0" smtClean="0"/>
+              <a:t>的基本单位</a:t>
+            </a:r>
+            <a:r>
+              <a:rPr lang="zh-CN" altLang="en-US" dirty="0"/>
+              <a:t>，线程自己基本上不</a:t>
+            </a:r>
+            <a:r>
+              <a:rPr lang="zh-CN" altLang="en-US" dirty="0" smtClean="0"/>
+              <a:t>拥有系统资源，只拥有一点在运行中必不可少的资源，一个线程可以创建和销毁另一个线程。</a:t>
             </a:r>
             <a:endParaRPr lang="en-US" altLang="zh-CN" dirty="0" smtClean="0"/>
           </a:p>
           <a:p>
-            <a:pPr lvl="1">
-              <a:lnSpc>
-                <a:spcPct val="160000"/>
-              </a:lnSpc>
-            </a:pPr>
-            <a:r>
-              <a:rPr lang="zh-CN" altLang="en-US" dirty="0" smtClean="0"/>
-              <a:t>线程作为调度和分配的基本单位，进程作为拥有资源的基本单位。</a:t>
-            </a:r>
-            <a:endParaRPr lang="en-US" altLang="zh-CN" dirty="0" smtClean="0"/>
-          </a:p>
-          <a:p>
-            <a:endParaRPr lang="en-US" altLang="zh-CN" dirty="0" smtClean="0"/>
-          </a:p>
-          <a:p>
             <a:endParaRPr lang="zh-CN" altLang="en-US" dirty="0"/>
           </a:p>
         </p:txBody>
@@ -8173,20 +13428,27 @@
         </p:nvSpPr>
         <p:spPr/>
         <p:txBody>
-          <a:bodyPr/>
+          <a:bodyPr>
+            <a:normAutofit/>
+          </a:bodyPr>
           <a:lstStyle/>
           <a:p>
             <a:r>
               <a:rPr lang="zh-CN" altLang="en-US" dirty="0"/>
-              <a:t>进程与线程</a:t>
-            </a:r>
+              <a:t>进程与</a:t>
+            </a:r>
+            <a:r>
+              <a:rPr lang="zh-CN" altLang="en-US" dirty="0" smtClean="0"/>
+              <a:t>线程</a:t>
+            </a:r>
+            <a:endParaRPr lang="zh-CN" altLang="en-US" dirty="0"/>
           </a:p>
         </p:txBody>
       </p:sp>
     </p:spTree>
     <p:extLst>
       <p:ext uri="{BB962C8B-B14F-4D97-AF65-F5344CB8AC3E}">
-        <p14:creationId xmlns:p14="http://schemas.microsoft.com/office/powerpoint/2010/main" val="2846016387"/>
+        <p14:creationId xmlns:p14="http://schemas.microsoft.com/office/powerpoint/2010/main" val="1572971979"/>
       </p:ext>
     </p:extLst>
   </p:cSld>
@@ -8232,100 +13494,169 @@
         </p:nvSpPr>
         <p:spPr>
           <a:xfrm>
-            <a:off x="251520" y="1124744"/>
-            <a:ext cx="8477653" cy="4525963"/>
+            <a:off x="457200" y="1052736"/>
+            <a:ext cx="8229600" cy="5805264"/>
           </a:xfrm>
         </p:spPr>
         <p:txBody>
+          <a:bodyPr>
+            <a:normAutofit fontScale="77500" lnSpcReduction="20000"/>
+          </a:bodyPr>
+          <a:lstStyle/>
+          <a:p>
+            <a:pPr>
+              <a:lnSpc>
+                <a:spcPct val="160000"/>
+              </a:lnSpc>
+            </a:pPr>
+            <a:r>
+              <a:rPr lang="zh-CN" altLang="en-US" dirty="0" smtClean="0"/>
+              <a:t>区别</a:t>
+            </a:r>
+            <a:endParaRPr lang="en-US" altLang="zh-CN" dirty="0" smtClean="0"/>
+          </a:p>
+          <a:p>
+            <a:pPr lvl="1">
+              <a:lnSpc>
+                <a:spcPct val="160000"/>
+              </a:lnSpc>
+            </a:pPr>
+            <a:r>
+              <a:rPr lang="zh-CN" altLang="en-US" dirty="0"/>
+              <a:t>一</a:t>
+            </a:r>
+            <a:r>
+              <a:rPr lang="zh-CN" altLang="en-US" dirty="0" smtClean="0"/>
+              <a:t>个线程只能属于一个进程，而一个进程可以拥有多个线程。</a:t>
+            </a:r>
+            <a:endParaRPr lang="en-US" altLang="zh-CN" dirty="0" smtClean="0"/>
+          </a:p>
+          <a:p>
+            <a:pPr lvl="1">
+              <a:lnSpc>
+                <a:spcPct val="160000"/>
+              </a:lnSpc>
+            </a:pPr>
+            <a:r>
+              <a:rPr lang="zh-CN" altLang="en-US" dirty="0" smtClean="0"/>
+              <a:t>线程是进程工作的最小单位。</a:t>
+            </a:r>
+            <a:endParaRPr lang="en-US" altLang="zh-CN" dirty="0" smtClean="0"/>
+          </a:p>
+          <a:p>
+            <a:pPr lvl="1">
+              <a:lnSpc>
+                <a:spcPct val="160000"/>
+              </a:lnSpc>
+            </a:pPr>
+            <a:r>
+              <a:rPr lang="zh-CN" altLang="en-US" dirty="0"/>
+              <a:t>一</a:t>
+            </a:r>
+            <a:r>
+              <a:rPr lang="zh-CN" altLang="en-US" dirty="0" smtClean="0"/>
+              <a:t>个进程会分配一个地址空间，进程与进程之间不共享地址空间，即</a:t>
+            </a:r>
+            <a:r>
+              <a:rPr lang="zh-CN" altLang="en-US" dirty="0" smtClean="0">
+                <a:solidFill>
+                  <a:srgbClr val="FF0000"/>
+                </a:solidFill>
+              </a:rPr>
+              <a:t>不共享内存</a:t>
+            </a:r>
+            <a:r>
+              <a:rPr lang="zh-CN" altLang="en-US" dirty="0" smtClean="0"/>
+              <a:t>。</a:t>
+            </a:r>
+            <a:endParaRPr lang="en-US" altLang="zh-CN" dirty="0" smtClean="0"/>
+          </a:p>
+          <a:p>
+            <a:pPr lvl="1">
+              <a:lnSpc>
+                <a:spcPct val="160000"/>
+              </a:lnSpc>
+            </a:pPr>
+            <a:r>
+              <a:rPr lang="zh-CN" altLang="en-US" dirty="0"/>
+              <a:t>同一</a:t>
+            </a:r>
+            <a:r>
+              <a:rPr lang="zh-CN" altLang="en-US" dirty="0" smtClean="0"/>
+              <a:t>个进程下的不同的多个线程，共享父进程的地址空间。</a:t>
+            </a:r>
+            <a:endParaRPr lang="en-US" altLang="zh-CN" dirty="0" smtClean="0"/>
+          </a:p>
+          <a:p>
+            <a:pPr lvl="1">
+              <a:lnSpc>
+                <a:spcPct val="160000"/>
+              </a:lnSpc>
+            </a:pPr>
+            <a:r>
+              <a:rPr lang="zh-CN" altLang="en-US" dirty="0" smtClean="0"/>
+              <a:t>线程在执行过程中，需要协作同步。不同进程的线程间要利用</a:t>
+            </a:r>
+            <a:r>
+              <a:rPr lang="zh-CN" altLang="en-US" dirty="0" smtClean="0">
+                <a:solidFill>
+                  <a:srgbClr val="FF0000"/>
+                </a:solidFill>
+              </a:rPr>
+              <a:t>消息通信</a:t>
+            </a:r>
+            <a:r>
+              <a:rPr lang="zh-CN" altLang="en-US" dirty="0" smtClean="0"/>
+              <a:t>的办法实现同步。</a:t>
+            </a:r>
+            <a:endParaRPr lang="en-US" altLang="zh-CN" dirty="0" smtClean="0"/>
+          </a:p>
+          <a:p>
+            <a:pPr lvl="1">
+              <a:lnSpc>
+                <a:spcPct val="160000"/>
+              </a:lnSpc>
+            </a:pPr>
+            <a:r>
+              <a:rPr lang="zh-CN" altLang="en-US" dirty="0" smtClean="0"/>
+              <a:t>线程作为调度和分配的基本单位，进程作为拥有资源的基本单位。</a:t>
+            </a:r>
+            <a:endParaRPr lang="en-US" altLang="zh-CN" dirty="0" smtClean="0"/>
+          </a:p>
+          <a:p>
+            <a:endParaRPr lang="en-US" altLang="zh-CN" dirty="0" smtClean="0"/>
+          </a:p>
+          <a:p>
+            <a:endParaRPr lang="zh-CN" altLang="en-US" dirty="0"/>
+          </a:p>
+        </p:txBody>
+      </p:sp>
+      <p:sp>
+        <p:nvSpPr>
+          <p:cNvPr id="3" name="标题 2"/>
+          <p:cNvSpPr>
+            <a:spLocks noGrp="1"/>
+          </p:cNvSpPr>
+          <p:nvPr>
+            <p:ph type="title"/>
+          </p:nvPr>
+        </p:nvSpPr>
+        <p:spPr/>
+        <p:txBody>
           <a:bodyPr/>
           <a:lstStyle/>
           <a:p>
-            <a:pPr marL="342900" lvl="1" indent="-342900">
-              <a:lnSpc>
-                <a:spcPct val="140000"/>
-              </a:lnSpc>
-              <a:buFont typeface="Arial" pitchFamily="34" charset="0"/>
-              <a:buChar char="•"/>
-            </a:pPr>
-            <a:r>
-              <a:rPr lang="zh-CN" altLang="en-US" sz="3200" dirty="0" smtClean="0"/>
-              <a:t>优点</a:t>
-            </a:r>
-            <a:endParaRPr lang="en-US" altLang="zh-CN" sz="3200" dirty="0"/>
-          </a:p>
-          <a:p>
-            <a:pPr lvl="1">
-              <a:lnSpc>
-                <a:spcPct val="150000"/>
-              </a:lnSpc>
-            </a:pPr>
-            <a:r>
-              <a:rPr lang="zh-CN" altLang="en-US" dirty="0" smtClean="0"/>
-              <a:t>每个进程互相独立，不影响主程序的稳定性，子进程崩溃不影响其他进程。</a:t>
-            </a:r>
-            <a:endParaRPr lang="en-US" altLang="zh-CN" dirty="0" smtClean="0"/>
-          </a:p>
-          <a:p>
-            <a:pPr lvl="1">
-              <a:lnSpc>
-                <a:spcPct val="150000"/>
-              </a:lnSpc>
-            </a:pPr>
-            <a:r>
-              <a:rPr lang="zh-CN" altLang="en-US" dirty="0" smtClean="0"/>
-              <a:t>通过增加</a:t>
-            </a:r>
-            <a:r>
-              <a:rPr lang="en-US" altLang="zh-CN" dirty="0" smtClean="0"/>
-              <a:t>CPU</a:t>
-            </a:r>
-            <a:r>
-              <a:rPr lang="zh-CN" altLang="en-US" dirty="0" smtClean="0"/>
-              <a:t>，就可以扩充性能。</a:t>
-            </a:r>
-            <a:endParaRPr lang="en-US" altLang="zh-CN" dirty="0" smtClean="0"/>
-          </a:p>
-          <a:p>
-            <a:pPr lvl="1">
-              <a:lnSpc>
-                <a:spcPct val="150000"/>
-              </a:lnSpc>
-            </a:pPr>
-            <a:r>
-              <a:rPr lang="zh-CN" altLang="en-US" dirty="0" smtClean="0"/>
-              <a:t>可以尽量减少线程加锁与解锁的影响，极大的提高了性能。</a:t>
-            </a:r>
-            <a:endParaRPr lang="zh-CN" altLang="en-US" dirty="0"/>
-          </a:p>
-        </p:txBody>
-      </p:sp>
-      <p:sp>
-        <p:nvSpPr>
-          <p:cNvPr id="3" name="标题 2"/>
-          <p:cNvSpPr>
-            <a:spLocks noGrp="1"/>
-          </p:cNvSpPr>
-          <p:nvPr>
-            <p:ph type="title"/>
-          </p:nvPr>
-        </p:nvSpPr>
-        <p:spPr/>
-        <p:txBody>
-          <a:bodyPr/>
-          <a:lstStyle/>
-          <a:p>
-            <a:r>
-              <a:rPr lang="zh-CN" altLang="en-US" dirty="0" smtClean="0"/>
-              <a:t>进程的优点</a:t>
-            </a:r>
-            <a:endParaRPr lang="zh-CN" altLang="en-US" dirty="0"/>
+            <a:r>
+              <a:rPr lang="zh-CN" altLang="en-US" dirty="0"/>
+              <a:t>进程与线程</a:t>
+            </a:r>
           </a:p>
         </p:txBody>
       </p:sp>
     </p:spTree>
     <p:extLst>
       <p:ext uri="{BB962C8B-B14F-4D97-AF65-F5344CB8AC3E}">
-        <p14:creationId xmlns:p14="http://schemas.microsoft.com/office/powerpoint/2010/main" val="2165817939"/>
+        <p14:creationId xmlns:p14="http://schemas.microsoft.com/office/powerpoint/2010/main" val="2846016387"/>
       </p:ext>
     </p:extLst>
   </p:cSld>
@@ -8371,17 +13702,36 @@
         </p:nvSpPr>
         <p:spPr>
           <a:xfrm>
-            <a:off x="270811" y="1196752"/>
-            <a:ext cx="8229600" cy="4525963"/>
+            <a:off x="251520" y="1124744"/>
+            <a:ext cx="8477653" cy="4525963"/>
           </a:xfrm>
         </p:spPr>
         <p:txBody>
           <a:bodyPr/>
           <a:lstStyle/>
           <a:p>
-            <a:r>
-              <a:rPr lang="zh-CN" altLang="en-US" dirty="0" smtClean="0"/>
-              <a:t>缺点</a:t>
+            <a:pPr marL="342900" lvl="1" indent="-342900">
+              <a:lnSpc>
+                <a:spcPct val="140000"/>
+              </a:lnSpc>
+              <a:buFont typeface="Arial" pitchFamily="34" charset="0"/>
+              <a:buChar char="•"/>
+            </a:pPr>
+            <a:r>
+              <a:rPr lang="zh-CN" altLang="en-US" sz="3200" dirty="0" smtClean="0"/>
+              <a:t>优点</a:t>
+            </a:r>
+            <a:endParaRPr lang="en-US" altLang="zh-CN" sz="3200" dirty="0"/>
+          </a:p>
+          <a:p>
+            <a:pPr lvl="1">
+              <a:lnSpc>
+                <a:spcPct val="150000"/>
+              </a:lnSpc>
+            </a:pPr>
+            <a:r>
+              <a:rPr lang="zh-CN" altLang="en-US" dirty="0" smtClean="0"/>
+              <a:t>每个进程互相独立，不影响主程序的稳定性，子进程崩溃不影响其他进程。</a:t>
             </a:r>
             <a:endParaRPr lang="en-US" altLang="zh-CN" dirty="0" smtClean="0"/>
           </a:p>
@@ -8393,7 +13743,15 @@
             </a:pPr>
             <a:r>
               <a:rPr lang="zh-CN" altLang="en-US" dirty="0" smtClean="0"/>
-              <a:t>逻辑控制复杂，需要和主程序交互。</a:t>
+              <a:t>通过增加</a:t>
+            </a:r>
+            <a:r>
+              <a:rPr lang="en-US" altLang="zh-CN" dirty="0" smtClean="0"/>
+              <a:t>CPU</a:t>
+            </a:r>
+            <a:r>
+              <a:rPr lang="zh-CN" altLang="en-US" dirty="0" smtClean="0"/>
+              <a:t>，就可以扩充性能。</a:t>
             </a:r>
             <a:endParaRPr lang="en-US" altLang="zh-CN" dirty="0" smtClean="0"/>
           </a:p>
@@ -8404,12 +13762,8 @@
               </a:lnSpc>
             </a:pPr>
             <a:r>
-              <a:rPr lang="zh-CN" altLang="en-US" dirty="0"/>
-              <a:t>多</a:t>
-            </a:r>
-            <a:r>
-              <a:rPr lang="zh-CN" altLang="en-US" dirty="0" smtClean="0"/>
-              <a:t>进程调度开销大。</a:t>
+              <a:rPr lang="zh-CN" altLang="en-US" dirty="0" smtClean="0"/>
+              <a:t>可以尽量减少线程加锁与解锁的影响，极大的提高了性能。</a:t>
             </a:r>
             <a:endParaRPr lang="zh-CN" altLang="en-US" dirty="0"/>
           </a:p>
@@ -8432,7 +13786,7 @@
           <a:p>
             <a:r>
               <a:rPr lang="zh-CN" altLang="en-US" dirty="0" smtClean="0"/>
-              <a:t>进程的缺点</a:t>
+              <a:t>进程的优点</a:t>
             </a:r>
             <a:endParaRPr lang="zh-CN" altLang="en-US" dirty="0"/>
           </a:p>
@@ -8441,7 +13795,7 @@
     </p:spTree>
     <p:extLst>
       <p:ext uri="{BB962C8B-B14F-4D97-AF65-F5344CB8AC3E}">
-        <p14:creationId xmlns:p14="http://schemas.microsoft.com/office/powerpoint/2010/main" val="3325613009"/>
+        <p14:creationId xmlns:p14="http://schemas.microsoft.com/office/powerpoint/2010/main" val="2165817939"/>
       </p:ext>
     </p:extLst>
   </p:cSld>
@@ -8487,135 +13841,68 @@
         </p:nvSpPr>
         <p:spPr>
           <a:xfrm>
-            <a:off x="276672" y="1052736"/>
-            <a:ext cx="8867328" cy="5805264"/>
+            <a:off x="270811" y="1196752"/>
+            <a:ext cx="8229600" cy="4525963"/>
           </a:xfrm>
         </p:spPr>
         <p:txBody>
-          <a:bodyPr>
-            <a:normAutofit fontScale="77500" lnSpcReduction="20000"/>
-          </a:bodyPr>
-          <a:lstStyle/>
-          <a:p>
-            <a:pPr>
-              <a:lnSpc>
-                <a:spcPct val="170000"/>
-              </a:lnSpc>
-            </a:pPr>
-            <a:r>
-              <a:rPr lang="zh-CN" altLang="en-US" sz="3600" dirty="0" smtClean="0"/>
-              <a:t>优点</a:t>
-            </a:r>
-            <a:endParaRPr lang="en-US" altLang="zh-CN" sz="3600" dirty="0" smtClean="0"/>
-          </a:p>
-          <a:p>
-            <a:pPr lvl="1">
-              <a:lnSpc>
-                <a:spcPct val="170000"/>
-              </a:lnSpc>
-            </a:pPr>
-            <a:r>
-              <a:rPr lang="zh-CN" altLang="en-US" sz="3400" dirty="0" smtClean="0"/>
-              <a:t>程序逻辑和控制方式简单。</a:t>
-            </a:r>
-            <a:endParaRPr lang="en-US" altLang="zh-CN" sz="3400" dirty="0" smtClean="0"/>
-          </a:p>
-          <a:p>
-            <a:pPr lvl="1">
-              <a:lnSpc>
-                <a:spcPct val="170000"/>
-              </a:lnSpc>
-            </a:pPr>
-            <a:r>
-              <a:rPr lang="zh-CN" altLang="en-US" sz="3400" dirty="0" smtClean="0"/>
-              <a:t>所有线程可以直接共享内存和变量等。</a:t>
-            </a:r>
-            <a:endParaRPr lang="en-US" altLang="zh-CN" sz="3400" dirty="0" smtClean="0"/>
-          </a:p>
-          <a:p>
-            <a:pPr>
-              <a:lnSpc>
-                <a:spcPct val="170000"/>
-              </a:lnSpc>
-            </a:pPr>
-            <a:r>
-              <a:rPr lang="zh-CN" altLang="en-US" sz="3600" dirty="0" smtClean="0"/>
-              <a:t>缺点</a:t>
-            </a:r>
-            <a:endParaRPr lang="en-US" altLang="zh-CN" sz="3600" dirty="0" smtClean="0"/>
-          </a:p>
-          <a:p>
-            <a:pPr lvl="1">
-              <a:lnSpc>
-                <a:spcPct val="170000"/>
-              </a:lnSpc>
-            </a:pPr>
-            <a:r>
-              <a:rPr lang="zh-CN" altLang="en-US" sz="3400" dirty="0" smtClean="0"/>
-              <a:t>每个</a:t>
-            </a:r>
-            <a:r>
-              <a:rPr lang="zh-CN" altLang="en-US" sz="3400" dirty="0"/>
-              <a:t>线程</a:t>
-            </a:r>
-            <a:r>
-              <a:rPr lang="zh-CN" altLang="en-US" sz="3400" dirty="0" smtClean="0"/>
-              <a:t>与</a:t>
-            </a:r>
-            <a:r>
-              <a:rPr lang="zh-CN" altLang="en-US" sz="3400" dirty="0" smtClean="0"/>
-              <a:t>程序共用地址空间，最大内存地址受限</a:t>
-            </a:r>
-            <a:endParaRPr lang="en-US" altLang="zh-CN" sz="3400" dirty="0" smtClean="0"/>
-          </a:p>
-          <a:p>
-            <a:pPr lvl="1">
-              <a:lnSpc>
-                <a:spcPct val="170000"/>
-              </a:lnSpc>
-            </a:pPr>
-            <a:r>
-              <a:rPr lang="zh-CN" altLang="en-US" sz="3400" dirty="0" smtClean="0"/>
-              <a:t>线程之间的同步和加锁不易控制</a:t>
-            </a:r>
-            <a:endParaRPr lang="en-US" altLang="zh-CN" sz="3400" dirty="0" smtClean="0"/>
-          </a:p>
-          <a:p>
-            <a:pPr lvl="1">
-              <a:lnSpc>
-                <a:spcPct val="170000"/>
-              </a:lnSpc>
-            </a:pPr>
-            <a:r>
-              <a:rPr lang="zh-CN" altLang="en-US" sz="3400" dirty="0"/>
-              <a:t>一个</a:t>
-            </a:r>
-            <a:r>
-              <a:rPr lang="zh-CN" altLang="en-US" sz="3400" dirty="0" smtClean="0"/>
-              <a:t>线程的崩溃可能影响到整个程序的稳定性。</a:t>
-            </a:r>
-            <a:endParaRPr lang="zh-CN" altLang="en-US" sz="3400" dirty="0"/>
-          </a:p>
-        </p:txBody>
-      </p:sp>
-      <p:sp>
-        <p:nvSpPr>
-          <p:cNvPr id="3" name="标题 2"/>
-          <p:cNvSpPr>
-            <a:spLocks noGrp="1"/>
-          </p:cNvSpPr>
-          <p:nvPr>
-            <p:ph type="title"/>
-          </p:nvPr>
-        </p:nvSpPr>
-        <p:spPr/>
-        <p:txBody>
           <a:bodyPr/>
           <a:lstStyle/>
           <a:p>
             <a:r>
               <a:rPr lang="zh-CN" altLang="en-US" dirty="0" smtClean="0"/>
-              <a:t>线程的优点与缺点</a:t>
+              <a:t>缺点</a:t>
+            </a:r>
+            <a:endParaRPr lang="en-US" altLang="zh-CN" dirty="0" smtClean="0"/>
+          </a:p>
+          <a:p>
+            <a:pPr lvl="1">
+              <a:lnSpc>
+                <a:spcPct val="150000"/>
+              </a:lnSpc>
+            </a:pPr>
+            <a:r>
+              <a:rPr lang="zh-CN" altLang="en-US" dirty="0" smtClean="0"/>
+              <a:t>逻辑控制复杂，需要和主程序交互。</a:t>
+            </a:r>
+            <a:endParaRPr lang="en-US" altLang="zh-CN" dirty="0" smtClean="0"/>
+          </a:p>
+          <a:p>
+            <a:pPr lvl="1">
+              <a:lnSpc>
+                <a:spcPct val="150000"/>
+              </a:lnSpc>
+            </a:pPr>
+            <a:r>
+              <a:rPr lang="zh-CN" altLang="en-US" dirty="0"/>
+              <a:t>多</a:t>
+            </a:r>
+            <a:r>
+              <a:rPr lang="zh-CN" altLang="en-US" dirty="0" smtClean="0"/>
+              <a:t>进程调度开销大。</a:t>
+            </a:r>
+            <a:endParaRPr lang="zh-CN" altLang="en-US" dirty="0"/>
+          </a:p>
+        </p:txBody>
+      </p:sp>
+      <p:sp>
+        <p:nvSpPr>
+          <p:cNvPr id="3" name="标题 2"/>
+          <p:cNvSpPr>
+            <a:spLocks noGrp="1"/>
+          </p:cNvSpPr>
+          <p:nvPr>
+            <p:ph type="title"/>
+          </p:nvPr>
+        </p:nvSpPr>
+        <p:spPr/>
+        <p:txBody>
+          <a:bodyPr/>
+          <a:lstStyle/>
+          <a:p>
+            <a:r>
+              <a:rPr lang="zh-CN" altLang="en-US" dirty="0" smtClean="0"/>
+              <a:t>进程的缺点</a:t>
             </a:r>
             <a:endParaRPr lang="zh-CN" altLang="en-US" dirty="0"/>
           </a:p>
@@ -8624,7 +13911,7 @@
     </p:spTree>
     <p:extLst>
       <p:ext uri="{BB962C8B-B14F-4D97-AF65-F5344CB8AC3E}">
-        <p14:creationId xmlns:p14="http://schemas.microsoft.com/office/powerpoint/2010/main" val="1743524777"/>
+        <p14:creationId xmlns:p14="http://schemas.microsoft.com/office/powerpoint/2010/main" val="3325613009"/>
       </p:ext>
     </p:extLst>
   </p:cSld>
@@ -8649,7 +13936,7 @@
         <a:sysClr val="windowText" lastClr="000000"/>
       </a:dk1>
       <a:lt1>
-        <a:sysClr val="window" lastClr="FFFFFF"/>
+        <a:sysClr val="window" lastClr="CCE8CF"/>
       </a:lt1>
       <a:dk2>
         <a:srgbClr val="1F497D"/>
@@ -8932,7 +14219,7 @@
         <a:sysClr val="windowText" lastClr="000000"/>
       </a:dk1>
       <a:lt1>
-        <a:sysClr val="window" lastClr="FFFFFF"/>
+        <a:sysClr val="window" lastClr="CCE8CF"/>
       </a:lt1>
       <a:dk2>
         <a:srgbClr val="1F497D"/>
